--- a/docs/final presentation/final presentation.pptx
+++ b/docs/final presentation/final presentation.pptx
@@ -6,10 +6,10 @@
     <p:sldMasterId id="2147483657" r:id="rId2"/>
   </p:sldMasterIdLst>
   <p:notesMasterIdLst>
-    <p:notesMasterId r:id="rId17"/>
+    <p:notesMasterId r:id="rId18"/>
   </p:notesMasterIdLst>
   <p:handoutMasterIdLst>
-    <p:handoutMasterId r:id="rId18"/>
+    <p:handoutMasterId r:id="rId19"/>
   </p:handoutMasterIdLst>
   <p:sldIdLst>
     <p:sldId id="344" r:id="rId3"/>
@@ -24,8 +24,9 @@
     <p:sldId id="369" r:id="rId12"/>
     <p:sldId id="361" r:id="rId13"/>
     <p:sldId id="357" r:id="rId14"/>
-    <p:sldId id="353" r:id="rId15"/>
-    <p:sldId id="355" r:id="rId16"/>
+    <p:sldId id="371" r:id="rId15"/>
+    <p:sldId id="370" r:id="rId16"/>
+    <p:sldId id="355" r:id="rId17"/>
   </p:sldIdLst>
   <p:sldSz cx="13004800" cy="9753600"/>
   <p:notesSz cx="6794500" cy="9931400"/>
@@ -6199,127 +6200,6 @@
           </a:p>
         </p:txBody>
       </p:sp>
-      <p:sp>
-        <p:nvSpPr>
-          <p:cNvPr id="27" name="Content Placeholder 24"/>
-          <p:cNvSpPr txBox="1">
-            <a:spLocks/>
-          </p:cNvSpPr>
-          <p:nvPr/>
-        </p:nvSpPr>
-        <p:spPr bwMode="auto">
-          <a:xfrm>
-            <a:off x="6430392" y="2428528"/>
-            <a:ext cx="5530279" cy="718468"/>
-          </a:xfrm>
-          <a:prstGeom prst="rect">
-            <a:avLst/>
-          </a:prstGeom>
-          <a:noFill/>
-          <a:ln w="12700">
-            <a:noFill/>
-            <a:miter lim="800000"/>
-            <a:headEnd/>
-            <a:tailEnd/>
-          </a:ln>
-        </p:spPr>
-        <p:txBody>
-          <a:bodyPr vert="horz" wrap="square" lIns="50791" tIns="50791" rIns="50791" bIns="50791" numCol="1" anchor="t" anchorCtr="0" compatLnSpc="1">
-            <a:prstTxWarp prst="textNoShape">
-              <a:avLst/>
-            </a:prstTxWarp>
-          </a:bodyPr>
-          <a:lstStyle/>
-          <a:p>
-            <a:pPr marL="342847" marR="0" lvl="0" indent="-342847" algn="l" defTabSz="914400" rtl="0" eaLnBrk="0" fontAlgn="base" latinLnBrk="0" hangingPunct="0">
-              <a:lnSpc>
-                <a:spcPct val="100000"/>
-              </a:lnSpc>
-              <a:spcBef>
-                <a:spcPct val="0"/>
-              </a:spcBef>
-              <a:spcAft>
-                <a:spcPct val="0"/>
-              </a:spcAft>
-              <a:buClrTx/>
-              <a:buSzTx/>
-              <a:buFontTx/>
-              <a:buNone/>
-              <a:tabLst/>
-              <a:defRPr/>
-            </a:pPr>
-            <a:r>
-              <a:rPr kumimoji="0" lang="en-US" sz="2600" b="0" i="0" u="none" strike="noStrike" kern="0" cap="none" spc="0" normalizeH="0" baseline="0" noProof="0" dirty="0" smtClean="0">
-                <a:ln>
-                  <a:noFill/>
-                </a:ln>
-                <a:solidFill>
-                  <a:srgbClr val="141313"/>
-                </a:solidFill>
-                <a:effectLst/>
-                <a:uLnTx/>
-                <a:uFillTx/>
-                <a:latin typeface="+mn-lt"/>
-                <a:ea typeface="ＭＳ Ｐゴシック" charset="-128"/>
-                <a:cs typeface="Arial"/>
-                <a:sym typeface="Kievit-Book"/>
-              </a:rPr>
-              <a:t>Found with</a:t>
-            </a:r>
-            <a:r>
-              <a:rPr kumimoji="0" lang="en-US" sz="2600" b="0" i="0" u="none" strike="noStrike" kern="0" cap="none" spc="0" normalizeH="0" noProof="0" dirty="0" smtClean="0">
-                <a:ln>
-                  <a:noFill/>
-                </a:ln>
-                <a:solidFill>
-                  <a:srgbClr val="141313"/>
-                </a:solidFill>
-                <a:effectLst/>
-                <a:uLnTx/>
-                <a:uFillTx/>
-                <a:latin typeface="+mn-lt"/>
-                <a:ea typeface="ＭＳ Ｐゴシック" charset="-128"/>
-                <a:cs typeface="Arial"/>
-                <a:sym typeface="Kievit-Book"/>
-              </a:rPr>
-              <a:t> PC</a:t>
-            </a:r>
-            <a:r>
-              <a:rPr kumimoji="0" lang="en-US" sz="2600" b="0" i="0" u="none" strike="noStrike" kern="0" cap="none" spc="0" normalizeH="0" baseline="0" noProof="0" dirty="0" smtClean="0">
-                <a:ln>
-                  <a:noFill/>
-                </a:ln>
-                <a:solidFill>
-                  <a:srgbClr val="141313"/>
-                </a:solidFill>
-                <a:effectLst/>
-                <a:uLnTx/>
-                <a:uFillTx/>
-                <a:latin typeface="+mn-lt"/>
-                <a:ea typeface="ＭＳ Ｐゴシック" charset="-128"/>
-                <a:cs typeface="Arial"/>
-                <a:sym typeface="Kievit-Book"/>
-              </a:rPr>
-              <a:t>:</a:t>
-            </a:r>
-            <a:endParaRPr kumimoji="0" lang="en-US" sz="2600" b="0" i="0" u="none" strike="noStrike" kern="0" cap="none" spc="0" normalizeH="0" baseline="0" noProof="0" dirty="0">
-              <a:ln>
-                <a:noFill/>
-              </a:ln>
-              <a:solidFill>
-                <a:srgbClr val="141313"/>
-              </a:solidFill>
-              <a:effectLst/>
-              <a:uLnTx/>
-              <a:uFillTx/>
-              <a:latin typeface="+mn-lt"/>
-              <a:ea typeface="ＭＳ Ｐゴシック" charset="-128"/>
-              <a:cs typeface="Arial"/>
-              <a:sym typeface="Kievit-Book"/>
-            </a:endParaRPr>
-          </a:p>
-        </p:txBody>
-      </p:sp>
       <p:pic>
         <p:nvPicPr>
           <p:cNvPr id="1027" name="Picture 3"/>
@@ -6396,8 +6276,8 @@
         </p:nvSpPr>
         <p:spPr>
           <a:xfrm>
-            <a:off x="900113" y="2070100"/>
-            <a:ext cx="11049000" cy="1942604"/>
+            <a:off x="813768" y="1996480"/>
+            <a:ext cx="11049000" cy="1654572"/>
           </a:xfrm>
         </p:spPr>
         <p:txBody>
@@ -7688,7 +7568,7 @@
         <p:spPr>
           <a:xfrm>
             <a:off x="900113" y="2070100"/>
-            <a:ext cx="11049000" cy="2047135"/>
+            <a:ext cx="5530279" cy="2047135"/>
           </a:xfrm>
         </p:spPr>
         <p:txBody>
@@ -7697,77 +7577,15 @@
           <a:p>
             <a:r>
               <a:rPr lang="en-US" dirty="0" smtClean="0"/>
-              <a:t>Scalability</a:t>
+              <a:t>Based on very simple rules</a:t>
             </a:r>
           </a:p>
           <a:p>
             <a:r>
               <a:rPr lang="en-US" dirty="0" smtClean="0"/>
-              <a:t>Variance between subjects</a:t>
-            </a:r>
-          </a:p>
-          <a:p>
-            <a:r>
-              <a:rPr lang="en-US" dirty="0" smtClean="0"/>
-              <a:t>Indirect measurement</a:t>
-            </a:r>
-          </a:p>
-          <a:p>
-            <a:r>
-              <a:rPr lang="en-US" dirty="0" smtClean="0"/>
-              <a:t>Latent sources</a:t>
+              <a:t>Finding directions based on only structure is done with V-structures</a:t>
             </a:r>
             <a:endParaRPr lang="en-US" dirty="0"/>
-          </a:p>
-        </p:txBody>
-      </p:sp>
-      <p:sp>
-        <p:nvSpPr>
-          <p:cNvPr id="4" name="Oval 3"/>
-          <p:cNvSpPr/>
-          <p:nvPr/>
-        </p:nvSpPr>
-        <p:spPr bwMode="auto">
-          <a:xfrm>
-            <a:off x="2497155" y="4597053"/>
-            <a:ext cx="819291" cy="819291"/>
-          </a:xfrm>
-          <a:prstGeom prst="ellipse">
-            <a:avLst/>
-          </a:prstGeom>
-          <a:noFill/>
-          <a:ln w="12700" cap="flat" cmpd="sng" algn="ctr">
-            <a:solidFill>
-              <a:schemeClr val="bg1"/>
-            </a:solidFill>
-            <a:prstDash val="dash"/>
-            <a:round/>
-            <a:headEnd type="none" w="med" len="med"/>
-            <a:tailEnd type="none" w="med" len="med"/>
-          </a:ln>
-          <a:effectLst/>
-        </p:spPr>
-        <p:txBody>
-          <a:bodyPr vert="horz" wrap="square" lIns="130032" tIns="78019" rIns="130032" bIns="65017" numCol="1" rtlCol="0" anchor="t" anchorCtr="0" compatLnSpc="1">
-            <a:prstTxWarp prst="textNoShape">
-              <a:avLst/>
-            </a:prstTxWarp>
-          </a:bodyPr>
-          <a:lstStyle/>
-          <a:p>
-            <a:pPr algn="ctr" defTabSz="1300326"/>
-            <a:r>
-              <a:rPr lang="en-US" sz="2800" i="1" dirty="0">
-                <a:solidFill>
-                  <a:schemeClr val="bg1"/>
-                </a:solidFill>
-                <a:latin typeface="Times New Roman" pitchFamily="18" charset="0"/>
-                <a:ea typeface="ヒラギノ明朝 ProN W3" charset="-128"/>
-                <a:cs typeface="Times New Roman" pitchFamily="18" charset="0"/>
-                <a:sym typeface="American Typewriter" charset="0"/>
-              </a:rPr>
-              <a:t>A</a:t>
-            </a:r>
           </a:p>
         </p:txBody>
       </p:sp>
@@ -7779,7 +7597,7 @@
         </p:nvSpPr>
         <p:spPr bwMode="auto">
           <a:xfrm>
-            <a:off x="1677864" y="6217749"/>
+            <a:off x="2253928" y="4012704"/>
             <a:ext cx="819291" cy="819291"/>
           </a:xfrm>
           <a:prstGeom prst="ellipse">
@@ -7807,7 +7625,7 @@
           <a:p>
             <a:pPr algn="ctr" defTabSz="1300326"/>
             <a:r>
-              <a:rPr lang="en-US" sz="2800" i="1" dirty="0">
+              <a:rPr lang="en-US" sz="2800" i="1" dirty="0" smtClean="0">
                 <a:solidFill>
                   <a:schemeClr val="bg1"/>
                 </a:solidFill>
@@ -7816,8 +7634,17 @@
                 <a:cs typeface="Times New Roman" pitchFamily="18" charset="0"/>
                 <a:sym typeface="American Typewriter" charset="0"/>
               </a:rPr>
-              <a:t>B</a:t>
-            </a:r>
+              <a:t>A</a:t>
+            </a:r>
+            <a:endParaRPr lang="en-US" sz="2800" i="1" dirty="0">
+              <a:solidFill>
+                <a:schemeClr val="bg1"/>
+              </a:solidFill>
+              <a:latin typeface="Times New Roman" pitchFamily="18" charset="0"/>
+              <a:ea typeface="ヒラギノ明朝 ProN W3" charset="-128"/>
+              <a:cs typeface="Times New Roman" pitchFamily="18" charset="0"/>
+              <a:sym typeface="American Typewriter" charset="0"/>
+            </a:endParaRPr>
           </a:p>
         </p:txBody>
       </p:sp>
@@ -7829,7 +7656,7 @@
         </p:nvSpPr>
         <p:spPr bwMode="auto">
           <a:xfrm>
-            <a:off x="3316446" y="6217749"/>
+            <a:off x="3892510" y="4012704"/>
             <a:ext cx="819291" cy="819291"/>
           </a:xfrm>
           <a:prstGeom prst="ellipse">
@@ -7857,7 +7684,7 @@
           <a:p>
             <a:pPr algn="ctr" defTabSz="1300326"/>
             <a:r>
-              <a:rPr lang="en-US" sz="2800" i="1" dirty="0">
+              <a:rPr lang="en-US" sz="2800" i="1" dirty="0" smtClean="0">
                 <a:solidFill>
                   <a:schemeClr val="bg1"/>
                 </a:solidFill>
@@ -7868,22 +7695,267 @@
               </a:rPr>
               <a:t>C</a:t>
             </a:r>
+            <a:endParaRPr lang="en-US" sz="2800" i="1" dirty="0">
+              <a:solidFill>
+                <a:schemeClr val="bg1"/>
+              </a:solidFill>
+              <a:latin typeface="Times New Roman" pitchFamily="18" charset="0"/>
+              <a:ea typeface="ヒラギノ明朝 ProN W3" charset="-128"/>
+              <a:cs typeface="Times New Roman" pitchFamily="18" charset="0"/>
+              <a:sym typeface="American Typewriter" charset="0"/>
+            </a:endParaRPr>
           </a:p>
         </p:txBody>
       </p:sp>
       <p:cxnSp>
         <p:nvCxnSpPr>
           <p:cNvPr id="7" name="Straight Arrow Connector 6"/>
-          <p:cNvCxnSpPr>
-            <a:stCxn id="4" idx="3"/>
-            <a:endCxn id="5" idx="0"/>
-          </p:cNvCxnSpPr>
+          <p:cNvCxnSpPr/>
           <p:nvPr/>
         </p:nvCxnSpPr>
         <p:spPr bwMode="auto">
           <a:xfrm flipH="1">
-            <a:off x="2087510" y="5296363"/>
+            <a:off x="3694088" y="4804792"/>
             <a:ext cx="529628" cy="921388"/>
+          </a:xfrm>
+          <a:prstGeom prst="straightConnector1">
+            <a:avLst/>
+          </a:prstGeom>
+          <a:blipFill dpi="0" rotWithShape="0">
+            <a:blip r:embed="rId2"/>
+            <a:srcRect/>
+            <a:tile tx="0" ty="0" sx="100000" sy="100000" flip="none" algn="tl"/>
+          </a:blipFill>
+          <a:ln w="12700" cap="flat" cmpd="sng" algn="ctr">
+            <a:solidFill>
+              <a:schemeClr val="bg1"/>
+            </a:solidFill>
+            <a:prstDash val="solid"/>
+            <a:round/>
+            <a:headEnd type="none" w="med" len="med"/>
+            <a:tailEnd type="none" w="lg" len="lg"/>
+          </a:ln>
+          <a:effectLst/>
+        </p:spPr>
+      </p:cxnSp>
+      <p:cxnSp>
+        <p:nvCxnSpPr>
+          <p:cNvPr id="8" name="Straight Arrow Connector 7"/>
+          <p:cNvCxnSpPr/>
+          <p:nvPr/>
+        </p:nvCxnSpPr>
+        <p:spPr bwMode="auto">
+          <a:xfrm>
+            <a:off x="2829992" y="4804792"/>
+            <a:ext cx="529628" cy="921388"/>
+          </a:xfrm>
+          <a:prstGeom prst="straightConnector1">
+            <a:avLst/>
+          </a:prstGeom>
+          <a:blipFill dpi="0" rotWithShape="0">
+            <a:blip r:embed="rId2"/>
+            <a:srcRect/>
+            <a:tile tx="0" ty="0" sx="100000" sy="100000" flip="none" algn="tl"/>
+          </a:blipFill>
+          <a:ln w="12700" cap="flat" cmpd="sng" algn="ctr">
+            <a:solidFill>
+              <a:schemeClr val="bg1"/>
+            </a:solidFill>
+            <a:prstDash val="solid"/>
+            <a:round/>
+            <a:headEnd type="none" w="med" len="med"/>
+            <a:tailEnd type="none" w="lg" len="lg"/>
+          </a:ln>
+          <a:effectLst/>
+        </p:spPr>
+      </p:cxnSp>
+      <p:sp>
+        <p:nvSpPr>
+          <p:cNvPr id="14" name="Oval 13"/>
+          <p:cNvSpPr/>
+          <p:nvPr/>
+        </p:nvSpPr>
+        <p:spPr bwMode="auto">
+          <a:xfrm>
+            <a:off x="3118024" y="5668888"/>
+            <a:ext cx="819291" cy="819291"/>
+          </a:xfrm>
+          <a:prstGeom prst="ellipse">
+            <a:avLst/>
+          </a:prstGeom>
+          <a:noFill/>
+          <a:ln w="12700" cap="flat" cmpd="sng" algn="ctr">
+            <a:solidFill>
+              <a:schemeClr val="bg1"/>
+            </a:solidFill>
+            <a:prstDash val="solid"/>
+            <a:round/>
+            <a:headEnd type="none" w="med" len="med"/>
+            <a:tailEnd type="none" w="med" len="med"/>
+          </a:ln>
+          <a:effectLst/>
+        </p:spPr>
+        <p:txBody>
+          <a:bodyPr vert="horz" wrap="square" lIns="130032" tIns="78019" rIns="130032" bIns="65017" numCol="1" rtlCol="0" anchor="t" anchorCtr="0" compatLnSpc="1">
+            <a:prstTxWarp prst="textNoShape">
+              <a:avLst/>
+            </a:prstTxWarp>
+          </a:bodyPr>
+          <a:lstStyle/>
+          <a:p>
+            <a:pPr algn="ctr" defTabSz="1300326"/>
+            <a:r>
+              <a:rPr lang="en-US" sz="2800" i="1" dirty="0" smtClean="0">
+                <a:solidFill>
+                  <a:schemeClr val="bg1"/>
+                </a:solidFill>
+                <a:latin typeface="Times New Roman" pitchFamily="18" charset="0"/>
+                <a:ea typeface="ヒラギノ明朝 ProN W3" charset="-128"/>
+                <a:cs typeface="Times New Roman" pitchFamily="18" charset="0"/>
+                <a:sym typeface="American Typewriter" charset="0"/>
+              </a:rPr>
+              <a:t>B</a:t>
+            </a:r>
+            <a:endParaRPr lang="en-US" sz="2800" i="1" dirty="0">
+              <a:solidFill>
+                <a:schemeClr val="bg1"/>
+              </a:solidFill>
+              <a:latin typeface="Times New Roman" pitchFamily="18" charset="0"/>
+              <a:ea typeface="ヒラギノ明朝 ProN W3" charset="-128"/>
+              <a:cs typeface="Times New Roman" pitchFamily="18" charset="0"/>
+              <a:sym typeface="American Typewriter" charset="0"/>
+            </a:endParaRPr>
+          </a:p>
+        </p:txBody>
+      </p:sp>
+      <p:sp>
+        <p:nvSpPr>
+          <p:cNvPr id="20" name="Oval 19"/>
+          <p:cNvSpPr/>
+          <p:nvPr/>
+        </p:nvSpPr>
+        <p:spPr bwMode="auto">
+          <a:xfrm>
+            <a:off x="8104178" y="1564432"/>
+            <a:ext cx="819291" cy="819291"/>
+          </a:xfrm>
+          <a:prstGeom prst="ellipse">
+            <a:avLst/>
+          </a:prstGeom>
+          <a:noFill/>
+          <a:ln w="12700" cap="flat" cmpd="sng" algn="ctr">
+            <a:solidFill>
+              <a:schemeClr val="bg1"/>
+            </a:solidFill>
+            <a:prstDash val="solid"/>
+            <a:round/>
+            <a:headEnd type="none" w="med" len="med"/>
+            <a:tailEnd type="none" w="med" len="med"/>
+          </a:ln>
+          <a:effectLst/>
+        </p:spPr>
+        <p:txBody>
+          <a:bodyPr vert="horz" wrap="square" lIns="130032" tIns="78019" rIns="130032" bIns="65017" numCol="1" rtlCol="0" anchor="t" anchorCtr="0" compatLnSpc="1">
+            <a:prstTxWarp prst="textNoShape">
+              <a:avLst/>
+            </a:prstTxWarp>
+          </a:bodyPr>
+          <a:lstStyle/>
+          <a:p>
+            <a:pPr algn="ctr" defTabSz="1300326"/>
+            <a:r>
+              <a:rPr lang="en-US" sz="2800" i="1" dirty="0" smtClean="0">
+                <a:solidFill>
+                  <a:schemeClr val="bg1"/>
+                </a:solidFill>
+                <a:latin typeface="Times New Roman" pitchFamily="18" charset="0"/>
+                <a:ea typeface="ヒラギノ明朝 ProN W3" charset="-128"/>
+                <a:cs typeface="Times New Roman" pitchFamily="18" charset="0"/>
+                <a:sym typeface="American Typewriter" charset="0"/>
+              </a:rPr>
+              <a:t>A</a:t>
+            </a:r>
+            <a:endParaRPr lang="en-US" sz="2800" i="1" dirty="0">
+              <a:solidFill>
+                <a:schemeClr val="bg1"/>
+              </a:solidFill>
+              <a:latin typeface="Times New Roman" pitchFamily="18" charset="0"/>
+              <a:ea typeface="ヒラギノ明朝 ProN W3" charset="-128"/>
+              <a:cs typeface="Times New Roman" pitchFamily="18" charset="0"/>
+              <a:sym typeface="American Typewriter" charset="0"/>
+            </a:endParaRPr>
+          </a:p>
+        </p:txBody>
+      </p:sp>
+      <p:sp>
+        <p:nvSpPr>
+          <p:cNvPr id="21" name="Oval 20"/>
+          <p:cNvSpPr/>
+          <p:nvPr/>
+        </p:nvSpPr>
+        <p:spPr bwMode="auto">
+          <a:xfrm>
+            <a:off x="9526736" y="1564432"/>
+            <a:ext cx="819291" cy="819291"/>
+          </a:xfrm>
+          <a:prstGeom prst="ellipse">
+            <a:avLst/>
+          </a:prstGeom>
+          <a:noFill/>
+          <a:ln w="12700" cap="flat" cmpd="sng" algn="ctr">
+            <a:solidFill>
+              <a:schemeClr val="bg1"/>
+            </a:solidFill>
+            <a:prstDash val="solid"/>
+            <a:round/>
+            <a:headEnd type="none" w="med" len="med"/>
+            <a:tailEnd type="none" w="med" len="med"/>
+          </a:ln>
+          <a:effectLst/>
+        </p:spPr>
+        <p:txBody>
+          <a:bodyPr vert="horz" wrap="square" lIns="130032" tIns="78019" rIns="130032" bIns="65017" numCol="1" rtlCol="0" anchor="t" anchorCtr="0" compatLnSpc="1">
+            <a:prstTxWarp prst="textNoShape">
+              <a:avLst/>
+            </a:prstTxWarp>
+          </a:bodyPr>
+          <a:lstStyle/>
+          <a:p>
+            <a:pPr algn="ctr" defTabSz="1300326"/>
+            <a:r>
+              <a:rPr lang="en-US" sz="2800" i="1" dirty="0" smtClean="0">
+                <a:solidFill>
+                  <a:schemeClr val="bg1"/>
+                </a:solidFill>
+                <a:latin typeface="Times New Roman" pitchFamily="18" charset="0"/>
+                <a:ea typeface="ヒラギノ明朝 ProN W3" charset="-128"/>
+                <a:cs typeface="Times New Roman" pitchFamily="18" charset="0"/>
+                <a:sym typeface="American Typewriter" charset="0"/>
+              </a:rPr>
+              <a:t>C</a:t>
+            </a:r>
+            <a:endParaRPr lang="en-US" sz="2800" i="1" dirty="0">
+              <a:solidFill>
+                <a:schemeClr val="bg1"/>
+              </a:solidFill>
+              <a:latin typeface="Times New Roman" pitchFamily="18" charset="0"/>
+              <a:ea typeface="ヒラギノ明朝 ProN W3" charset="-128"/>
+              <a:cs typeface="Times New Roman" pitchFamily="18" charset="0"/>
+              <a:sym typeface="American Typewriter" charset="0"/>
+            </a:endParaRPr>
+          </a:p>
+        </p:txBody>
+      </p:sp>
+      <p:cxnSp>
+        <p:nvCxnSpPr>
+          <p:cNvPr id="22" name="Straight Arrow Connector 21"/>
+          <p:cNvCxnSpPr/>
+          <p:nvPr/>
+        </p:nvCxnSpPr>
+        <p:spPr bwMode="auto">
+          <a:xfrm flipH="1">
+            <a:off x="9454728" y="2356520"/>
+            <a:ext cx="331206" cy="576064"/>
           </a:xfrm>
           <a:prstGeom prst="straightConnector1">
             <a:avLst/>
@@ -7907,17 +7979,680 @@
       </p:cxnSp>
       <p:cxnSp>
         <p:nvCxnSpPr>
-          <p:cNvPr id="8" name="Straight Arrow Connector 7"/>
-          <p:cNvCxnSpPr>
-            <a:stCxn id="4" idx="5"/>
-            <a:endCxn id="6" idx="0"/>
-          </p:cNvCxnSpPr>
+          <p:cNvPr id="23" name="Straight Arrow Connector 22"/>
+          <p:cNvCxnSpPr/>
           <p:nvPr/>
         </p:nvCxnSpPr>
         <p:spPr bwMode="auto">
           <a:xfrm>
-            <a:off x="3196465" y="5296363"/>
-            <a:ext cx="529628" cy="921388"/>
+            <a:off x="8680242" y="2356520"/>
+            <a:ext cx="342438" cy="576064"/>
+          </a:xfrm>
+          <a:prstGeom prst="straightConnector1">
+            <a:avLst/>
+          </a:prstGeom>
+          <a:blipFill dpi="0" rotWithShape="0">
+            <a:blip r:embed="rId2"/>
+            <a:srcRect/>
+            <a:tile tx="0" ty="0" sx="100000" sy="100000" flip="none" algn="tl"/>
+          </a:blipFill>
+          <a:ln w="12700" cap="flat" cmpd="sng" algn="ctr">
+            <a:solidFill>
+              <a:schemeClr val="bg1"/>
+            </a:solidFill>
+            <a:prstDash val="solid"/>
+            <a:round/>
+            <a:headEnd type="triangle" w="lg" len="lg"/>
+            <a:tailEnd type="none" w="lg" len="lg"/>
+          </a:ln>
+          <a:effectLst/>
+        </p:spPr>
+      </p:cxnSp>
+      <p:sp>
+        <p:nvSpPr>
+          <p:cNvPr id="24" name="Oval 23"/>
+          <p:cNvSpPr/>
+          <p:nvPr/>
+        </p:nvSpPr>
+        <p:spPr bwMode="auto">
+          <a:xfrm>
+            <a:off x="8806656" y="2860576"/>
+            <a:ext cx="819291" cy="819291"/>
+          </a:xfrm>
+          <a:prstGeom prst="ellipse">
+            <a:avLst/>
+          </a:prstGeom>
+          <a:noFill/>
+          <a:ln w="12700" cap="flat" cmpd="sng" algn="ctr">
+            <a:solidFill>
+              <a:schemeClr val="bg1"/>
+            </a:solidFill>
+            <a:prstDash val="solid"/>
+            <a:round/>
+            <a:headEnd type="none" w="med" len="med"/>
+            <a:tailEnd type="none" w="med" len="med"/>
+          </a:ln>
+          <a:effectLst/>
+        </p:spPr>
+        <p:txBody>
+          <a:bodyPr vert="horz" wrap="square" lIns="130032" tIns="78019" rIns="130032" bIns="65017" numCol="1" rtlCol="0" anchor="t" anchorCtr="0" compatLnSpc="1">
+            <a:prstTxWarp prst="textNoShape">
+              <a:avLst/>
+            </a:prstTxWarp>
+          </a:bodyPr>
+          <a:lstStyle/>
+          <a:p>
+            <a:pPr algn="ctr" defTabSz="1300326"/>
+            <a:r>
+              <a:rPr lang="en-US" sz="2800" i="1" dirty="0" smtClean="0">
+                <a:solidFill>
+                  <a:schemeClr val="bg1"/>
+                </a:solidFill>
+                <a:latin typeface="Times New Roman" pitchFamily="18" charset="0"/>
+                <a:ea typeface="ヒラギノ明朝 ProN W3" charset="-128"/>
+                <a:cs typeface="Times New Roman" pitchFamily="18" charset="0"/>
+                <a:sym typeface="American Typewriter" charset="0"/>
+              </a:rPr>
+              <a:t>B</a:t>
+            </a:r>
+            <a:endParaRPr lang="en-US" sz="2800" i="1" dirty="0">
+              <a:solidFill>
+                <a:schemeClr val="bg1"/>
+              </a:solidFill>
+              <a:latin typeface="Times New Roman" pitchFamily="18" charset="0"/>
+              <a:ea typeface="ヒラギノ明朝 ProN W3" charset="-128"/>
+              <a:cs typeface="Times New Roman" pitchFamily="18" charset="0"/>
+              <a:sym typeface="American Typewriter" charset="0"/>
+            </a:endParaRPr>
+          </a:p>
+        </p:txBody>
+      </p:sp>
+      <p:sp>
+        <p:nvSpPr>
+          <p:cNvPr id="25" name="Right Arrow 24"/>
+          <p:cNvSpPr/>
+          <p:nvPr/>
+        </p:nvSpPr>
+        <p:spPr bwMode="auto">
+          <a:xfrm>
+            <a:off x="6009782" y="4849062"/>
+            <a:ext cx="492619" cy="500750"/>
+          </a:xfrm>
+          <a:prstGeom prst="rightArrow">
+            <a:avLst/>
+          </a:prstGeom>
+          <a:solidFill>
+            <a:schemeClr val="bg1"/>
+          </a:solidFill>
+          <a:ln w="12700" cap="flat" cmpd="sng" algn="ctr">
+            <a:noFill/>
+            <a:prstDash val="solid"/>
+            <a:round/>
+            <a:headEnd type="none" w="med" len="med"/>
+            <a:tailEnd type="none" w="med" len="med"/>
+          </a:ln>
+          <a:effectLst/>
+        </p:spPr>
+        <p:txBody>
+          <a:bodyPr vert="horz" wrap="square" lIns="130046" tIns="65023" rIns="130046" bIns="65023" numCol="1" rtlCol="0" anchor="t" anchorCtr="0" compatLnSpc="1">
+            <a:prstTxWarp prst="textNoShape">
+              <a:avLst/>
+            </a:prstTxWarp>
+          </a:bodyPr>
+          <a:lstStyle>
+            <a:defPPr>
+              <a:defRPr lang="en-US"/>
+            </a:defPPr>
+            <a:lvl1pPr algn="l" rtl="0" fontAlgn="base">
+              <a:spcBef>
+                <a:spcPct val="0"/>
+              </a:spcBef>
+              <a:spcAft>
+                <a:spcPct val="0"/>
+              </a:spcAft>
+              <a:defRPr sz="4000" kern="1200">
+                <a:solidFill>
+                  <a:srgbClr val="FFFFFF"/>
+                </a:solidFill>
+                <a:latin typeface="American Typewriter"/>
+                <a:ea typeface="ヒラギノ明朝 ProN W3"/>
+                <a:cs typeface="ヒラギノ明朝 ProN W3"/>
+                <a:sym typeface="American Typewriter"/>
+              </a:defRPr>
+            </a:lvl1pPr>
+            <a:lvl2pPr marL="457200" algn="l" rtl="0" fontAlgn="base">
+              <a:spcBef>
+                <a:spcPct val="0"/>
+              </a:spcBef>
+              <a:spcAft>
+                <a:spcPct val="0"/>
+              </a:spcAft>
+              <a:defRPr sz="4000" kern="1200">
+                <a:solidFill>
+                  <a:srgbClr val="FFFFFF"/>
+                </a:solidFill>
+                <a:latin typeface="American Typewriter"/>
+                <a:ea typeface="ヒラギノ明朝 ProN W3"/>
+                <a:cs typeface="ヒラギノ明朝 ProN W3"/>
+                <a:sym typeface="American Typewriter"/>
+              </a:defRPr>
+            </a:lvl2pPr>
+            <a:lvl3pPr marL="914400" algn="l" rtl="0" fontAlgn="base">
+              <a:spcBef>
+                <a:spcPct val="0"/>
+              </a:spcBef>
+              <a:spcAft>
+                <a:spcPct val="0"/>
+              </a:spcAft>
+              <a:defRPr sz="4000" kern="1200">
+                <a:solidFill>
+                  <a:srgbClr val="FFFFFF"/>
+                </a:solidFill>
+                <a:latin typeface="American Typewriter"/>
+                <a:ea typeface="ヒラギノ明朝 ProN W3"/>
+                <a:cs typeface="ヒラギノ明朝 ProN W3"/>
+                <a:sym typeface="American Typewriter"/>
+              </a:defRPr>
+            </a:lvl3pPr>
+            <a:lvl4pPr marL="1371600" algn="l" rtl="0" fontAlgn="base">
+              <a:spcBef>
+                <a:spcPct val="0"/>
+              </a:spcBef>
+              <a:spcAft>
+                <a:spcPct val="0"/>
+              </a:spcAft>
+              <a:defRPr sz="4000" kern="1200">
+                <a:solidFill>
+                  <a:srgbClr val="FFFFFF"/>
+                </a:solidFill>
+                <a:latin typeface="American Typewriter"/>
+                <a:ea typeface="ヒラギノ明朝 ProN W3"/>
+                <a:cs typeface="ヒラギノ明朝 ProN W3"/>
+                <a:sym typeface="American Typewriter"/>
+              </a:defRPr>
+            </a:lvl4pPr>
+            <a:lvl5pPr marL="1828800" algn="l" rtl="0" fontAlgn="base">
+              <a:spcBef>
+                <a:spcPct val="0"/>
+              </a:spcBef>
+              <a:spcAft>
+                <a:spcPct val="0"/>
+              </a:spcAft>
+              <a:defRPr sz="4000" kern="1200">
+                <a:solidFill>
+                  <a:srgbClr val="FFFFFF"/>
+                </a:solidFill>
+                <a:latin typeface="American Typewriter"/>
+                <a:ea typeface="ヒラギノ明朝 ProN W3"/>
+                <a:cs typeface="ヒラギノ明朝 ProN W3"/>
+                <a:sym typeface="American Typewriter"/>
+              </a:defRPr>
+            </a:lvl5pPr>
+            <a:lvl6pPr marL="2286000" algn="l" defTabSz="914400" rtl="0" eaLnBrk="1" latinLnBrk="0" hangingPunct="1">
+              <a:defRPr sz="4000" kern="1200">
+                <a:solidFill>
+                  <a:srgbClr val="FFFFFF"/>
+                </a:solidFill>
+                <a:latin typeface="American Typewriter"/>
+                <a:ea typeface="ヒラギノ明朝 ProN W3"/>
+                <a:cs typeface="ヒラギノ明朝 ProN W3"/>
+                <a:sym typeface="American Typewriter"/>
+              </a:defRPr>
+            </a:lvl6pPr>
+            <a:lvl7pPr marL="2743200" algn="l" defTabSz="914400" rtl="0" eaLnBrk="1" latinLnBrk="0" hangingPunct="1">
+              <a:defRPr sz="4000" kern="1200">
+                <a:solidFill>
+                  <a:srgbClr val="FFFFFF"/>
+                </a:solidFill>
+                <a:latin typeface="American Typewriter"/>
+                <a:ea typeface="ヒラギノ明朝 ProN W3"/>
+                <a:cs typeface="ヒラギノ明朝 ProN W3"/>
+                <a:sym typeface="American Typewriter"/>
+              </a:defRPr>
+            </a:lvl7pPr>
+            <a:lvl8pPr marL="3200400" algn="l" defTabSz="914400" rtl="0" eaLnBrk="1" latinLnBrk="0" hangingPunct="1">
+              <a:defRPr sz="4000" kern="1200">
+                <a:solidFill>
+                  <a:srgbClr val="FFFFFF"/>
+                </a:solidFill>
+                <a:latin typeface="American Typewriter"/>
+                <a:ea typeface="ヒラギノ明朝 ProN W3"/>
+                <a:cs typeface="ヒラギノ明朝 ProN W3"/>
+                <a:sym typeface="American Typewriter"/>
+              </a:defRPr>
+            </a:lvl8pPr>
+            <a:lvl9pPr marL="3657600" algn="l" defTabSz="914400" rtl="0" eaLnBrk="1" latinLnBrk="0" hangingPunct="1">
+              <a:defRPr sz="4000" kern="1200">
+                <a:solidFill>
+                  <a:srgbClr val="FFFFFF"/>
+                </a:solidFill>
+                <a:latin typeface="American Typewriter"/>
+                <a:ea typeface="ヒラギノ明朝 ProN W3"/>
+                <a:cs typeface="ヒラギノ明朝 ProN W3"/>
+                <a:sym typeface="American Typewriter"/>
+              </a:defRPr>
+            </a:lvl9pPr>
+          </a:lstStyle>
+          <a:p>
+            <a:pPr algn="ctr" defTabSz="1300460"/>
+            <a:endParaRPr lang="en-US" sz="5700">
+              <a:latin typeface="American Typewriter" charset="0"/>
+              <a:ea typeface="ヒラギノ明朝 ProN W3" charset="-128"/>
+              <a:cs typeface="ヒラギノ明朝 ProN W3" charset="-128"/>
+              <a:sym typeface="American Typewriter" charset="0"/>
+            </a:endParaRPr>
+          </a:p>
+        </p:txBody>
+      </p:sp>
+      <p:sp>
+        <p:nvSpPr>
+          <p:cNvPr id="26" name="TextBox 25"/>
+          <p:cNvSpPr txBox="1"/>
+          <p:nvPr/>
+        </p:nvSpPr>
+        <p:spPr>
+          <a:xfrm>
+            <a:off x="5998344" y="4156720"/>
+            <a:ext cx="470000" cy="707886"/>
+          </a:xfrm>
+          <a:prstGeom prst="rect">
+            <a:avLst/>
+          </a:prstGeom>
+          <a:noFill/>
+        </p:spPr>
+        <p:txBody>
+          <a:bodyPr wrap="none" rtlCol="0">
+            <a:spAutoFit/>
+          </a:bodyPr>
+          <a:lstStyle/>
+          <a:p>
+            <a:r>
+              <a:rPr lang="en-US" dirty="0" smtClean="0">
+                <a:solidFill>
+                  <a:schemeClr val="bg1"/>
+                </a:solidFill>
+                <a:latin typeface="Arial"/>
+                <a:cs typeface="Arial"/>
+              </a:rPr>
+              <a:t>?</a:t>
+            </a:r>
+            <a:endParaRPr lang="en-US" dirty="0" smtClean="0">
+              <a:solidFill>
+                <a:schemeClr val="bg1"/>
+              </a:solidFill>
+              <a:latin typeface="Arial"/>
+              <a:cs typeface="Arial"/>
+            </a:endParaRPr>
+          </a:p>
+        </p:txBody>
+      </p:sp>
+      <p:sp>
+        <p:nvSpPr>
+          <p:cNvPr id="29" name="Oval 28"/>
+          <p:cNvSpPr/>
+          <p:nvPr/>
+        </p:nvSpPr>
+        <p:spPr bwMode="auto">
+          <a:xfrm>
+            <a:off x="8104178" y="3796680"/>
+            <a:ext cx="819291" cy="819291"/>
+          </a:xfrm>
+          <a:prstGeom prst="ellipse">
+            <a:avLst/>
+          </a:prstGeom>
+          <a:noFill/>
+          <a:ln w="12700" cap="flat" cmpd="sng" algn="ctr">
+            <a:solidFill>
+              <a:schemeClr val="bg1"/>
+            </a:solidFill>
+            <a:prstDash val="solid"/>
+            <a:round/>
+            <a:headEnd type="none" w="med" len="med"/>
+            <a:tailEnd type="none" w="med" len="med"/>
+          </a:ln>
+          <a:effectLst/>
+        </p:spPr>
+        <p:txBody>
+          <a:bodyPr vert="horz" wrap="square" lIns="130032" tIns="78019" rIns="130032" bIns="65017" numCol="1" rtlCol="0" anchor="t" anchorCtr="0" compatLnSpc="1">
+            <a:prstTxWarp prst="textNoShape">
+              <a:avLst/>
+            </a:prstTxWarp>
+          </a:bodyPr>
+          <a:lstStyle/>
+          <a:p>
+            <a:pPr algn="ctr" defTabSz="1300326"/>
+            <a:r>
+              <a:rPr lang="en-US" sz="2800" i="1" dirty="0" smtClean="0">
+                <a:solidFill>
+                  <a:schemeClr val="bg1"/>
+                </a:solidFill>
+                <a:latin typeface="Times New Roman" pitchFamily="18" charset="0"/>
+                <a:ea typeface="ヒラギノ明朝 ProN W3" charset="-128"/>
+                <a:cs typeface="Times New Roman" pitchFamily="18" charset="0"/>
+                <a:sym typeface="American Typewriter" charset="0"/>
+              </a:rPr>
+              <a:t>A</a:t>
+            </a:r>
+            <a:endParaRPr lang="en-US" sz="2800" i="1" dirty="0">
+              <a:solidFill>
+                <a:schemeClr val="bg1"/>
+              </a:solidFill>
+              <a:latin typeface="Times New Roman" pitchFamily="18" charset="0"/>
+              <a:ea typeface="ヒラギノ明朝 ProN W3" charset="-128"/>
+              <a:cs typeface="Times New Roman" pitchFamily="18" charset="0"/>
+              <a:sym typeface="American Typewriter" charset="0"/>
+            </a:endParaRPr>
+          </a:p>
+        </p:txBody>
+      </p:sp>
+      <p:sp>
+        <p:nvSpPr>
+          <p:cNvPr id="30" name="Oval 29"/>
+          <p:cNvSpPr/>
+          <p:nvPr/>
+        </p:nvSpPr>
+        <p:spPr bwMode="auto">
+          <a:xfrm>
+            <a:off x="9526736" y="3796680"/>
+            <a:ext cx="819291" cy="819291"/>
+          </a:xfrm>
+          <a:prstGeom prst="ellipse">
+            <a:avLst/>
+          </a:prstGeom>
+          <a:noFill/>
+          <a:ln w="12700" cap="flat" cmpd="sng" algn="ctr">
+            <a:solidFill>
+              <a:schemeClr val="bg1"/>
+            </a:solidFill>
+            <a:prstDash val="solid"/>
+            <a:round/>
+            <a:headEnd type="none" w="med" len="med"/>
+            <a:tailEnd type="none" w="med" len="med"/>
+          </a:ln>
+          <a:effectLst/>
+        </p:spPr>
+        <p:txBody>
+          <a:bodyPr vert="horz" wrap="square" lIns="130032" tIns="78019" rIns="130032" bIns="65017" numCol="1" rtlCol="0" anchor="t" anchorCtr="0" compatLnSpc="1">
+            <a:prstTxWarp prst="textNoShape">
+              <a:avLst/>
+            </a:prstTxWarp>
+          </a:bodyPr>
+          <a:lstStyle/>
+          <a:p>
+            <a:pPr algn="ctr" defTabSz="1300326"/>
+            <a:r>
+              <a:rPr lang="en-US" sz="2800" i="1" dirty="0" smtClean="0">
+                <a:solidFill>
+                  <a:schemeClr val="bg1"/>
+                </a:solidFill>
+                <a:latin typeface="Times New Roman" pitchFamily="18" charset="0"/>
+                <a:ea typeface="ヒラギノ明朝 ProN W3" charset="-128"/>
+                <a:cs typeface="Times New Roman" pitchFamily="18" charset="0"/>
+                <a:sym typeface="American Typewriter" charset="0"/>
+              </a:rPr>
+              <a:t>C</a:t>
+            </a:r>
+            <a:endParaRPr lang="en-US" sz="2800" i="1" dirty="0">
+              <a:solidFill>
+                <a:schemeClr val="bg1"/>
+              </a:solidFill>
+              <a:latin typeface="Times New Roman" pitchFamily="18" charset="0"/>
+              <a:ea typeface="ヒラギノ明朝 ProN W3" charset="-128"/>
+              <a:cs typeface="Times New Roman" pitchFamily="18" charset="0"/>
+              <a:sym typeface="American Typewriter" charset="0"/>
+            </a:endParaRPr>
+          </a:p>
+        </p:txBody>
+      </p:sp>
+      <p:cxnSp>
+        <p:nvCxnSpPr>
+          <p:cNvPr id="31" name="Straight Arrow Connector 30"/>
+          <p:cNvCxnSpPr/>
+          <p:nvPr/>
+        </p:nvCxnSpPr>
+        <p:spPr bwMode="auto">
+          <a:xfrm flipH="1">
+            <a:off x="9454728" y="4588768"/>
+            <a:ext cx="331206" cy="576064"/>
+          </a:xfrm>
+          <a:prstGeom prst="straightConnector1">
+            <a:avLst/>
+          </a:prstGeom>
+          <a:blipFill dpi="0" rotWithShape="0">
+            <a:blip r:embed="rId2"/>
+            <a:srcRect/>
+            <a:tile tx="0" ty="0" sx="100000" sy="100000" flip="none" algn="tl"/>
+          </a:blipFill>
+          <a:ln w="12700" cap="flat" cmpd="sng" algn="ctr">
+            <a:solidFill>
+              <a:schemeClr val="bg1"/>
+            </a:solidFill>
+            <a:prstDash val="solid"/>
+            <a:round/>
+            <a:headEnd type="triangle" w="lg" len="lg"/>
+            <a:tailEnd type="none" w="lg" len="lg"/>
+          </a:ln>
+          <a:effectLst/>
+        </p:spPr>
+      </p:cxnSp>
+      <p:cxnSp>
+        <p:nvCxnSpPr>
+          <p:cNvPr id="32" name="Straight Arrow Connector 31"/>
+          <p:cNvCxnSpPr/>
+          <p:nvPr/>
+        </p:nvCxnSpPr>
+        <p:spPr bwMode="auto">
+          <a:xfrm>
+            <a:off x="8680242" y="4588768"/>
+            <a:ext cx="342438" cy="576064"/>
+          </a:xfrm>
+          <a:prstGeom prst="straightConnector1">
+            <a:avLst/>
+          </a:prstGeom>
+          <a:blipFill dpi="0" rotWithShape="0">
+            <a:blip r:embed="rId2"/>
+            <a:srcRect/>
+            <a:tile tx="0" ty="0" sx="100000" sy="100000" flip="none" algn="tl"/>
+          </a:blipFill>
+          <a:ln w="12700" cap="flat" cmpd="sng" algn="ctr">
+            <a:solidFill>
+              <a:schemeClr val="bg1"/>
+            </a:solidFill>
+            <a:prstDash val="solid"/>
+            <a:round/>
+            <a:headEnd type="triangle" w="lg" len="lg"/>
+            <a:tailEnd type="none" w="lg" len="lg"/>
+          </a:ln>
+          <a:effectLst/>
+        </p:spPr>
+      </p:cxnSp>
+      <p:sp>
+        <p:nvSpPr>
+          <p:cNvPr id="33" name="Oval 32"/>
+          <p:cNvSpPr/>
+          <p:nvPr/>
+        </p:nvSpPr>
+        <p:spPr bwMode="auto">
+          <a:xfrm>
+            <a:off x="8806656" y="5092824"/>
+            <a:ext cx="819291" cy="819291"/>
+          </a:xfrm>
+          <a:prstGeom prst="ellipse">
+            <a:avLst/>
+          </a:prstGeom>
+          <a:noFill/>
+          <a:ln w="12700" cap="flat" cmpd="sng" algn="ctr">
+            <a:solidFill>
+              <a:schemeClr val="bg1"/>
+            </a:solidFill>
+            <a:prstDash val="solid"/>
+            <a:round/>
+            <a:headEnd type="none" w="med" len="med"/>
+            <a:tailEnd type="none" w="med" len="med"/>
+          </a:ln>
+          <a:effectLst/>
+        </p:spPr>
+        <p:txBody>
+          <a:bodyPr vert="horz" wrap="square" lIns="130032" tIns="78019" rIns="130032" bIns="65017" numCol="1" rtlCol="0" anchor="t" anchorCtr="0" compatLnSpc="1">
+            <a:prstTxWarp prst="textNoShape">
+              <a:avLst/>
+            </a:prstTxWarp>
+          </a:bodyPr>
+          <a:lstStyle/>
+          <a:p>
+            <a:pPr algn="ctr" defTabSz="1300326"/>
+            <a:r>
+              <a:rPr lang="en-US" sz="2800" i="1" dirty="0" smtClean="0">
+                <a:solidFill>
+                  <a:schemeClr val="bg1"/>
+                </a:solidFill>
+                <a:latin typeface="Times New Roman" pitchFamily="18" charset="0"/>
+                <a:ea typeface="ヒラギノ明朝 ProN W3" charset="-128"/>
+                <a:cs typeface="Times New Roman" pitchFamily="18" charset="0"/>
+                <a:sym typeface="American Typewriter" charset="0"/>
+              </a:rPr>
+              <a:t>B</a:t>
+            </a:r>
+            <a:endParaRPr lang="en-US" sz="2800" i="1" dirty="0">
+              <a:solidFill>
+                <a:schemeClr val="bg1"/>
+              </a:solidFill>
+              <a:latin typeface="Times New Roman" pitchFamily="18" charset="0"/>
+              <a:ea typeface="ヒラギノ明朝 ProN W3" charset="-128"/>
+              <a:cs typeface="Times New Roman" pitchFamily="18" charset="0"/>
+              <a:sym typeface="American Typewriter" charset="0"/>
+            </a:endParaRPr>
+          </a:p>
+        </p:txBody>
+      </p:sp>
+      <p:sp>
+        <p:nvSpPr>
+          <p:cNvPr id="34" name="Oval 33"/>
+          <p:cNvSpPr/>
+          <p:nvPr/>
+        </p:nvSpPr>
+        <p:spPr bwMode="auto">
+          <a:xfrm>
+            <a:off x="8104178" y="6028928"/>
+            <a:ext cx="819291" cy="819291"/>
+          </a:xfrm>
+          <a:prstGeom prst="ellipse">
+            <a:avLst/>
+          </a:prstGeom>
+          <a:noFill/>
+          <a:ln w="12700" cap="flat" cmpd="sng" algn="ctr">
+            <a:solidFill>
+              <a:schemeClr val="bg1"/>
+            </a:solidFill>
+            <a:prstDash val="solid"/>
+            <a:round/>
+            <a:headEnd type="none" w="med" len="med"/>
+            <a:tailEnd type="none" w="med" len="med"/>
+          </a:ln>
+          <a:effectLst/>
+        </p:spPr>
+        <p:txBody>
+          <a:bodyPr vert="horz" wrap="square" lIns="130032" tIns="78019" rIns="130032" bIns="65017" numCol="1" rtlCol="0" anchor="t" anchorCtr="0" compatLnSpc="1">
+            <a:prstTxWarp prst="textNoShape">
+              <a:avLst/>
+            </a:prstTxWarp>
+          </a:bodyPr>
+          <a:lstStyle/>
+          <a:p>
+            <a:pPr algn="ctr" defTabSz="1300326"/>
+            <a:r>
+              <a:rPr lang="en-US" sz="2800" i="1" dirty="0" smtClean="0">
+                <a:solidFill>
+                  <a:schemeClr val="bg1"/>
+                </a:solidFill>
+                <a:latin typeface="Times New Roman" pitchFamily="18" charset="0"/>
+                <a:ea typeface="ヒラギノ明朝 ProN W3" charset="-128"/>
+                <a:cs typeface="Times New Roman" pitchFamily="18" charset="0"/>
+                <a:sym typeface="American Typewriter" charset="0"/>
+              </a:rPr>
+              <a:t>A</a:t>
+            </a:r>
+            <a:endParaRPr lang="en-US" sz="2800" i="1" dirty="0">
+              <a:solidFill>
+                <a:schemeClr val="bg1"/>
+              </a:solidFill>
+              <a:latin typeface="Times New Roman" pitchFamily="18" charset="0"/>
+              <a:ea typeface="ヒラギノ明朝 ProN W3" charset="-128"/>
+              <a:cs typeface="Times New Roman" pitchFamily="18" charset="0"/>
+              <a:sym typeface="American Typewriter" charset="0"/>
+            </a:endParaRPr>
+          </a:p>
+        </p:txBody>
+      </p:sp>
+      <p:sp>
+        <p:nvSpPr>
+          <p:cNvPr id="35" name="Oval 34"/>
+          <p:cNvSpPr/>
+          <p:nvPr/>
+        </p:nvSpPr>
+        <p:spPr bwMode="auto">
+          <a:xfrm>
+            <a:off x="9526736" y="6028928"/>
+            <a:ext cx="819291" cy="819291"/>
+          </a:xfrm>
+          <a:prstGeom prst="ellipse">
+            <a:avLst/>
+          </a:prstGeom>
+          <a:noFill/>
+          <a:ln w="12700" cap="flat" cmpd="sng" algn="ctr">
+            <a:solidFill>
+              <a:schemeClr val="bg1"/>
+            </a:solidFill>
+            <a:prstDash val="solid"/>
+            <a:round/>
+            <a:headEnd type="none" w="med" len="med"/>
+            <a:tailEnd type="none" w="med" len="med"/>
+          </a:ln>
+          <a:effectLst/>
+        </p:spPr>
+        <p:txBody>
+          <a:bodyPr vert="horz" wrap="square" lIns="130032" tIns="78019" rIns="130032" bIns="65017" numCol="1" rtlCol="0" anchor="t" anchorCtr="0" compatLnSpc="1">
+            <a:prstTxWarp prst="textNoShape">
+              <a:avLst/>
+            </a:prstTxWarp>
+          </a:bodyPr>
+          <a:lstStyle/>
+          <a:p>
+            <a:pPr algn="ctr" defTabSz="1300326"/>
+            <a:r>
+              <a:rPr lang="en-US" sz="2800" i="1" dirty="0" smtClean="0">
+                <a:solidFill>
+                  <a:schemeClr val="bg1"/>
+                </a:solidFill>
+                <a:latin typeface="Times New Roman" pitchFamily="18" charset="0"/>
+                <a:ea typeface="ヒラギノ明朝 ProN W3" charset="-128"/>
+                <a:cs typeface="Times New Roman" pitchFamily="18" charset="0"/>
+                <a:sym typeface="American Typewriter" charset="0"/>
+              </a:rPr>
+              <a:t>C</a:t>
+            </a:r>
+            <a:endParaRPr lang="en-US" sz="2800" i="1" dirty="0">
+              <a:solidFill>
+                <a:schemeClr val="bg1"/>
+              </a:solidFill>
+              <a:latin typeface="Times New Roman" pitchFamily="18" charset="0"/>
+              <a:ea typeface="ヒラギノ明朝 ProN W3" charset="-128"/>
+              <a:cs typeface="Times New Roman" pitchFamily="18" charset="0"/>
+              <a:sym typeface="American Typewriter" charset="0"/>
+            </a:endParaRPr>
+          </a:p>
+        </p:txBody>
+      </p:sp>
+      <p:cxnSp>
+        <p:nvCxnSpPr>
+          <p:cNvPr id="36" name="Straight Arrow Connector 35"/>
+          <p:cNvCxnSpPr/>
+          <p:nvPr/>
+        </p:nvCxnSpPr>
+        <p:spPr bwMode="auto">
+          <a:xfrm flipH="1">
+            <a:off x="9454728" y="6821016"/>
+            <a:ext cx="331206" cy="576064"/>
           </a:xfrm>
           <a:prstGeom prst="straightConnector1">
             <a:avLst/>
@@ -7939,15 +8674,46 @@
           <a:effectLst/>
         </p:spPr>
       </p:cxnSp>
-      <p:sp>
-        <p:nvSpPr>
-          <p:cNvPr id="9" name="Oval 8"/>
+      <p:cxnSp>
+        <p:nvCxnSpPr>
+          <p:cNvPr id="37" name="Straight Arrow Connector 36"/>
+          <p:cNvCxnSpPr/>
+          <p:nvPr/>
+        </p:nvCxnSpPr>
+        <p:spPr bwMode="auto">
+          <a:xfrm>
+            <a:off x="8680242" y="6821016"/>
+            <a:ext cx="342438" cy="576064"/>
+          </a:xfrm>
+          <a:prstGeom prst="straightConnector1">
+            <a:avLst/>
+          </a:prstGeom>
+          <a:blipFill dpi="0" rotWithShape="0">
+            <a:blip r:embed="rId2"/>
+            <a:srcRect/>
+            <a:tile tx="0" ty="0" sx="100000" sy="100000" flip="none" algn="tl"/>
+          </a:blipFill>
+          <a:ln w="12700" cap="flat" cmpd="sng" algn="ctr">
+            <a:solidFill>
+              <a:schemeClr val="bg1"/>
+            </a:solidFill>
+            <a:prstDash val="solid"/>
+            <a:round/>
+            <a:headEnd type="none" w="med" len="med"/>
+            <a:tailEnd type="triangle" w="lg" len="lg"/>
+          </a:ln>
+          <a:effectLst/>
+        </p:spPr>
+      </p:cxnSp>
+      <p:sp>
+        <p:nvSpPr>
+          <p:cNvPr id="38" name="Oval 37"/>
           <p:cNvSpPr/>
           <p:nvPr/>
         </p:nvSpPr>
         <p:spPr bwMode="auto">
           <a:xfrm>
-            <a:off x="5988743" y="6172945"/>
+            <a:off x="8806656" y="7325072"/>
             <a:ext cx="819291" cy="819291"/>
           </a:xfrm>
           <a:prstGeom prst="ellipse">
@@ -7975,7 +8741,7 @@
           <a:p>
             <a:pPr algn="ctr" defTabSz="1300326"/>
             <a:r>
-              <a:rPr lang="en-US" sz="2800" i="1" dirty="0">
+              <a:rPr lang="en-US" sz="2800" i="1" dirty="0" smtClean="0">
                 <a:solidFill>
                   <a:schemeClr val="bg1"/>
                 </a:solidFill>
@@ -7986,140 +8752,15 @@
               </a:rPr>
               <a:t>B</a:t>
             </a:r>
-          </a:p>
-        </p:txBody>
-      </p:sp>
-      <p:sp>
-        <p:nvSpPr>
-          <p:cNvPr id="10" name="Oval 9"/>
-          <p:cNvSpPr/>
-          <p:nvPr/>
-        </p:nvSpPr>
-        <p:spPr bwMode="auto">
-          <a:xfrm>
-            <a:off x="7627325" y="6172945"/>
-            <a:ext cx="819291" cy="819291"/>
-          </a:xfrm>
-          <a:prstGeom prst="ellipse">
-            <a:avLst/>
-          </a:prstGeom>
-          <a:noFill/>
-          <a:ln w="12700" cap="flat" cmpd="sng" algn="ctr">
-            <a:solidFill>
-              <a:schemeClr val="bg1"/>
-            </a:solidFill>
-            <a:prstDash val="solid"/>
-            <a:round/>
-            <a:headEnd type="none" w="med" len="med"/>
-            <a:tailEnd type="none" w="med" len="med"/>
-          </a:ln>
-          <a:effectLst/>
-        </p:spPr>
-        <p:txBody>
-          <a:bodyPr vert="horz" wrap="square" lIns="130032" tIns="78019" rIns="130032" bIns="65017" numCol="1" rtlCol="0" anchor="t" anchorCtr="0" compatLnSpc="1">
-            <a:prstTxWarp prst="textNoShape">
-              <a:avLst/>
-            </a:prstTxWarp>
-          </a:bodyPr>
-          <a:lstStyle/>
-          <a:p>
-            <a:pPr algn="ctr" defTabSz="1300326"/>
-            <a:r>
-              <a:rPr lang="en-US" sz="2800" i="1" dirty="0">
-                <a:solidFill>
-                  <a:schemeClr val="bg1"/>
-                </a:solidFill>
-                <a:latin typeface="Times New Roman" pitchFamily="18" charset="0"/>
-                <a:ea typeface="ヒラギノ明朝 ProN W3" charset="-128"/>
-                <a:cs typeface="Times New Roman" pitchFamily="18" charset="0"/>
-                <a:sym typeface="American Typewriter" charset="0"/>
-              </a:rPr>
-              <a:t>C</a:t>
-            </a:r>
-          </a:p>
-        </p:txBody>
-      </p:sp>
-      <p:cxnSp>
-        <p:nvCxnSpPr>
-          <p:cNvPr id="12" name="Straight Connector 11"/>
-          <p:cNvCxnSpPr>
-            <a:stCxn id="9" idx="6"/>
-            <a:endCxn id="10" idx="2"/>
-          </p:cNvCxnSpPr>
-          <p:nvPr/>
-        </p:nvCxnSpPr>
-        <p:spPr bwMode="auto">
-          <a:xfrm>
-            <a:off x="6808034" y="6582591"/>
-            <a:ext cx="819291" cy="0"/>
-          </a:xfrm>
-          <a:prstGeom prst="line">
-            <a:avLst/>
-          </a:prstGeom>
-          <a:blipFill dpi="0" rotWithShape="0">
-            <a:blip r:embed="rId2"/>
-            <a:srcRect/>
-            <a:tile tx="0" ty="0" sx="100000" sy="100000" flip="none" algn="tl"/>
-          </a:blipFill>
-          <a:ln w="12700" cap="flat" cmpd="sng" algn="ctr">
-            <a:solidFill>
-              <a:schemeClr val="bg1"/>
-            </a:solidFill>
-            <a:prstDash val="solid"/>
-            <a:round/>
-            <a:headEnd type="triangle" w="lg" len="lg"/>
-            <a:tailEnd type="triangle" w="lg" len="lg"/>
-          </a:ln>
-          <a:effectLst/>
-        </p:spPr>
-      </p:cxnSp>
-      <p:sp>
-        <p:nvSpPr>
-          <p:cNvPr id="13" name="Oval 12"/>
-          <p:cNvSpPr/>
-          <p:nvPr/>
-        </p:nvSpPr>
-        <p:spPr bwMode="auto">
-          <a:xfrm>
-            <a:off x="6790434" y="4516760"/>
-            <a:ext cx="819291" cy="819291"/>
-          </a:xfrm>
-          <a:prstGeom prst="ellipse">
-            <a:avLst/>
-          </a:prstGeom>
-          <a:noFill/>
-          <a:ln w="12700" cap="flat" cmpd="sng" algn="ctr">
-            <a:solidFill>
-              <a:schemeClr val="bg1"/>
-            </a:solidFill>
-            <a:prstDash val="dash"/>
-            <a:round/>
-            <a:headEnd type="none" w="med" len="med"/>
-            <a:tailEnd type="none" w="med" len="med"/>
-          </a:ln>
-          <a:effectLst/>
-        </p:spPr>
-        <p:txBody>
-          <a:bodyPr vert="horz" wrap="square" lIns="130032" tIns="78019" rIns="130032" bIns="65017" numCol="1" rtlCol="0" anchor="t" anchorCtr="0" compatLnSpc="1">
-            <a:prstTxWarp prst="textNoShape">
-              <a:avLst/>
-            </a:prstTxWarp>
-          </a:bodyPr>
-          <a:lstStyle/>
-          <a:p>
-            <a:pPr algn="ctr" defTabSz="1300326"/>
-            <a:r>
-              <a:rPr lang="en-US" sz="2800" i="1" dirty="0">
-                <a:solidFill>
-                  <a:schemeClr val="bg1"/>
-                </a:solidFill>
-                <a:latin typeface="Times New Roman" pitchFamily="18" charset="0"/>
-                <a:ea typeface="ヒラギノ明朝 ProN W3" charset="-128"/>
-                <a:cs typeface="Times New Roman" pitchFamily="18" charset="0"/>
-                <a:sym typeface="American Typewriter" charset="0"/>
-              </a:rPr>
-              <a:t>A</a:t>
-            </a:r>
+            <a:endParaRPr lang="en-US" sz="2800" i="1" dirty="0">
+              <a:solidFill>
+                <a:schemeClr val="bg1"/>
+              </a:solidFill>
+              <a:latin typeface="Times New Roman" pitchFamily="18" charset="0"/>
+              <a:ea typeface="ヒラギノ明朝 ProN W3" charset="-128"/>
+              <a:cs typeface="Times New Roman" pitchFamily="18" charset="0"/>
+              <a:sym typeface="American Typewriter" charset="0"/>
+            </a:endParaRPr>
           </a:p>
         </p:txBody>
       </p:sp>
@@ -8178,3270 +8819,15 @@
           <a:p>
             <a:r>
               <a:rPr lang="en-US" dirty="0" smtClean="0"/>
-              <a:t>Strategy &amp; Timeline</a:t>
+              <a:t>Causal inference</a:t>
             </a:r>
             <a:endParaRPr lang="en-US" dirty="0"/>
           </a:p>
         </p:txBody>
       </p:sp>
-      <p:graphicFrame>
-        <p:nvGraphicFramePr>
-          <p:cNvPr id="6" name="Table 5"/>
-          <p:cNvGraphicFramePr>
-            <a:graphicFrameLocks noGrp="1"/>
-          </p:cNvGraphicFramePr>
-          <p:nvPr>
-            <p:extLst>
-              <p:ext uri="{D42A27DB-BD31-4B8C-83A1-F6EECF244321}">
-                <p14:modId xmlns:p14="http://schemas.microsoft.com/office/powerpoint/2010/main" xmlns="" val="2773434210"/>
-              </p:ext>
-            </p:extLst>
-          </p:nvPr>
-        </p:nvGraphicFramePr>
-        <p:xfrm>
-          <a:off x="957786" y="5470872"/>
-          <a:ext cx="11467897" cy="2879346"/>
-        </p:xfrm>
-        <a:graphic>
-          <a:graphicData uri="http://schemas.openxmlformats.org/drawingml/2006/table">
-            <a:tbl>
-              <a:tblPr firstRow="1" bandRow="1">
-                <a:tableStyleId>{21E4AEA4-8DFA-4A89-87EB-49C32662AFE0}</a:tableStyleId>
-              </a:tblPr>
-              <a:tblGrid>
-                <a:gridCol w="1334770"/>
-                <a:gridCol w="982647"/>
-                <a:gridCol w="982647"/>
-                <a:gridCol w="982647"/>
-                <a:gridCol w="1045879"/>
-                <a:gridCol w="919416"/>
-                <a:gridCol w="1169787"/>
-                <a:gridCol w="1241793"/>
-                <a:gridCol w="843017"/>
-                <a:gridCol w="982647"/>
-                <a:gridCol w="982647"/>
-              </a:tblGrid>
-              <a:tr h="373211">
-                <a:tc>
-                  <a:txBody>
-                    <a:bodyPr/>
-                    <a:lstStyle/>
-                    <a:p>
-                      <a:pPr algn="ctr"/>
-                      <a:r>
-                        <a:rPr lang="en-US" sz="1800" dirty="0" smtClean="0"/>
-                        <a:t>Week</a:t>
-                      </a:r>
-                      <a:endParaRPr lang="en-US" sz="1800" dirty="0"/>
-                    </a:p>
-                  </a:txBody>
-                  <a:tcPr>
-                    <a:lnB w="12700" cap="flat" cmpd="sng" algn="ctr">
-                      <a:solidFill>
-                        <a:schemeClr val="tx1"/>
-                      </a:solidFill>
-                      <a:prstDash val="solid"/>
-                      <a:round/>
-                      <a:headEnd type="none" w="med" len="med"/>
-                      <a:tailEnd type="none" w="med" len="med"/>
-                    </a:lnB>
-                  </a:tcPr>
-                </a:tc>
-                <a:tc>
-                  <a:txBody>
-                    <a:bodyPr/>
-                    <a:lstStyle/>
-                    <a:p>
-                      <a:pPr algn="ctr"/>
-                      <a:r>
-                        <a:rPr lang="en-US" sz="1800" dirty="0" smtClean="0"/>
-                        <a:t>41</a:t>
-                      </a:r>
-                      <a:endParaRPr lang="en-US" sz="1800" dirty="0"/>
-                    </a:p>
-                  </a:txBody>
-                  <a:tcPr>
-                    <a:lnB w="12700" cap="flat" cmpd="sng" algn="ctr">
-                      <a:solidFill>
-                        <a:schemeClr val="tx1"/>
-                      </a:solidFill>
-                      <a:prstDash val="solid"/>
-                      <a:round/>
-                      <a:headEnd type="none" w="med" len="med"/>
-                      <a:tailEnd type="none" w="med" len="med"/>
-                    </a:lnB>
-                  </a:tcPr>
-                </a:tc>
-                <a:tc>
-                  <a:txBody>
-                    <a:bodyPr/>
-                    <a:lstStyle/>
-                    <a:p>
-                      <a:pPr algn="ctr"/>
-                      <a:r>
-                        <a:rPr lang="en-US" sz="1800" dirty="0" smtClean="0"/>
-                        <a:t>42</a:t>
-                      </a:r>
-                      <a:endParaRPr lang="en-US" sz="1800" dirty="0"/>
-                    </a:p>
-                  </a:txBody>
-                  <a:tcPr>
-                    <a:lnB w="12700" cap="flat" cmpd="sng" algn="ctr">
-                      <a:solidFill>
-                        <a:schemeClr val="tx1"/>
-                      </a:solidFill>
-                      <a:prstDash val="solid"/>
-                      <a:round/>
-                      <a:headEnd type="none" w="med" len="med"/>
-                      <a:tailEnd type="none" w="med" len="med"/>
-                    </a:lnB>
-                  </a:tcPr>
-                </a:tc>
-                <a:tc>
-                  <a:txBody>
-                    <a:bodyPr/>
-                    <a:lstStyle/>
-                    <a:p>
-                      <a:pPr algn="ctr"/>
-                      <a:r>
-                        <a:rPr lang="en-US" sz="1800" dirty="0" smtClean="0"/>
-                        <a:t>43</a:t>
-                      </a:r>
-                      <a:endParaRPr lang="en-US" sz="1800" dirty="0"/>
-                    </a:p>
-                  </a:txBody>
-                  <a:tcPr>
-                    <a:lnB w="12700" cap="flat" cmpd="sng" algn="ctr">
-                      <a:solidFill>
-                        <a:schemeClr val="tx1"/>
-                      </a:solidFill>
-                      <a:prstDash val="solid"/>
-                      <a:round/>
-                      <a:headEnd type="none" w="med" len="med"/>
-                      <a:tailEnd type="none" w="med" len="med"/>
-                    </a:lnB>
-                  </a:tcPr>
-                </a:tc>
-                <a:tc>
-                  <a:txBody>
-                    <a:bodyPr/>
-                    <a:lstStyle/>
-                    <a:p>
-                      <a:pPr algn="ctr"/>
-                      <a:r>
-                        <a:rPr lang="en-US" sz="1800" dirty="0" smtClean="0"/>
-                        <a:t>44</a:t>
-                      </a:r>
-                      <a:endParaRPr lang="en-US" sz="1800" dirty="0"/>
-                    </a:p>
-                  </a:txBody>
-                  <a:tcPr>
-                    <a:lnB w="12700" cap="flat" cmpd="sng" algn="ctr">
-                      <a:solidFill>
-                        <a:schemeClr val="tx1"/>
-                      </a:solidFill>
-                      <a:prstDash val="solid"/>
-                      <a:round/>
-                      <a:headEnd type="none" w="med" len="med"/>
-                      <a:tailEnd type="none" w="med" len="med"/>
-                    </a:lnB>
-                  </a:tcPr>
-                </a:tc>
-                <a:tc>
-                  <a:txBody>
-                    <a:bodyPr/>
-                    <a:lstStyle/>
-                    <a:p>
-                      <a:pPr algn="ctr"/>
-                      <a:r>
-                        <a:rPr lang="en-US" sz="1800" dirty="0" smtClean="0"/>
-                        <a:t>45</a:t>
-                      </a:r>
-                      <a:endParaRPr lang="en-US" sz="1800" dirty="0"/>
-                    </a:p>
-                  </a:txBody>
-                  <a:tcPr>
-                    <a:lnB w="12700" cap="flat" cmpd="sng" algn="ctr">
-                      <a:solidFill>
-                        <a:schemeClr val="tx1"/>
-                      </a:solidFill>
-                      <a:prstDash val="solid"/>
-                      <a:round/>
-                      <a:headEnd type="none" w="med" len="med"/>
-                      <a:tailEnd type="none" w="med" len="med"/>
-                    </a:lnB>
-                  </a:tcPr>
-                </a:tc>
-                <a:tc>
-                  <a:txBody>
-                    <a:bodyPr/>
-                    <a:lstStyle/>
-                    <a:p>
-                      <a:pPr algn="ctr"/>
-                      <a:r>
-                        <a:rPr lang="en-US" sz="1800" dirty="0" smtClean="0"/>
-                        <a:t>46</a:t>
-                      </a:r>
-                      <a:endParaRPr lang="en-US" sz="1800" dirty="0"/>
-                    </a:p>
-                  </a:txBody>
-                  <a:tcPr>
-                    <a:lnB w="12700" cap="flat" cmpd="sng" algn="ctr">
-                      <a:solidFill>
-                        <a:schemeClr val="tx1"/>
-                      </a:solidFill>
-                      <a:prstDash val="solid"/>
-                      <a:round/>
-                      <a:headEnd type="none" w="med" len="med"/>
-                      <a:tailEnd type="none" w="med" len="med"/>
-                    </a:lnB>
-                  </a:tcPr>
-                </a:tc>
-                <a:tc>
-                  <a:txBody>
-                    <a:bodyPr/>
-                    <a:lstStyle/>
-                    <a:p>
-                      <a:pPr algn="ctr"/>
-                      <a:r>
-                        <a:rPr lang="en-US" sz="1800" dirty="0" smtClean="0"/>
-                        <a:t>47</a:t>
-                      </a:r>
-                      <a:endParaRPr lang="en-US" sz="1800" dirty="0"/>
-                    </a:p>
-                  </a:txBody>
-                  <a:tcPr>
-                    <a:lnB w="12700" cap="flat" cmpd="sng" algn="ctr">
-                      <a:solidFill>
-                        <a:schemeClr val="tx1"/>
-                      </a:solidFill>
-                      <a:prstDash val="solid"/>
-                      <a:round/>
-                      <a:headEnd type="none" w="med" len="med"/>
-                      <a:tailEnd type="none" w="med" len="med"/>
-                    </a:lnB>
-                  </a:tcPr>
-                </a:tc>
-                <a:tc>
-                  <a:txBody>
-                    <a:bodyPr/>
-                    <a:lstStyle/>
-                    <a:p>
-                      <a:pPr algn="ctr"/>
-                      <a:r>
-                        <a:rPr lang="en-US" sz="1800" dirty="0" smtClean="0"/>
-                        <a:t>48</a:t>
-                      </a:r>
-                      <a:endParaRPr lang="en-US" sz="1800" dirty="0"/>
-                    </a:p>
-                  </a:txBody>
-                  <a:tcPr>
-                    <a:lnB w="12700" cap="flat" cmpd="sng" algn="ctr">
-                      <a:solidFill>
-                        <a:schemeClr val="tx1"/>
-                      </a:solidFill>
-                      <a:prstDash val="solid"/>
-                      <a:round/>
-                      <a:headEnd type="none" w="med" len="med"/>
-                      <a:tailEnd type="none" w="med" len="med"/>
-                    </a:lnB>
-                  </a:tcPr>
-                </a:tc>
-                <a:tc>
-                  <a:txBody>
-                    <a:bodyPr/>
-                    <a:lstStyle/>
-                    <a:p>
-                      <a:pPr algn="ctr"/>
-                      <a:r>
-                        <a:rPr lang="en-US" sz="1800" dirty="0" smtClean="0"/>
-                        <a:t>49</a:t>
-                      </a:r>
-                      <a:endParaRPr lang="en-US" sz="1800" dirty="0"/>
-                    </a:p>
-                  </a:txBody>
-                  <a:tcPr>
-                    <a:lnB w="12700" cap="flat" cmpd="sng" algn="ctr">
-                      <a:solidFill>
-                        <a:schemeClr val="tx1"/>
-                      </a:solidFill>
-                      <a:prstDash val="solid"/>
-                      <a:round/>
-                      <a:headEnd type="none" w="med" len="med"/>
-                      <a:tailEnd type="none" w="med" len="med"/>
-                    </a:lnB>
-                  </a:tcPr>
-                </a:tc>
-                <a:tc>
-                  <a:txBody>
-                    <a:bodyPr/>
-                    <a:lstStyle/>
-                    <a:p>
-                      <a:pPr algn="ctr"/>
-                      <a:r>
-                        <a:rPr lang="en-US" sz="1800" dirty="0" smtClean="0"/>
-                        <a:t>50</a:t>
-                      </a:r>
-                      <a:endParaRPr lang="en-US" sz="1800" dirty="0"/>
-                    </a:p>
-                  </a:txBody>
-                  <a:tcPr>
-                    <a:lnB w="12700" cap="flat" cmpd="sng" algn="ctr">
-                      <a:solidFill>
-                        <a:schemeClr val="tx1"/>
-                      </a:solidFill>
-                      <a:prstDash val="solid"/>
-                      <a:round/>
-                      <a:headEnd type="none" w="med" len="med"/>
-                      <a:tailEnd type="none" w="med" len="med"/>
-                    </a:lnB>
-                  </a:tcPr>
-                </a:tc>
-              </a:tr>
-              <a:tr h="373211">
-                <a:tc>
-                  <a:txBody>
-                    <a:bodyPr/>
-                    <a:lstStyle/>
-                    <a:p>
-                      <a:r>
-                        <a:rPr lang="en-US" sz="1800" dirty="0" smtClean="0"/>
-                        <a:t>PC</a:t>
-                      </a:r>
-                    </a:p>
-                  </a:txBody>
-                  <a:tcPr>
-                    <a:lnL w="12700" cap="flat" cmpd="sng" algn="ctr">
-                      <a:solidFill>
-                        <a:schemeClr val="tx1"/>
-                      </a:solidFill>
-                      <a:prstDash val="solid"/>
-                      <a:round/>
-                      <a:headEnd type="none" w="med" len="med"/>
-                      <a:tailEnd type="none" w="med" len="med"/>
-                    </a:lnL>
-                    <a:lnR w="12700" cap="flat" cmpd="sng" algn="ctr">
-                      <a:solidFill>
-                        <a:schemeClr val="tx1"/>
-                      </a:solidFill>
-                      <a:prstDash val="solid"/>
-                      <a:round/>
-                      <a:headEnd type="none" w="med" len="med"/>
-                      <a:tailEnd type="none" w="med" len="med"/>
-                    </a:lnR>
-                    <a:lnT w="12700" cap="flat" cmpd="sng" algn="ctr">
-                      <a:solidFill>
-                        <a:schemeClr val="tx1"/>
-                      </a:solidFill>
-                      <a:prstDash val="solid"/>
-                      <a:round/>
-                      <a:headEnd type="none" w="med" len="med"/>
-                      <a:tailEnd type="none" w="med" len="med"/>
-                    </a:lnT>
-                    <a:lnB w="12700" cap="flat" cmpd="sng" algn="ctr">
-                      <a:solidFill>
-                        <a:schemeClr val="tx1"/>
-                      </a:solidFill>
-                      <a:prstDash val="solid"/>
-                      <a:round/>
-                      <a:headEnd type="none" w="med" len="med"/>
-                      <a:tailEnd type="none" w="med" len="med"/>
-                    </a:lnB>
-                  </a:tcPr>
-                </a:tc>
-                <a:tc gridSpan="3">
-                  <a:txBody>
-                    <a:bodyPr/>
-                    <a:lstStyle/>
-                    <a:p>
-                      <a:pPr algn="ctr"/>
-                      <a:r>
-                        <a:rPr lang="en-US" sz="1800" dirty="0" smtClean="0"/>
-                        <a:t>Implementation</a:t>
-                      </a:r>
-                      <a:endParaRPr lang="en-US" sz="1800" dirty="0"/>
-                    </a:p>
-                  </a:txBody>
-                  <a:tcPr>
-                    <a:lnL w="12700" cap="flat" cmpd="sng" algn="ctr">
-                      <a:solidFill>
-                        <a:schemeClr val="tx1"/>
-                      </a:solidFill>
-                      <a:prstDash val="solid"/>
-                      <a:round/>
-                      <a:headEnd type="none" w="med" len="med"/>
-                      <a:tailEnd type="none" w="med" len="med"/>
-                    </a:lnL>
-                    <a:lnR w="12700" cap="flat" cmpd="sng" algn="ctr">
-                      <a:solidFill>
-                        <a:schemeClr val="tx1"/>
-                      </a:solidFill>
-                      <a:prstDash val="solid"/>
-                      <a:round/>
-                      <a:headEnd type="none" w="med" len="med"/>
-                      <a:tailEnd type="none" w="med" len="med"/>
-                    </a:lnR>
-                    <a:lnT w="12700" cap="flat" cmpd="sng" algn="ctr">
-                      <a:solidFill>
-                        <a:schemeClr val="tx1"/>
-                      </a:solidFill>
-                      <a:prstDash val="solid"/>
-                      <a:round/>
-                      <a:headEnd type="none" w="med" len="med"/>
-                      <a:tailEnd type="none" w="med" len="med"/>
-                    </a:lnT>
-                    <a:lnB w="12700" cap="flat" cmpd="sng" algn="ctr">
-                      <a:solidFill>
-                        <a:schemeClr val="tx1"/>
-                      </a:solidFill>
-                      <a:prstDash val="solid"/>
-                      <a:round/>
-                      <a:headEnd type="none" w="med" len="med"/>
-                      <a:tailEnd type="none" w="med" len="med"/>
-                    </a:lnB>
-                    <a:solidFill>
-                      <a:srgbClr val="7F7F7F"/>
-                    </a:solidFill>
-                  </a:tcPr>
-                </a:tc>
-                <a:tc hMerge="1">
-                  <a:txBody>
-                    <a:bodyPr/>
-                    <a:lstStyle/>
-                    <a:p>
-                      <a:pPr algn="ctr"/>
-                      <a:endParaRPr lang="en-US" sz="1800" dirty="0"/>
-                    </a:p>
-                  </a:txBody>
-                  <a:tcPr>
-                    <a:lnL w="12700" cap="flat" cmpd="sng" algn="ctr">
-                      <a:solidFill>
-                        <a:schemeClr val="tx1"/>
-                      </a:solidFill>
-                      <a:prstDash val="solid"/>
-                      <a:round/>
-                      <a:headEnd type="none" w="med" len="med"/>
-                      <a:tailEnd type="none" w="med" len="med"/>
-                    </a:lnL>
-                    <a:lnR w="12700" cap="flat" cmpd="sng" algn="ctr">
-                      <a:solidFill>
-                        <a:schemeClr val="tx1"/>
-                      </a:solidFill>
-                      <a:prstDash val="solid"/>
-                      <a:round/>
-                      <a:headEnd type="none" w="med" len="med"/>
-                      <a:tailEnd type="none" w="med" len="med"/>
-                    </a:lnR>
-                    <a:lnT w="12700" cap="flat" cmpd="sng" algn="ctr">
-                      <a:solidFill>
-                        <a:schemeClr val="tx1"/>
-                      </a:solidFill>
-                      <a:prstDash val="solid"/>
-                      <a:round/>
-                      <a:headEnd type="none" w="med" len="med"/>
-                      <a:tailEnd type="none" w="med" len="med"/>
-                    </a:lnT>
-                    <a:lnB w="12700" cap="flat" cmpd="sng" algn="ctr">
-                      <a:solidFill>
-                        <a:schemeClr val="tx1"/>
-                      </a:solidFill>
-                      <a:prstDash val="solid"/>
-                      <a:round/>
-                      <a:headEnd type="none" w="med" len="med"/>
-                      <a:tailEnd type="none" w="med" len="med"/>
-                    </a:lnB>
-                    <a:solidFill>
-                      <a:srgbClr val="7F7F7F"/>
-                    </a:solidFill>
-                  </a:tcPr>
-                </a:tc>
-                <a:tc hMerge="1">
-                  <a:txBody>
-                    <a:bodyPr/>
-                    <a:lstStyle/>
-                    <a:p>
-                      <a:pPr algn="ctr"/>
-                      <a:endParaRPr lang="en-US" sz="1800" dirty="0"/>
-                    </a:p>
-                  </a:txBody>
-                  <a:tcPr>
-                    <a:lnL w="12700" cap="flat" cmpd="sng" algn="ctr">
-                      <a:solidFill>
-                        <a:schemeClr val="tx1"/>
-                      </a:solidFill>
-                      <a:prstDash val="solid"/>
-                      <a:round/>
-                      <a:headEnd type="none" w="med" len="med"/>
-                      <a:tailEnd type="none" w="med" len="med"/>
-                    </a:lnL>
-                    <a:lnR w="12700" cap="flat" cmpd="sng" algn="ctr">
-                      <a:solidFill>
-                        <a:schemeClr val="tx1"/>
-                      </a:solidFill>
-                      <a:prstDash val="solid"/>
-                      <a:round/>
-                      <a:headEnd type="none" w="med" len="med"/>
-                      <a:tailEnd type="none" w="med" len="med"/>
-                    </a:lnR>
-                    <a:lnT w="12700" cap="flat" cmpd="sng" algn="ctr">
-                      <a:solidFill>
-                        <a:schemeClr val="tx1"/>
-                      </a:solidFill>
-                      <a:prstDash val="solid"/>
-                      <a:round/>
-                      <a:headEnd type="none" w="med" len="med"/>
-                      <a:tailEnd type="none" w="med" len="med"/>
-                    </a:lnT>
-                    <a:lnB w="12700" cap="flat" cmpd="sng" algn="ctr">
-                      <a:solidFill>
-                        <a:schemeClr val="tx1"/>
-                      </a:solidFill>
-                      <a:prstDash val="solid"/>
-                      <a:round/>
-                      <a:headEnd type="none" w="med" len="med"/>
-                      <a:tailEnd type="none" w="med" len="med"/>
-                    </a:lnB>
-                    <a:solidFill>
-                      <a:srgbClr val="7F7F7F"/>
-                    </a:solidFill>
-                  </a:tcPr>
-                </a:tc>
-                <a:tc gridSpan="2">
-                  <a:txBody>
-                    <a:bodyPr/>
-                    <a:lstStyle/>
-                    <a:p>
-                      <a:pPr algn="ctr"/>
-                      <a:r>
-                        <a:rPr lang="en-US" sz="1800" dirty="0" smtClean="0"/>
-                        <a:t>with</a:t>
-                      </a:r>
-                      <a:r>
-                        <a:rPr lang="en-US" sz="1800" baseline="0" dirty="0" smtClean="0"/>
-                        <a:t> structure</a:t>
-                      </a:r>
-                      <a:endParaRPr lang="en-US" sz="1800" dirty="0"/>
-                    </a:p>
-                  </a:txBody>
-                  <a:tcPr>
-                    <a:lnL w="12700" cap="flat" cmpd="sng" algn="ctr">
-                      <a:solidFill>
-                        <a:schemeClr val="tx1"/>
-                      </a:solidFill>
-                      <a:prstDash val="solid"/>
-                      <a:round/>
-                      <a:headEnd type="none" w="med" len="med"/>
-                      <a:tailEnd type="none" w="med" len="med"/>
-                    </a:lnL>
-                    <a:lnR w="12700" cap="flat" cmpd="sng" algn="ctr">
-                      <a:solidFill>
-                        <a:schemeClr val="tx1"/>
-                      </a:solidFill>
-                      <a:prstDash val="solid"/>
-                      <a:round/>
-                      <a:headEnd type="none" w="med" len="med"/>
-                      <a:tailEnd type="none" w="med" len="med"/>
-                    </a:lnR>
-                    <a:lnT w="12700" cap="flat" cmpd="sng" algn="ctr">
-                      <a:solidFill>
-                        <a:schemeClr val="tx1"/>
-                      </a:solidFill>
-                      <a:prstDash val="solid"/>
-                      <a:round/>
-                      <a:headEnd type="none" w="med" len="med"/>
-                      <a:tailEnd type="none" w="med" len="med"/>
-                    </a:lnT>
-                    <a:lnB w="12700" cap="flat" cmpd="sng" algn="ctr">
-                      <a:solidFill>
-                        <a:schemeClr val="tx1"/>
-                      </a:solidFill>
-                      <a:prstDash val="solid"/>
-                      <a:round/>
-                      <a:headEnd type="none" w="med" len="med"/>
-                      <a:tailEnd type="none" w="med" len="med"/>
-                    </a:lnB>
-                    <a:solidFill>
-                      <a:srgbClr val="7F7F7F"/>
-                    </a:solidFill>
-                  </a:tcPr>
-                </a:tc>
-                <a:tc hMerge="1">
-                  <a:txBody>
-                    <a:bodyPr/>
-                    <a:lstStyle/>
-                    <a:p>
-                      <a:pPr algn="ctr"/>
-                      <a:endParaRPr lang="en-US" sz="1800" dirty="0"/>
-                    </a:p>
-                  </a:txBody>
-                  <a:tcPr>
-                    <a:lnL w="12700" cap="flat" cmpd="sng" algn="ctr">
-                      <a:solidFill>
-                        <a:schemeClr val="tx1"/>
-                      </a:solidFill>
-                      <a:prstDash val="solid"/>
-                      <a:round/>
-                      <a:headEnd type="none" w="med" len="med"/>
-                      <a:tailEnd type="none" w="med" len="med"/>
-                    </a:lnL>
-                    <a:lnR w="12700" cap="flat" cmpd="sng" algn="ctr">
-                      <a:solidFill>
-                        <a:schemeClr val="tx1"/>
-                      </a:solidFill>
-                      <a:prstDash val="solid"/>
-                      <a:round/>
-                      <a:headEnd type="none" w="med" len="med"/>
-                      <a:tailEnd type="none" w="med" len="med"/>
-                    </a:lnR>
-                    <a:lnT w="12700" cap="flat" cmpd="sng" algn="ctr">
-                      <a:solidFill>
-                        <a:schemeClr val="tx1"/>
-                      </a:solidFill>
-                      <a:prstDash val="solid"/>
-                      <a:round/>
-                      <a:headEnd type="none" w="med" len="med"/>
-                      <a:tailEnd type="none" w="med" len="med"/>
-                    </a:lnT>
-                    <a:lnB w="12700" cap="flat" cmpd="sng" algn="ctr">
-                      <a:solidFill>
-                        <a:schemeClr val="tx1"/>
-                      </a:solidFill>
-                      <a:prstDash val="solid"/>
-                      <a:round/>
-                      <a:headEnd type="none" w="med" len="med"/>
-                      <a:tailEnd type="none" w="med" len="med"/>
-                    </a:lnB>
-                    <a:solidFill>
-                      <a:srgbClr val="7F7F7F"/>
-                    </a:solidFill>
-                  </a:tcPr>
-                </a:tc>
-                <a:tc>
-                  <a:txBody>
-                    <a:bodyPr/>
-                    <a:lstStyle/>
-                    <a:p>
-                      <a:pPr algn="ctr"/>
-                      <a:endParaRPr lang="en-US" sz="1800" dirty="0"/>
-                    </a:p>
-                  </a:txBody>
-                  <a:tcPr>
-                    <a:lnL w="12700" cap="flat" cmpd="sng" algn="ctr">
-                      <a:solidFill>
-                        <a:schemeClr val="tx1"/>
-                      </a:solidFill>
-                      <a:prstDash val="solid"/>
-                      <a:round/>
-                      <a:headEnd type="none" w="med" len="med"/>
-                      <a:tailEnd type="none" w="med" len="med"/>
-                    </a:lnL>
-                    <a:lnR w="12700" cap="flat" cmpd="sng" algn="ctr">
-                      <a:solidFill>
-                        <a:schemeClr val="tx1"/>
-                      </a:solidFill>
-                      <a:prstDash val="solid"/>
-                      <a:round/>
-                      <a:headEnd type="none" w="med" len="med"/>
-                      <a:tailEnd type="none" w="med" len="med"/>
-                    </a:lnR>
-                    <a:lnT w="12700" cap="flat" cmpd="sng" algn="ctr">
-                      <a:solidFill>
-                        <a:schemeClr val="tx1"/>
-                      </a:solidFill>
-                      <a:prstDash val="solid"/>
-                      <a:round/>
-                      <a:headEnd type="none" w="med" len="med"/>
-                      <a:tailEnd type="none" w="med" len="med"/>
-                    </a:lnT>
-                    <a:lnB w="12700" cap="flat" cmpd="sng" algn="ctr">
-                      <a:solidFill>
-                        <a:schemeClr val="tx1"/>
-                      </a:solidFill>
-                      <a:prstDash val="solid"/>
-                      <a:round/>
-                      <a:headEnd type="none" w="med" len="med"/>
-                      <a:tailEnd type="none" w="med" len="med"/>
-                    </a:lnB>
-                  </a:tcPr>
-                </a:tc>
-                <a:tc>
-                  <a:txBody>
-                    <a:bodyPr/>
-                    <a:lstStyle/>
-                    <a:p>
-                      <a:pPr algn="ctr"/>
-                      <a:endParaRPr lang="en-US" sz="1800" dirty="0"/>
-                    </a:p>
-                  </a:txBody>
-                  <a:tcPr>
-                    <a:lnL w="12700" cap="flat" cmpd="sng" algn="ctr">
-                      <a:solidFill>
-                        <a:schemeClr val="tx1"/>
-                      </a:solidFill>
-                      <a:prstDash val="solid"/>
-                      <a:round/>
-                      <a:headEnd type="none" w="med" len="med"/>
-                      <a:tailEnd type="none" w="med" len="med"/>
-                    </a:lnL>
-                    <a:lnR w="12700" cap="flat" cmpd="sng" algn="ctr">
-                      <a:solidFill>
-                        <a:schemeClr val="tx1"/>
-                      </a:solidFill>
-                      <a:prstDash val="solid"/>
-                      <a:round/>
-                      <a:headEnd type="none" w="med" len="med"/>
-                      <a:tailEnd type="none" w="med" len="med"/>
-                    </a:lnR>
-                    <a:lnT w="12700" cap="flat" cmpd="sng" algn="ctr">
-                      <a:solidFill>
-                        <a:schemeClr val="tx1"/>
-                      </a:solidFill>
-                      <a:prstDash val="solid"/>
-                      <a:round/>
-                      <a:headEnd type="none" w="med" len="med"/>
-                      <a:tailEnd type="none" w="med" len="med"/>
-                    </a:lnT>
-                    <a:lnB w="12700" cap="flat" cmpd="sng" algn="ctr">
-                      <a:solidFill>
-                        <a:schemeClr val="tx1"/>
-                      </a:solidFill>
-                      <a:prstDash val="solid"/>
-                      <a:round/>
-                      <a:headEnd type="none" w="med" len="med"/>
-                      <a:tailEnd type="none" w="med" len="med"/>
-                    </a:lnB>
-                  </a:tcPr>
-                </a:tc>
-                <a:tc>
-                  <a:txBody>
-                    <a:bodyPr/>
-                    <a:lstStyle/>
-                    <a:p>
-                      <a:pPr algn="ctr"/>
-                      <a:endParaRPr lang="en-US" sz="1800" dirty="0"/>
-                    </a:p>
-                  </a:txBody>
-                  <a:tcPr>
-                    <a:lnL w="12700" cap="flat" cmpd="sng" algn="ctr">
-                      <a:solidFill>
-                        <a:schemeClr val="tx1"/>
-                      </a:solidFill>
-                      <a:prstDash val="solid"/>
-                      <a:round/>
-                      <a:headEnd type="none" w="med" len="med"/>
-                      <a:tailEnd type="none" w="med" len="med"/>
-                    </a:lnL>
-                    <a:lnR w="12700" cap="flat" cmpd="sng" algn="ctr">
-                      <a:solidFill>
-                        <a:schemeClr val="tx1"/>
-                      </a:solidFill>
-                      <a:prstDash val="solid"/>
-                      <a:round/>
-                      <a:headEnd type="none" w="med" len="med"/>
-                      <a:tailEnd type="none" w="med" len="med"/>
-                    </a:lnR>
-                    <a:lnT w="12700" cap="flat" cmpd="sng" algn="ctr">
-                      <a:solidFill>
-                        <a:schemeClr val="tx1"/>
-                      </a:solidFill>
-                      <a:prstDash val="solid"/>
-                      <a:round/>
-                      <a:headEnd type="none" w="med" len="med"/>
-                      <a:tailEnd type="none" w="med" len="med"/>
-                    </a:lnT>
-                    <a:lnB w="12700" cap="flat" cmpd="sng" algn="ctr">
-                      <a:solidFill>
-                        <a:schemeClr val="tx1"/>
-                      </a:solidFill>
-                      <a:prstDash val="solid"/>
-                      <a:round/>
-                      <a:headEnd type="none" w="med" len="med"/>
-                      <a:tailEnd type="none" w="med" len="med"/>
-                    </a:lnB>
-                  </a:tcPr>
-                </a:tc>
-                <a:tc>
-                  <a:txBody>
-                    <a:bodyPr/>
-                    <a:lstStyle/>
-                    <a:p>
-                      <a:pPr algn="ctr"/>
-                      <a:endParaRPr lang="en-US" sz="1800" dirty="0"/>
-                    </a:p>
-                  </a:txBody>
-                  <a:tcPr>
-                    <a:lnL w="12700" cap="flat" cmpd="sng" algn="ctr">
-                      <a:solidFill>
-                        <a:schemeClr val="tx1"/>
-                      </a:solidFill>
-                      <a:prstDash val="solid"/>
-                      <a:round/>
-                      <a:headEnd type="none" w="med" len="med"/>
-                      <a:tailEnd type="none" w="med" len="med"/>
-                    </a:lnL>
-                    <a:lnR w="12700" cap="flat" cmpd="sng" algn="ctr">
-                      <a:solidFill>
-                        <a:schemeClr val="tx1"/>
-                      </a:solidFill>
-                      <a:prstDash val="solid"/>
-                      <a:round/>
-                      <a:headEnd type="none" w="med" len="med"/>
-                      <a:tailEnd type="none" w="med" len="med"/>
-                    </a:lnR>
-                    <a:lnT w="12700" cap="flat" cmpd="sng" algn="ctr">
-                      <a:solidFill>
-                        <a:schemeClr val="tx1"/>
-                      </a:solidFill>
-                      <a:prstDash val="solid"/>
-                      <a:round/>
-                      <a:headEnd type="none" w="med" len="med"/>
-                      <a:tailEnd type="none" w="med" len="med"/>
-                    </a:lnT>
-                    <a:lnB w="12700" cap="flat" cmpd="sng" algn="ctr">
-                      <a:solidFill>
-                        <a:schemeClr val="tx1"/>
-                      </a:solidFill>
-                      <a:prstDash val="solid"/>
-                      <a:round/>
-                      <a:headEnd type="none" w="med" len="med"/>
-                      <a:tailEnd type="none" w="med" len="med"/>
-                    </a:lnB>
-                  </a:tcPr>
-                </a:tc>
-                <a:tc>
-                  <a:txBody>
-                    <a:bodyPr/>
-                    <a:lstStyle/>
-                    <a:p>
-                      <a:pPr algn="ctr"/>
-                      <a:endParaRPr lang="en-US" sz="1800" dirty="0"/>
-                    </a:p>
-                  </a:txBody>
-                  <a:tcPr>
-                    <a:lnL w="12700" cap="flat" cmpd="sng" algn="ctr">
-                      <a:solidFill>
-                        <a:schemeClr val="tx1"/>
-                      </a:solidFill>
-                      <a:prstDash val="solid"/>
-                      <a:round/>
-                      <a:headEnd type="none" w="med" len="med"/>
-                      <a:tailEnd type="none" w="med" len="med"/>
-                    </a:lnL>
-                    <a:lnR w="12700" cap="flat" cmpd="sng" algn="ctr">
-                      <a:solidFill>
-                        <a:schemeClr val="tx1"/>
-                      </a:solidFill>
-                      <a:prstDash val="solid"/>
-                      <a:round/>
-                      <a:headEnd type="none" w="med" len="med"/>
-                      <a:tailEnd type="none" w="med" len="med"/>
-                    </a:lnR>
-                    <a:lnT w="12700" cap="flat" cmpd="sng" algn="ctr">
-                      <a:solidFill>
-                        <a:schemeClr val="tx1"/>
-                      </a:solidFill>
-                      <a:prstDash val="solid"/>
-                      <a:round/>
-                      <a:headEnd type="none" w="med" len="med"/>
-                      <a:tailEnd type="none" w="med" len="med"/>
-                    </a:lnT>
-                    <a:lnB w="12700" cap="flat" cmpd="sng" algn="ctr">
-                      <a:solidFill>
-                        <a:schemeClr val="tx1"/>
-                      </a:solidFill>
-                      <a:prstDash val="solid"/>
-                      <a:round/>
-                      <a:headEnd type="none" w="med" len="med"/>
-                      <a:tailEnd type="none" w="med" len="med"/>
-                    </a:lnB>
-                  </a:tcPr>
-                </a:tc>
-              </a:tr>
-              <a:tr h="373211">
-                <a:tc>
-                  <a:txBody>
-                    <a:bodyPr/>
-                    <a:lstStyle/>
-                    <a:p>
-                      <a:endParaRPr lang="en-US" sz="1800" dirty="0" smtClean="0"/>
-                    </a:p>
-                  </a:txBody>
-                  <a:tcPr>
-                    <a:lnL w="12700" cap="flat" cmpd="sng" algn="ctr">
-                      <a:solidFill>
-                        <a:schemeClr val="tx1"/>
-                      </a:solidFill>
-                      <a:prstDash val="solid"/>
-                      <a:round/>
-                      <a:headEnd type="none" w="med" len="med"/>
-                      <a:tailEnd type="none" w="med" len="med"/>
-                    </a:lnL>
-                    <a:lnR w="12700" cap="flat" cmpd="sng" algn="ctr">
-                      <a:solidFill>
-                        <a:schemeClr val="tx1"/>
-                      </a:solidFill>
-                      <a:prstDash val="solid"/>
-                      <a:round/>
-                      <a:headEnd type="none" w="med" len="med"/>
-                      <a:tailEnd type="none" w="med" len="med"/>
-                    </a:lnR>
-                    <a:lnT w="12700" cap="flat" cmpd="sng" algn="ctr">
-                      <a:solidFill>
-                        <a:schemeClr val="tx1"/>
-                      </a:solidFill>
-                      <a:prstDash val="solid"/>
-                      <a:round/>
-                      <a:headEnd type="none" w="med" len="med"/>
-                      <a:tailEnd type="none" w="med" len="med"/>
-                    </a:lnT>
-                    <a:lnB w="12700" cap="flat" cmpd="sng" algn="ctr">
-                      <a:solidFill>
-                        <a:schemeClr val="tx1"/>
-                      </a:solidFill>
-                      <a:prstDash val="solid"/>
-                      <a:round/>
-                      <a:headEnd type="none" w="med" len="med"/>
-                      <a:tailEnd type="none" w="med" len="med"/>
-                    </a:lnB>
-                  </a:tcPr>
-                </a:tc>
-                <a:tc gridSpan="2">
-                  <a:txBody>
-                    <a:bodyPr/>
-                    <a:lstStyle/>
-                    <a:p>
-                      <a:pPr algn="ctr"/>
-                      <a:endParaRPr lang="en-US" sz="1800" dirty="0"/>
-                    </a:p>
-                  </a:txBody>
-                  <a:tcPr>
-                    <a:lnL w="12700" cap="flat" cmpd="sng" algn="ctr">
-                      <a:solidFill>
-                        <a:schemeClr val="tx1"/>
-                      </a:solidFill>
-                      <a:prstDash val="solid"/>
-                      <a:round/>
-                      <a:headEnd type="none" w="med" len="med"/>
-                      <a:tailEnd type="none" w="med" len="med"/>
-                    </a:lnL>
-                    <a:lnR w="12700" cap="flat" cmpd="sng" algn="ctr">
-                      <a:solidFill>
-                        <a:schemeClr val="tx1"/>
-                      </a:solidFill>
-                      <a:prstDash val="solid"/>
-                      <a:round/>
-                      <a:headEnd type="none" w="med" len="med"/>
-                      <a:tailEnd type="none" w="med" len="med"/>
-                    </a:lnR>
-                    <a:lnT w="12700" cap="flat" cmpd="sng" algn="ctr">
-                      <a:solidFill>
-                        <a:schemeClr val="tx1"/>
-                      </a:solidFill>
-                      <a:prstDash val="solid"/>
-                      <a:round/>
-                      <a:headEnd type="none" w="med" len="med"/>
-                      <a:tailEnd type="none" w="med" len="med"/>
-                    </a:lnT>
-                    <a:lnB w="12700" cap="flat" cmpd="sng" algn="ctr">
-                      <a:solidFill>
-                        <a:schemeClr val="tx1"/>
-                      </a:solidFill>
-                      <a:prstDash val="solid"/>
-                      <a:round/>
-                      <a:headEnd type="none" w="med" len="med"/>
-                      <a:tailEnd type="none" w="med" len="med"/>
-                    </a:lnB>
-                    <a:solidFill>
-                      <a:schemeClr val="accent2">
-                        <a:lumMod val="20000"/>
-                        <a:lumOff val="80000"/>
-                      </a:schemeClr>
-                    </a:solidFill>
-                  </a:tcPr>
-                </a:tc>
-                <a:tc hMerge="1">
-                  <a:txBody>
-                    <a:bodyPr/>
-                    <a:lstStyle/>
-                    <a:p>
-                      <a:endParaRPr lang="en-US"/>
-                    </a:p>
-                  </a:txBody>
-                  <a:tcPr/>
-                </a:tc>
-                <a:tc>
-                  <a:txBody>
-                    <a:bodyPr/>
-                    <a:lstStyle/>
-                    <a:p>
-                      <a:pPr algn="ctr"/>
-                      <a:endParaRPr lang="en-US" sz="1800" dirty="0"/>
-                    </a:p>
-                  </a:txBody>
-                  <a:tcPr>
-                    <a:lnL w="12700" cap="flat" cmpd="sng" algn="ctr">
-                      <a:solidFill>
-                        <a:schemeClr val="tx1"/>
-                      </a:solidFill>
-                      <a:prstDash val="solid"/>
-                      <a:round/>
-                      <a:headEnd type="none" w="med" len="med"/>
-                      <a:tailEnd type="none" w="med" len="med"/>
-                    </a:lnL>
-                    <a:lnR w="12700" cap="flat" cmpd="sng" algn="ctr">
-                      <a:solidFill>
-                        <a:schemeClr val="tx1"/>
-                      </a:solidFill>
-                      <a:prstDash val="solid"/>
-                      <a:round/>
-                      <a:headEnd type="none" w="med" len="med"/>
-                      <a:tailEnd type="none" w="med" len="med"/>
-                    </a:lnR>
-                    <a:lnT w="12700" cap="flat" cmpd="sng" algn="ctr">
-                      <a:solidFill>
-                        <a:schemeClr val="tx1"/>
-                      </a:solidFill>
-                      <a:prstDash val="solid"/>
-                      <a:round/>
-                      <a:headEnd type="none" w="med" len="med"/>
-                      <a:tailEnd type="none" w="med" len="med"/>
-                    </a:lnT>
-                    <a:lnB w="12700" cap="flat" cmpd="sng" algn="ctr">
-                      <a:solidFill>
-                        <a:schemeClr val="tx1"/>
-                      </a:solidFill>
-                      <a:prstDash val="solid"/>
-                      <a:round/>
-                      <a:headEnd type="none" w="med" len="med"/>
-                      <a:tailEnd type="none" w="med" len="med"/>
-                    </a:lnB>
-                    <a:solidFill>
-                      <a:srgbClr val="E0E0E0"/>
-                    </a:solidFill>
-                  </a:tcPr>
-                </a:tc>
-                <a:tc gridSpan="2">
-                  <a:txBody>
-                    <a:bodyPr/>
-                    <a:lstStyle/>
-                    <a:p>
-                      <a:pPr marL="0" marR="0" indent="0" algn="ctr" defTabSz="457129" rtl="0" eaLnBrk="1" fontAlgn="auto" latinLnBrk="0" hangingPunct="1">
-                        <a:lnSpc>
-                          <a:spcPct val="100000"/>
-                        </a:lnSpc>
-                        <a:spcBef>
-                          <a:spcPts val="0"/>
-                        </a:spcBef>
-                        <a:spcAft>
-                          <a:spcPts val="0"/>
-                        </a:spcAft>
-                        <a:buClrTx/>
-                        <a:buSzTx/>
-                        <a:buFontTx/>
-                        <a:buNone/>
-                        <a:tabLst/>
-                        <a:defRPr/>
-                      </a:pPr>
-                      <a:r>
-                        <a:rPr lang="en-US" sz="1800" dirty="0" smtClean="0"/>
-                        <a:t>without</a:t>
-                      </a:r>
-                      <a:r>
-                        <a:rPr lang="en-US" sz="1800" baseline="0" dirty="0" smtClean="0"/>
-                        <a:t> structure</a:t>
-                      </a:r>
-                      <a:endParaRPr lang="en-US" sz="1800" dirty="0" smtClean="0"/>
-                    </a:p>
-                    <a:p>
-                      <a:pPr algn="ctr"/>
-                      <a:endParaRPr lang="en-US" sz="1800" dirty="0"/>
-                    </a:p>
-                  </a:txBody>
-                  <a:tcPr>
-                    <a:lnL w="12700" cap="flat" cmpd="sng" algn="ctr">
-                      <a:solidFill>
-                        <a:schemeClr val="tx1"/>
-                      </a:solidFill>
-                      <a:prstDash val="solid"/>
-                      <a:round/>
-                      <a:headEnd type="none" w="med" len="med"/>
-                      <a:tailEnd type="none" w="med" len="med"/>
-                    </a:lnL>
-                    <a:lnR w="12700" cap="flat" cmpd="sng" algn="ctr">
-                      <a:solidFill>
-                        <a:schemeClr val="tx1"/>
-                      </a:solidFill>
-                      <a:prstDash val="solid"/>
-                      <a:round/>
-                      <a:headEnd type="none" w="med" len="med"/>
-                      <a:tailEnd type="none" w="med" len="med"/>
-                    </a:lnR>
-                    <a:lnT w="12700" cap="flat" cmpd="sng" algn="ctr">
-                      <a:solidFill>
-                        <a:schemeClr val="tx1"/>
-                      </a:solidFill>
-                      <a:prstDash val="solid"/>
-                      <a:round/>
-                      <a:headEnd type="none" w="med" len="med"/>
-                      <a:tailEnd type="none" w="med" len="med"/>
-                    </a:lnT>
-                    <a:lnB w="12700" cap="flat" cmpd="sng" algn="ctr">
-                      <a:solidFill>
-                        <a:schemeClr val="tx1"/>
-                      </a:solidFill>
-                      <a:prstDash val="solid"/>
-                      <a:round/>
-                      <a:headEnd type="none" w="med" len="med"/>
-                      <a:tailEnd type="none" w="med" len="med"/>
-                    </a:lnB>
-                    <a:solidFill>
-                      <a:srgbClr val="7F7F7F"/>
-                    </a:solidFill>
-                  </a:tcPr>
-                </a:tc>
-                <a:tc hMerge="1">
-                  <a:txBody>
-                    <a:bodyPr/>
-                    <a:lstStyle/>
-                    <a:p>
-                      <a:pPr algn="ctr"/>
-                      <a:endParaRPr lang="en-US" sz="1800" dirty="0"/>
-                    </a:p>
-                  </a:txBody>
-                  <a:tcPr>
-                    <a:lnL w="12700" cap="flat" cmpd="sng" algn="ctr">
-                      <a:solidFill>
-                        <a:schemeClr val="tx1"/>
-                      </a:solidFill>
-                      <a:prstDash val="solid"/>
-                      <a:round/>
-                      <a:headEnd type="none" w="med" len="med"/>
-                      <a:tailEnd type="none" w="med" len="med"/>
-                    </a:lnL>
-                    <a:lnR w="12700" cap="flat" cmpd="sng" algn="ctr">
-                      <a:solidFill>
-                        <a:schemeClr val="tx1"/>
-                      </a:solidFill>
-                      <a:prstDash val="solid"/>
-                      <a:round/>
-                      <a:headEnd type="none" w="med" len="med"/>
-                      <a:tailEnd type="none" w="med" len="med"/>
-                    </a:lnR>
-                    <a:lnT w="12700" cap="flat" cmpd="sng" algn="ctr">
-                      <a:solidFill>
-                        <a:schemeClr val="tx1"/>
-                      </a:solidFill>
-                      <a:prstDash val="solid"/>
-                      <a:round/>
-                      <a:headEnd type="none" w="med" len="med"/>
-                      <a:tailEnd type="none" w="med" len="med"/>
-                    </a:lnT>
-                    <a:lnB w="12700" cap="flat" cmpd="sng" algn="ctr">
-                      <a:solidFill>
-                        <a:schemeClr val="tx1"/>
-                      </a:solidFill>
-                      <a:prstDash val="solid"/>
-                      <a:round/>
-                      <a:headEnd type="none" w="med" len="med"/>
-                      <a:tailEnd type="none" w="med" len="med"/>
-                    </a:lnB>
-                    <a:solidFill>
-                      <a:srgbClr val="7F7F7F"/>
-                    </a:solidFill>
-                  </a:tcPr>
-                </a:tc>
-                <a:tc>
-                  <a:txBody>
-                    <a:bodyPr/>
-                    <a:lstStyle/>
-                    <a:p>
-                      <a:pPr algn="ctr"/>
-                      <a:endParaRPr lang="en-US" sz="1800" dirty="0"/>
-                    </a:p>
-                  </a:txBody>
-                  <a:tcPr>
-                    <a:lnL w="12700" cap="flat" cmpd="sng" algn="ctr">
-                      <a:solidFill>
-                        <a:schemeClr val="tx1"/>
-                      </a:solidFill>
-                      <a:prstDash val="solid"/>
-                      <a:round/>
-                      <a:headEnd type="none" w="med" len="med"/>
-                      <a:tailEnd type="none" w="med" len="med"/>
-                    </a:lnL>
-                    <a:lnR w="12700" cap="flat" cmpd="sng" algn="ctr">
-                      <a:solidFill>
-                        <a:schemeClr val="tx1"/>
-                      </a:solidFill>
-                      <a:prstDash val="solid"/>
-                      <a:round/>
-                      <a:headEnd type="none" w="med" len="med"/>
-                      <a:tailEnd type="none" w="med" len="med"/>
-                    </a:lnR>
-                    <a:lnT w="12700" cap="flat" cmpd="sng" algn="ctr">
-                      <a:solidFill>
-                        <a:schemeClr val="tx1"/>
-                      </a:solidFill>
-                      <a:prstDash val="solid"/>
-                      <a:round/>
-                      <a:headEnd type="none" w="med" len="med"/>
-                      <a:tailEnd type="none" w="med" len="med"/>
-                    </a:lnT>
-                    <a:lnB w="12700" cap="flat" cmpd="sng" algn="ctr">
-                      <a:solidFill>
-                        <a:schemeClr val="tx1"/>
-                      </a:solidFill>
-                      <a:prstDash val="solid"/>
-                      <a:round/>
-                      <a:headEnd type="none" w="med" len="med"/>
-                      <a:tailEnd type="none" w="med" len="med"/>
-                    </a:lnB>
-                  </a:tcPr>
-                </a:tc>
-                <a:tc>
-                  <a:txBody>
-                    <a:bodyPr/>
-                    <a:lstStyle/>
-                    <a:p>
-                      <a:pPr algn="ctr"/>
-                      <a:endParaRPr lang="en-US" sz="1800" dirty="0"/>
-                    </a:p>
-                  </a:txBody>
-                  <a:tcPr>
-                    <a:lnL w="12700" cap="flat" cmpd="sng" algn="ctr">
-                      <a:solidFill>
-                        <a:schemeClr val="tx1"/>
-                      </a:solidFill>
-                      <a:prstDash val="solid"/>
-                      <a:round/>
-                      <a:headEnd type="none" w="med" len="med"/>
-                      <a:tailEnd type="none" w="med" len="med"/>
-                    </a:lnL>
-                    <a:lnR w="12700" cap="flat" cmpd="sng" algn="ctr">
-                      <a:solidFill>
-                        <a:schemeClr val="tx1"/>
-                      </a:solidFill>
-                      <a:prstDash val="solid"/>
-                      <a:round/>
-                      <a:headEnd type="none" w="med" len="med"/>
-                      <a:tailEnd type="none" w="med" len="med"/>
-                    </a:lnR>
-                    <a:lnT w="12700" cap="flat" cmpd="sng" algn="ctr">
-                      <a:solidFill>
-                        <a:schemeClr val="tx1"/>
-                      </a:solidFill>
-                      <a:prstDash val="solid"/>
-                      <a:round/>
-                      <a:headEnd type="none" w="med" len="med"/>
-                      <a:tailEnd type="none" w="med" len="med"/>
-                    </a:lnT>
-                    <a:lnB w="12700" cap="flat" cmpd="sng" algn="ctr">
-                      <a:solidFill>
-                        <a:schemeClr val="tx1"/>
-                      </a:solidFill>
-                      <a:prstDash val="solid"/>
-                      <a:round/>
-                      <a:headEnd type="none" w="med" len="med"/>
-                      <a:tailEnd type="none" w="med" len="med"/>
-                    </a:lnB>
-                  </a:tcPr>
-                </a:tc>
-                <a:tc>
-                  <a:txBody>
-                    <a:bodyPr/>
-                    <a:lstStyle/>
-                    <a:p>
-                      <a:pPr algn="ctr"/>
-                      <a:endParaRPr lang="en-US" sz="1800" dirty="0"/>
-                    </a:p>
-                  </a:txBody>
-                  <a:tcPr>
-                    <a:lnL w="12700" cap="flat" cmpd="sng" algn="ctr">
-                      <a:solidFill>
-                        <a:schemeClr val="tx1"/>
-                      </a:solidFill>
-                      <a:prstDash val="solid"/>
-                      <a:round/>
-                      <a:headEnd type="none" w="med" len="med"/>
-                      <a:tailEnd type="none" w="med" len="med"/>
-                    </a:lnL>
-                    <a:lnR w="12700" cap="flat" cmpd="sng" algn="ctr">
-                      <a:solidFill>
-                        <a:schemeClr val="tx1"/>
-                      </a:solidFill>
-                      <a:prstDash val="solid"/>
-                      <a:round/>
-                      <a:headEnd type="none" w="med" len="med"/>
-                      <a:tailEnd type="none" w="med" len="med"/>
-                    </a:lnR>
-                    <a:lnT w="12700" cap="flat" cmpd="sng" algn="ctr">
-                      <a:solidFill>
-                        <a:schemeClr val="tx1"/>
-                      </a:solidFill>
-                      <a:prstDash val="solid"/>
-                      <a:round/>
-                      <a:headEnd type="none" w="med" len="med"/>
-                      <a:tailEnd type="none" w="med" len="med"/>
-                    </a:lnT>
-                    <a:lnB w="12700" cap="flat" cmpd="sng" algn="ctr">
-                      <a:solidFill>
-                        <a:schemeClr val="tx1"/>
-                      </a:solidFill>
-                      <a:prstDash val="solid"/>
-                      <a:round/>
-                      <a:headEnd type="none" w="med" len="med"/>
-                      <a:tailEnd type="none" w="med" len="med"/>
-                    </a:lnB>
-                  </a:tcPr>
-                </a:tc>
-                <a:tc>
-                  <a:txBody>
-                    <a:bodyPr/>
-                    <a:lstStyle/>
-                    <a:p>
-                      <a:pPr algn="ctr"/>
-                      <a:endParaRPr lang="en-US" sz="1800" dirty="0"/>
-                    </a:p>
-                  </a:txBody>
-                  <a:tcPr>
-                    <a:lnL w="12700" cap="flat" cmpd="sng" algn="ctr">
-                      <a:solidFill>
-                        <a:schemeClr val="tx1"/>
-                      </a:solidFill>
-                      <a:prstDash val="solid"/>
-                      <a:round/>
-                      <a:headEnd type="none" w="med" len="med"/>
-                      <a:tailEnd type="none" w="med" len="med"/>
-                    </a:lnL>
-                    <a:lnR w="12700" cap="flat" cmpd="sng" algn="ctr">
-                      <a:solidFill>
-                        <a:schemeClr val="tx1"/>
-                      </a:solidFill>
-                      <a:prstDash val="solid"/>
-                      <a:round/>
-                      <a:headEnd type="none" w="med" len="med"/>
-                      <a:tailEnd type="none" w="med" len="med"/>
-                    </a:lnR>
-                    <a:lnT w="12700" cap="flat" cmpd="sng" algn="ctr">
-                      <a:solidFill>
-                        <a:schemeClr val="tx1"/>
-                      </a:solidFill>
-                      <a:prstDash val="solid"/>
-                      <a:round/>
-                      <a:headEnd type="none" w="med" len="med"/>
-                      <a:tailEnd type="none" w="med" len="med"/>
-                    </a:lnT>
-                    <a:lnB w="12700" cap="flat" cmpd="sng" algn="ctr">
-                      <a:solidFill>
-                        <a:schemeClr val="tx1"/>
-                      </a:solidFill>
-                      <a:prstDash val="solid"/>
-                      <a:round/>
-                      <a:headEnd type="none" w="med" len="med"/>
-                      <a:tailEnd type="none" w="med" len="med"/>
-                    </a:lnB>
-                  </a:tcPr>
-                </a:tc>
-                <a:tc>
-                  <a:txBody>
-                    <a:bodyPr/>
-                    <a:lstStyle/>
-                    <a:p>
-                      <a:pPr algn="ctr"/>
-                      <a:endParaRPr lang="en-US" sz="1800" dirty="0"/>
-                    </a:p>
-                  </a:txBody>
-                  <a:tcPr>
-                    <a:lnL w="12700" cap="flat" cmpd="sng" algn="ctr">
-                      <a:solidFill>
-                        <a:schemeClr val="tx1"/>
-                      </a:solidFill>
-                      <a:prstDash val="solid"/>
-                      <a:round/>
-                      <a:headEnd type="none" w="med" len="med"/>
-                      <a:tailEnd type="none" w="med" len="med"/>
-                    </a:lnL>
-                    <a:lnR w="12700" cap="flat" cmpd="sng" algn="ctr">
-                      <a:solidFill>
-                        <a:schemeClr val="tx1"/>
-                      </a:solidFill>
-                      <a:prstDash val="solid"/>
-                      <a:round/>
-                      <a:headEnd type="none" w="med" len="med"/>
-                      <a:tailEnd type="none" w="med" len="med"/>
-                    </a:lnR>
-                    <a:lnT w="12700" cap="flat" cmpd="sng" algn="ctr">
-                      <a:solidFill>
-                        <a:schemeClr val="tx1"/>
-                      </a:solidFill>
-                      <a:prstDash val="solid"/>
-                      <a:round/>
-                      <a:headEnd type="none" w="med" len="med"/>
-                      <a:tailEnd type="none" w="med" len="med"/>
-                    </a:lnT>
-                    <a:lnB w="12700" cap="flat" cmpd="sng" algn="ctr">
-                      <a:solidFill>
-                        <a:schemeClr val="tx1"/>
-                      </a:solidFill>
-                      <a:prstDash val="solid"/>
-                      <a:round/>
-                      <a:headEnd type="none" w="med" len="med"/>
-                      <a:tailEnd type="none" w="med" len="med"/>
-                    </a:lnB>
-                  </a:tcPr>
-                </a:tc>
-              </a:tr>
-              <a:tr h="373211">
-                <a:tc>
-                  <a:txBody>
-                    <a:bodyPr/>
-                    <a:lstStyle/>
-                    <a:p>
-                      <a:r>
-                        <a:rPr lang="en-US" sz="1800" dirty="0" smtClean="0"/>
-                        <a:t>BCCD</a:t>
-                      </a:r>
-                      <a:endParaRPr lang="en-US" sz="1800" dirty="0"/>
-                    </a:p>
-                  </a:txBody>
-                  <a:tcPr>
-                    <a:lnL w="12700" cap="flat" cmpd="sng" algn="ctr">
-                      <a:solidFill>
-                        <a:schemeClr val="tx1"/>
-                      </a:solidFill>
-                      <a:prstDash val="solid"/>
-                      <a:round/>
-                      <a:headEnd type="none" w="med" len="med"/>
-                      <a:tailEnd type="none" w="med" len="med"/>
-                    </a:lnL>
-                    <a:lnR w="12700" cap="flat" cmpd="sng" algn="ctr">
-                      <a:solidFill>
-                        <a:schemeClr val="tx1"/>
-                      </a:solidFill>
-                      <a:prstDash val="solid"/>
-                      <a:round/>
-                      <a:headEnd type="none" w="med" len="med"/>
-                      <a:tailEnd type="none" w="med" len="med"/>
-                    </a:lnR>
-                    <a:lnT w="12700" cap="flat" cmpd="sng" algn="ctr">
-                      <a:solidFill>
-                        <a:schemeClr val="tx1"/>
-                      </a:solidFill>
-                      <a:prstDash val="solid"/>
-                      <a:round/>
-                      <a:headEnd type="none" w="med" len="med"/>
-                      <a:tailEnd type="none" w="med" len="med"/>
-                    </a:lnT>
-                    <a:lnB w="12700" cap="flat" cmpd="sng" algn="ctr">
-                      <a:solidFill>
-                        <a:schemeClr val="tx1"/>
-                      </a:solidFill>
-                      <a:prstDash val="solid"/>
-                      <a:round/>
-                      <a:headEnd type="none" w="med" len="med"/>
-                      <a:tailEnd type="none" w="med" len="med"/>
-                    </a:lnB>
-                  </a:tcPr>
-                </a:tc>
-                <a:tc>
-                  <a:txBody>
-                    <a:bodyPr/>
-                    <a:lstStyle/>
-                    <a:p>
-                      <a:pPr algn="ctr"/>
-                      <a:endParaRPr lang="en-US" sz="1800" dirty="0"/>
-                    </a:p>
-                  </a:txBody>
-                  <a:tcPr>
-                    <a:lnL w="12700" cap="flat" cmpd="sng" algn="ctr">
-                      <a:solidFill>
-                        <a:schemeClr val="tx1"/>
-                      </a:solidFill>
-                      <a:prstDash val="solid"/>
-                      <a:round/>
-                      <a:headEnd type="none" w="med" len="med"/>
-                      <a:tailEnd type="none" w="med" len="med"/>
-                    </a:lnL>
-                    <a:lnR w="12700" cap="flat" cmpd="sng" algn="ctr">
-                      <a:solidFill>
-                        <a:schemeClr val="tx1"/>
-                      </a:solidFill>
-                      <a:prstDash val="solid"/>
-                      <a:round/>
-                      <a:headEnd type="none" w="med" len="med"/>
-                      <a:tailEnd type="none" w="med" len="med"/>
-                    </a:lnR>
-                    <a:lnT w="12700" cap="flat" cmpd="sng" algn="ctr">
-                      <a:solidFill>
-                        <a:schemeClr val="tx1"/>
-                      </a:solidFill>
-                      <a:prstDash val="solid"/>
-                      <a:round/>
-                      <a:headEnd type="none" w="med" len="med"/>
-                      <a:tailEnd type="none" w="med" len="med"/>
-                    </a:lnT>
-                    <a:lnB w="12700" cap="flat" cmpd="sng" algn="ctr">
-                      <a:solidFill>
-                        <a:schemeClr val="tx1"/>
-                      </a:solidFill>
-                      <a:prstDash val="solid"/>
-                      <a:round/>
-                      <a:headEnd type="none" w="med" len="med"/>
-                      <a:tailEnd type="none" w="med" len="med"/>
-                    </a:lnB>
-                  </a:tcPr>
-                </a:tc>
-                <a:tc>
-                  <a:txBody>
-                    <a:bodyPr/>
-                    <a:lstStyle/>
-                    <a:p>
-                      <a:pPr algn="ctr"/>
-                      <a:endParaRPr lang="en-US" sz="1800" dirty="0"/>
-                    </a:p>
-                  </a:txBody>
-                  <a:tcPr>
-                    <a:lnL w="12700" cap="flat" cmpd="sng" algn="ctr">
-                      <a:solidFill>
-                        <a:schemeClr val="tx1"/>
-                      </a:solidFill>
-                      <a:prstDash val="solid"/>
-                      <a:round/>
-                      <a:headEnd type="none" w="med" len="med"/>
-                      <a:tailEnd type="none" w="med" len="med"/>
-                    </a:lnL>
-                    <a:lnR w="12700" cap="flat" cmpd="sng" algn="ctr">
-                      <a:solidFill>
-                        <a:schemeClr val="tx1"/>
-                      </a:solidFill>
-                      <a:prstDash val="solid"/>
-                      <a:round/>
-                      <a:headEnd type="none" w="med" len="med"/>
-                      <a:tailEnd type="none" w="med" len="med"/>
-                    </a:lnR>
-                    <a:lnT w="12700" cap="flat" cmpd="sng" algn="ctr">
-                      <a:solidFill>
-                        <a:schemeClr val="tx1"/>
-                      </a:solidFill>
-                      <a:prstDash val="solid"/>
-                      <a:round/>
-                      <a:headEnd type="none" w="med" len="med"/>
-                      <a:tailEnd type="none" w="med" len="med"/>
-                    </a:lnT>
-                    <a:lnB w="12700" cap="flat" cmpd="sng" algn="ctr">
-                      <a:solidFill>
-                        <a:schemeClr val="tx1"/>
-                      </a:solidFill>
-                      <a:prstDash val="solid"/>
-                      <a:round/>
-                      <a:headEnd type="none" w="med" len="med"/>
-                      <a:tailEnd type="none" w="med" len="med"/>
-                    </a:lnB>
-                  </a:tcPr>
-                </a:tc>
-                <a:tc>
-                  <a:txBody>
-                    <a:bodyPr/>
-                    <a:lstStyle/>
-                    <a:p>
-                      <a:pPr algn="ctr"/>
-                      <a:endParaRPr lang="en-US" sz="1800" dirty="0"/>
-                    </a:p>
-                  </a:txBody>
-                  <a:tcPr>
-                    <a:lnL w="12700" cap="flat" cmpd="sng" algn="ctr">
-                      <a:solidFill>
-                        <a:schemeClr val="tx1"/>
-                      </a:solidFill>
-                      <a:prstDash val="solid"/>
-                      <a:round/>
-                      <a:headEnd type="none" w="med" len="med"/>
-                      <a:tailEnd type="none" w="med" len="med"/>
-                    </a:lnL>
-                    <a:lnR w="12700" cap="flat" cmpd="sng" algn="ctr">
-                      <a:solidFill>
-                        <a:schemeClr val="tx1"/>
-                      </a:solidFill>
-                      <a:prstDash val="solid"/>
-                      <a:round/>
-                      <a:headEnd type="none" w="med" len="med"/>
-                      <a:tailEnd type="none" w="med" len="med"/>
-                    </a:lnR>
-                    <a:lnT w="12700" cap="flat" cmpd="sng" algn="ctr">
-                      <a:solidFill>
-                        <a:schemeClr val="tx1"/>
-                      </a:solidFill>
-                      <a:prstDash val="solid"/>
-                      <a:round/>
-                      <a:headEnd type="none" w="med" len="med"/>
-                      <a:tailEnd type="none" w="med" len="med"/>
-                    </a:lnT>
-                    <a:lnB w="12700" cap="flat" cmpd="sng" algn="ctr">
-                      <a:solidFill>
-                        <a:schemeClr val="tx1"/>
-                      </a:solidFill>
-                      <a:prstDash val="solid"/>
-                      <a:round/>
-                      <a:headEnd type="none" w="med" len="med"/>
-                      <a:tailEnd type="none" w="med" len="med"/>
-                    </a:lnB>
-                  </a:tcPr>
-                </a:tc>
-                <a:tc>
-                  <a:txBody>
-                    <a:bodyPr/>
-                    <a:lstStyle/>
-                    <a:p>
-                      <a:pPr algn="ctr"/>
-                      <a:endParaRPr lang="en-US" sz="1800" dirty="0"/>
-                    </a:p>
-                  </a:txBody>
-                  <a:tcPr>
-                    <a:lnL w="12700" cap="flat" cmpd="sng" algn="ctr">
-                      <a:solidFill>
-                        <a:schemeClr val="tx1"/>
-                      </a:solidFill>
-                      <a:prstDash val="solid"/>
-                      <a:round/>
-                      <a:headEnd type="none" w="med" len="med"/>
-                      <a:tailEnd type="none" w="med" len="med"/>
-                    </a:lnL>
-                    <a:lnR w="12700" cap="flat" cmpd="sng" algn="ctr">
-                      <a:solidFill>
-                        <a:schemeClr val="tx1"/>
-                      </a:solidFill>
-                      <a:prstDash val="solid"/>
-                      <a:round/>
-                      <a:headEnd type="none" w="med" len="med"/>
-                      <a:tailEnd type="none" w="med" len="med"/>
-                    </a:lnR>
-                    <a:lnT w="12700" cap="flat" cmpd="sng" algn="ctr">
-                      <a:solidFill>
-                        <a:schemeClr val="tx1"/>
-                      </a:solidFill>
-                      <a:prstDash val="solid"/>
-                      <a:round/>
-                      <a:headEnd type="none" w="med" len="med"/>
-                      <a:tailEnd type="none" w="med" len="med"/>
-                    </a:lnT>
-                    <a:lnB w="12700" cap="flat" cmpd="sng" algn="ctr">
-                      <a:solidFill>
-                        <a:schemeClr val="tx1"/>
-                      </a:solidFill>
-                      <a:prstDash val="solid"/>
-                      <a:round/>
-                      <a:headEnd type="none" w="med" len="med"/>
-                      <a:tailEnd type="none" w="med" len="med"/>
-                    </a:lnB>
-                  </a:tcPr>
-                </a:tc>
-                <a:tc gridSpan="2">
-                  <a:txBody>
-                    <a:bodyPr/>
-                    <a:lstStyle/>
-                    <a:p>
-                      <a:pPr algn="ctr"/>
-                      <a:r>
-                        <a:rPr lang="en-US" sz="1800" dirty="0" smtClean="0"/>
-                        <a:t>Setup</a:t>
-                      </a:r>
-                      <a:endParaRPr lang="en-US" sz="1800" dirty="0"/>
-                    </a:p>
-                  </a:txBody>
-                  <a:tcPr>
-                    <a:lnL w="12700" cap="flat" cmpd="sng" algn="ctr">
-                      <a:solidFill>
-                        <a:schemeClr val="tx1"/>
-                      </a:solidFill>
-                      <a:prstDash val="solid"/>
-                      <a:round/>
-                      <a:headEnd type="none" w="med" len="med"/>
-                      <a:tailEnd type="none" w="med" len="med"/>
-                    </a:lnL>
-                    <a:lnR w="12700" cap="flat" cmpd="sng" algn="ctr">
-                      <a:solidFill>
-                        <a:schemeClr val="tx1"/>
-                      </a:solidFill>
-                      <a:prstDash val="solid"/>
-                      <a:round/>
-                      <a:headEnd type="none" w="med" len="med"/>
-                      <a:tailEnd type="none" w="med" len="med"/>
-                    </a:lnR>
-                    <a:lnT w="12700" cap="flat" cmpd="sng" algn="ctr">
-                      <a:solidFill>
-                        <a:schemeClr val="tx1"/>
-                      </a:solidFill>
-                      <a:prstDash val="solid"/>
-                      <a:round/>
-                      <a:headEnd type="none" w="med" len="med"/>
-                      <a:tailEnd type="none" w="med" len="med"/>
-                    </a:lnT>
-                    <a:lnB w="12700" cap="flat" cmpd="sng" algn="ctr">
-                      <a:solidFill>
-                        <a:schemeClr val="tx1"/>
-                      </a:solidFill>
-                      <a:prstDash val="solid"/>
-                      <a:round/>
-                      <a:headEnd type="none" w="med" len="med"/>
-                      <a:tailEnd type="none" w="med" len="med"/>
-                    </a:lnB>
-                    <a:solidFill>
-                      <a:srgbClr val="7F7F7F"/>
-                    </a:solidFill>
-                  </a:tcPr>
-                </a:tc>
-                <a:tc hMerge="1">
-                  <a:txBody>
-                    <a:bodyPr/>
-                    <a:lstStyle/>
-                    <a:p>
-                      <a:endParaRPr lang="en-US" dirty="0"/>
-                    </a:p>
-                  </a:txBody>
-                  <a:tcPr/>
-                </a:tc>
-                <a:tc gridSpan="2">
-                  <a:txBody>
-                    <a:bodyPr/>
-                    <a:lstStyle/>
-                    <a:p>
-                      <a:pPr algn="ctr"/>
-                      <a:r>
-                        <a:rPr lang="en-US" sz="1800" dirty="0" smtClean="0"/>
-                        <a:t>with structure</a:t>
-                      </a:r>
-                      <a:endParaRPr lang="en-US" sz="1800" dirty="0"/>
-                    </a:p>
-                  </a:txBody>
-                  <a:tcPr>
-                    <a:lnL w="12700" cap="flat" cmpd="sng" algn="ctr">
-                      <a:solidFill>
-                        <a:schemeClr val="tx1"/>
-                      </a:solidFill>
-                      <a:prstDash val="solid"/>
-                      <a:round/>
-                      <a:headEnd type="none" w="med" len="med"/>
-                      <a:tailEnd type="none" w="med" len="med"/>
-                    </a:lnL>
-                    <a:lnR w="12700" cap="flat" cmpd="sng" algn="ctr">
-                      <a:solidFill>
-                        <a:schemeClr val="tx1"/>
-                      </a:solidFill>
-                      <a:prstDash val="solid"/>
-                      <a:round/>
-                      <a:headEnd type="none" w="med" len="med"/>
-                      <a:tailEnd type="none" w="med" len="med"/>
-                    </a:lnR>
-                    <a:lnT w="12700" cap="flat" cmpd="sng" algn="ctr">
-                      <a:solidFill>
-                        <a:schemeClr val="tx1"/>
-                      </a:solidFill>
-                      <a:prstDash val="solid"/>
-                      <a:round/>
-                      <a:headEnd type="none" w="med" len="med"/>
-                      <a:tailEnd type="none" w="med" len="med"/>
-                    </a:lnT>
-                    <a:lnB w="12700" cap="flat" cmpd="sng" algn="ctr">
-                      <a:solidFill>
-                        <a:schemeClr val="tx1"/>
-                      </a:solidFill>
-                      <a:prstDash val="solid"/>
-                      <a:round/>
-                      <a:headEnd type="none" w="med" len="med"/>
-                      <a:tailEnd type="none" w="med" len="med"/>
-                    </a:lnB>
-                    <a:solidFill>
-                      <a:srgbClr val="7F7F7F"/>
-                    </a:solidFill>
-                  </a:tcPr>
-                </a:tc>
-                <a:tc hMerge="1">
-                  <a:txBody>
-                    <a:bodyPr/>
-                    <a:lstStyle/>
-                    <a:p>
-                      <a:pPr algn="ctr"/>
-                      <a:endParaRPr lang="en-US" sz="1800" dirty="0"/>
-                    </a:p>
-                  </a:txBody>
-                  <a:tcPr>
-                    <a:lnL w="12700" cap="flat" cmpd="sng" algn="ctr">
-                      <a:solidFill>
-                        <a:schemeClr val="tx1"/>
-                      </a:solidFill>
-                      <a:prstDash val="solid"/>
-                      <a:round/>
-                      <a:headEnd type="none" w="med" len="med"/>
-                      <a:tailEnd type="none" w="med" len="med"/>
-                    </a:lnL>
-                    <a:lnR w="12700" cap="flat" cmpd="sng" algn="ctr">
-                      <a:solidFill>
-                        <a:schemeClr val="tx1"/>
-                      </a:solidFill>
-                      <a:prstDash val="solid"/>
-                      <a:round/>
-                      <a:headEnd type="none" w="med" len="med"/>
-                      <a:tailEnd type="none" w="med" len="med"/>
-                    </a:lnR>
-                    <a:lnT w="12700" cap="flat" cmpd="sng" algn="ctr">
-                      <a:solidFill>
-                        <a:schemeClr val="tx1"/>
-                      </a:solidFill>
-                      <a:prstDash val="solid"/>
-                      <a:round/>
-                      <a:headEnd type="none" w="med" len="med"/>
-                      <a:tailEnd type="none" w="med" len="med"/>
-                    </a:lnT>
-                    <a:lnB w="12700" cap="flat" cmpd="sng" algn="ctr">
-                      <a:solidFill>
-                        <a:schemeClr val="tx1"/>
-                      </a:solidFill>
-                      <a:prstDash val="solid"/>
-                      <a:round/>
-                      <a:headEnd type="none" w="med" len="med"/>
-                      <a:tailEnd type="none" w="med" len="med"/>
-                    </a:lnB>
-                  </a:tcPr>
-                </a:tc>
-                <a:tc>
-                  <a:txBody>
-                    <a:bodyPr/>
-                    <a:lstStyle/>
-                    <a:p>
-                      <a:pPr algn="ctr"/>
-                      <a:endParaRPr lang="en-US" sz="1800" dirty="0"/>
-                    </a:p>
-                  </a:txBody>
-                  <a:tcPr>
-                    <a:lnL w="12700" cap="flat" cmpd="sng" algn="ctr">
-                      <a:solidFill>
-                        <a:schemeClr val="tx1"/>
-                      </a:solidFill>
-                      <a:prstDash val="solid"/>
-                      <a:round/>
-                      <a:headEnd type="none" w="med" len="med"/>
-                      <a:tailEnd type="none" w="med" len="med"/>
-                    </a:lnL>
-                    <a:lnR w="12700" cap="flat" cmpd="sng" algn="ctr">
-                      <a:solidFill>
-                        <a:schemeClr val="tx1"/>
-                      </a:solidFill>
-                      <a:prstDash val="solid"/>
-                      <a:round/>
-                      <a:headEnd type="none" w="med" len="med"/>
-                      <a:tailEnd type="none" w="med" len="med"/>
-                    </a:lnR>
-                    <a:lnT w="12700" cap="flat" cmpd="sng" algn="ctr">
-                      <a:solidFill>
-                        <a:schemeClr val="tx1"/>
-                      </a:solidFill>
-                      <a:prstDash val="solid"/>
-                      <a:round/>
-                      <a:headEnd type="none" w="med" len="med"/>
-                      <a:tailEnd type="none" w="med" len="med"/>
-                    </a:lnT>
-                    <a:lnB w="12700" cap="flat" cmpd="sng" algn="ctr">
-                      <a:solidFill>
-                        <a:schemeClr val="tx1"/>
-                      </a:solidFill>
-                      <a:prstDash val="solid"/>
-                      <a:round/>
-                      <a:headEnd type="none" w="med" len="med"/>
-                      <a:tailEnd type="none" w="med" len="med"/>
-                    </a:lnB>
-                  </a:tcPr>
-                </a:tc>
-                <a:tc>
-                  <a:txBody>
-                    <a:bodyPr/>
-                    <a:lstStyle/>
-                    <a:p>
-                      <a:pPr algn="ctr"/>
-                      <a:endParaRPr lang="en-US" sz="1800" dirty="0"/>
-                    </a:p>
-                  </a:txBody>
-                  <a:tcPr>
-                    <a:lnL w="12700" cap="flat" cmpd="sng" algn="ctr">
-                      <a:solidFill>
-                        <a:schemeClr val="tx1"/>
-                      </a:solidFill>
-                      <a:prstDash val="solid"/>
-                      <a:round/>
-                      <a:headEnd type="none" w="med" len="med"/>
-                      <a:tailEnd type="none" w="med" len="med"/>
-                    </a:lnL>
-                    <a:lnR w="12700" cap="flat" cmpd="sng" algn="ctr">
-                      <a:solidFill>
-                        <a:schemeClr val="tx1"/>
-                      </a:solidFill>
-                      <a:prstDash val="solid"/>
-                      <a:round/>
-                      <a:headEnd type="none" w="med" len="med"/>
-                      <a:tailEnd type="none" w="med" len="med"/>
-                    </a:lnR>
-                    <a:lnT w="12700" cap="flat" cmpd="sng" algn="ctr">
-                      <a:solidFill>
-                        <a:schemeClr val="tx1"/>
-                      </a:solidFill>
-                      <a:prstDash val="solid"/>
-                      <a:round/>
-                      <a:headEnd type="none" w="med" len="med"/>
-                      <a:tailEnd type="none" w="med" len="med"/>
-                    </a:lnT>
-                    <a:lnB w="12700" cap="flat" cmpd="sng" algn="ctr">
-                      <a:solidFill>
-                        <a:schemeClr val="tx1"/>
-                      </a:solidFill>
-                      <a:prstDash val="solid"/>
-                      <a:round/>
-                      <a:headEnd type="none" w="med" len="med"/>
-                      <a:tailEnd type="none" w="med" len="med"/>
-                    </a:lnB>
-                  </a:tcPr>
-                </a:tc>
-              </a:tr>
-              <a:tr h="373211">
-                <a:tc>
-                  <a:txBody>
-                    <a:bodyPr/>
-                    <a:lstStyle/>
-                    <a:p>
-                      <a:endParaRPr lang="en-US" sz="1800" dirty="0"/>
-                    </a:p>
-                  </a:txBody>
-                  <a:tcPr>
-                    <a:lnL w="12700" cap="flat" cmpd="sng" algn="ctr">
-                      <a:solidFill>
-                        <a:schemeClr val="tx1"/>
-                      </a:solidFill>
-                      <a:prstDash val="solid"/>
-                      <a:round/>
-                      <a:headEnd type="none" w="med" len="med"/>
-                      <a:tailEnd type="none" w="med" len="med"/>
-                    </a:lnL>
-                    <a:lnR w="12700" cap="flat" cmpd="sng" algn="ctr">
-                      <a:solidFill>
-                        <a:schemeClr val="tx1"/>
-                      </a:solidFill>
-                      <a:prstDash val="solid"/>
-                      <a:round/>
-                      <a:headEnd type="none" w="med" len="med"/>
-                      <a:tailEnd type="none" w="med" len="med"/>
-                    </a:lnR>
-                    <a:lnT w="12700" cap="flat" cmpd="sng" algn="ctr">
-                      <a:solidFill>
-                        <a:schemeClr val="tx1"/>
-                      </a:solidFill>
-                      <a:prstDash val="solid"/>
-                      <a:round/>
-                      <a:headEnd type="none" w="med" len="med"/>
-                      <a:tailEnd type="none" w="med" len="med"/>
-                    </a:lnT>
-                    <a:lnB w="12700" cap="flat" cmpd="sng" algn="ctr">
-                      <a:solidFill>
-                        <a:schemeClr val="tx1"/>
-                      </a:solidFill>
-                      <a:prstDash val="solid"/>
-                      <a:round/>
-                      <a:headEnd type="none" w="med" len="med"/>
-                      <a:tailEnd type="none" w="med" len="med"/>
-                    </a:lnB>
-                  </a:tcPr>
-                </a:tc>
-                <a:tc>
-                  <a:txBody>
-                    <a:bodyPr/>
-                    <a:lstStyle/>
-                    <a:p>
-                      <a:pPr algn="ctr"/>
-                      <a:endParaRPr lang="en-US" sz="1800" dirty="0"/>
-                    </a:p>
-                  </a:txBody>
-                  <a:tcPr>
-                    <a:lnL w="12700" cap="flat" cmpd="sng" algn="ctr">
-                      <a:solidFill>
-                        <a:schemeClr val="tx1"/>
-                      </a:solidFill>
-                      <a:prstDash val="solid"/>
-                      <a:round/>
-                      <a:headEnd type="none" w="med" len="med"/>
-                      <a:tailEnd type="none" w="med" len="med"/>
-                    </a:lnL>
-                    <a:lnR w="12700" cap="flat" cmpd="sng" algn="ctr">
-                      <a:solidFill>
-                        <a:schemeClr val="tx1"/>
-                      </a:solidFill>
-                      <a:prstDash val="solid"/>
-                      <a:round/>
-                      <a:headEnd type="none" w="med" len="med"/>
-                      <a:tailEnd type="none" w="med" len="med"/>
-                    </a:lnR>
-                    <a:lnT w="12700" cap="flat" cmpd="sng" algn="ctr">
-                      <a:solidFill>
-                        <a:schemeClr val="tx1"/>
-                      </a:solidFill>
-                      <a:prstDash val="solid"/>
-                      <a:round/>
-                      <a:headEnd type="none" w="med" len="med"/>
-                      <a:tailEnd type="none" w="med" len="med"/>
-                    </a:lnT>
-                    <a:lnB w="12700" cap="flat" cmpd="sng" algn="ctr">
-                      <a:solidFill>
-                        <a:schemeClr val="tx1"/>
-                      </a:solidFill>
-                      <a:prstDash val="solid"/>
-                      <a:round/>
-                      <a:headEnd type="none" w="med" len="med"/>
-                      <a:tailEnd type="none" w="med" len="med"/>
-                    </a:lnB>
-                  </a:tcPr>
-                </a:tc>
-                <a:tc>
-                  <a:txBody>
-                    <a:bodyPr/>
-                    <a:lstStyle/>
-                    <a:p>
-                      <a:pPr algn="ctr"/>
-                      <a:endParaRPr lang="en-US" sz="1800" dirty="0"/>
-                    </a:p>
-                  </a:txBody>
-                  <a:tcPr>
-                    <a:lnL w="12700" cap="flat" cmpd="sng" algn="ctr">
-                      <a:solidFill>
-                        <a:schemeClr val="tx1"/>
-                      </a:solidFill>
-                      <a:prstDash val="solid"/>
-                      <a:round/>
-                      <a:headEnd type="none" w="med" len="med"/>
-                      <a:tailEnd type="none" w="med" len="med"/>
-                    </a:lnL>
-                    <a:lnR w="12700" cap="flat" cmpd="sng" algn="ctr">
-                      <a:solidFill>
-                        <a:schemeClr val="tx1"/>
-                      </a:solidFill>
-                      <a:prstDash val="solid"/>
-                      <a:round/>
-                      <a:headEnd type="none" w="med" len="med"/>
-                      <a:tailEnd type="none" w="med" len="med"/>
-                    </a:lnR>
-                    <a:lnT w="12700" cap="flat" cmpd="sng" algn="ctr">
-                      <a:solidFill>
-                        <a:schemeClr val="tx1"/>
-                      </a:solidFill>
-                      <a:prstDash val="solid"/>
-                      <a:round/>
-                      <a:headEnd type="none" w="med" len="med"/>
-                      <a:tailEnd type="none" w="med" len="med"/>
-                    </a:lnT>
-                    <a:lnB w="12700" cap="flat" cmpd="sng" algn="ctr">
-                      <a:solidFill>
-                        <a:schemeClr val="tx1"/>
-                      </a:solidFill>
-                      <a:prstDash val="solid"/>
-                      <a:round/>
-                      <a:headEnd type="none" w="med" len="med"/>
-                      <a:tailEnd type="none" w="med" len="med"/>
-                    </a:lnB>
-                  </a:tcPr>
-                </a:tc>
-                <a:tc>
-                  <a:txBody>
-                    <a:bodyPr/>
-                    <a:lstStyle/>
-                    <a:p>
-                      <a:pPr algn="ctr"/>
-                      <a:endParaRPr lang="en-US" sz="1800" dirty="0"/>
-                    </a:p>
-                  </a:txBody>
-                  <a:tcPr>
-                    <a:lnL w="12700" cap="flat" cmpd="sng" algn="ctr">
-                      <a:solidFill>
-                        <a:schemeClr val="tx1"/>
-                      </a:solidFill>
-                      <a:prstDash val="solid"/>
-                      <a:round/>
-                      <a:headEnd type="none" w="med" len="med"/>
-                      <a:tailEnd type="none" w="med" len="med"/>
-                    </a:lnL>
-                    <a:lnR w="12700" cap="flat" cmpd="sng" algn="ctr">
-                      <a:solidFill>
-                        <a:schemeClr val="tx1"/>
-                      </a:solidFill>
-                      <a:prstDash val="solid"/>
-                      <a:round/>
-                      <a:headEnd type="none" w="med" len="med"/>
-                      <a:tailEnd type="none" w="med" len="med"/>
-                    </a:lnR>
-                    <a:lnT w="12700" cap="flat" cmpd="sng" algn="ctr">
-                      <a:solidFill>
-                        <a:schemeClr val="tx1"/>
-                      </a:solidFill>
-                      <a:prstDash val="solid"/>
-                      <a:round/>
-                      <a:headEnd type="none" w="med" len="med"/>
-                      <a:tailEnd type="none" w="med" len="med"/>
-                    </a:lnT>
-                    <a:lnB w="12700" cap="flat" cmpd="sng" algn="ctr">
-                      <a:solidFill>
-                        <a:schemeClr val="tx1"/>
-                      </a:solidFill>
-                      <a:prstDash val="solid"/>
-                      <a:round/>
-                      <a:headEnd type="none" w="med" len="med"/>
-                      <a:tailEnd type="none" w="med" len="med"/>
-                    </a:lnB>
-                  </a:tcPr>
-                </a:tc>
-                <a:tc>
-                  <a:txBody>
-                    <a:bodyPr/>
-                    <a:lstStyle/>
-                    <a:p>
-                      <a:pPr algn="ctr"/>
-                      <a:endParaRPr lang="en-US" sz="1800" dirty="0"/>
-                    </a:p>
-                  </a:txBody>
-                  <a:tcPr>
-                    <a:lnL w="12700" cap="flat" cmpd="sng" algn="ctr">
-                      <a:solidFill>
-                        <a:schemeClr val="tx1"/>
-                      </a:solidFill>
-                      <a:prstDash val="solid"/>
-                      <a:round/>
-                      <a:headEnd type="none" w="med" len="med"/>
-                      <a:tailEnd type="none" w="med" len="med"/>
-                    </a:lnL>
-                    <a:lnR w="12700" cap="flat" cmpd="sng" algn="ctr">
-                      <a:solidFill>
-                        <a:schemeClr val="tx1"/>
-                      </a:solidFill>
-                      <a:prstDash val="solid"/>
-                      <a:round/>
-                      <a:headEnd type="none" w="med" len="med"/>
-                      <a:tailEnd type="none" w="med" len="med"/>
-                    </a:lnR>
-                    <a:lnT w="12700" cap="flat" cmpd="sng" algn="ctr">
-                      <a:solidFill>
-                        <a:schemeClr val="tx1"/>
-                      </a:solidFill>
-                      <a:prstDash val="solid"/>
-                      <a:round/>
-                      <a:headEnd type="none" w="med" len="med"/>
-                      <a:tailEnd type="none" w="med" len="med"/>
-                    </a:lnT>
-                    <a:lnB w="12700" cap="flat" cmpd="sng" algn="ctr">
-                      <a:solidFill>
-                        <a:schemeClr val="tx1"/>
-                      </a:solidFill>
-                      <a:prstDash val="solid"/>
-                      <a:round/>
-                      <a:headEnd type="none" w="med" len="med"/>
-                      <a:tailEnd type="none" w="med" len="med"/>
-                    </a:lnB>
-                  </a:tcPr>
-                </a:tc>
-                <a:tc>
-                  <a:txBody>
-                    <a:bodyPr/>
-                    <a:lstStyle/>
-                    <a:p>
-                      <a:pPr algn="ctr"/>
-                      <a:endParaRPr lang="en-US" sz="1800" dirty="0"/>
-                    </a:p>
-                  </a:txBody>
-                  <a:tcPr>
-                    <a:lnL w="12700" cap="flat" cmpd="sng" algn="ctr">
-                      <a:solidFill>
-                        <a:schemeClr val="tx1"/>
-                      </a:solidFill>
-                      <a:prstDash val="solid"/>
-                      <a:round/>
-                      <a:headEnd type="none" w="med" len="med"/>
-                      <a:tailEnd type="none" w="med" len="med"/>
-                    </a:lnL>
-                    <a:lnR w="12700" cap="flat" cmpd="sng" algn="ctr">
-                      <a:solidFill>
-                        <a:schemeClr val="tx1"/>
-                      </a:solidFill>
-                      <a:prstDash val="solid"/>
-                      <a:round/>
-                      <a:headEnd type="none" w="med" len="med"/>
-                      <a:tailEnd type="none" w="med" len="med"/>
-                    </a:lnR>
-                    <a:lnT w="12700" cap="flat" cmpd="sng" algn="ctr">
-                      <a:solidFill>
-                        <a:schemeClr val="tx1"/>
-                      </a:solidFill>
-                      <a:prstDash val="solid"/>
-                      <a:round/>
-                      <a:headEnd type="none" w="med" len="med"/>
-                      <a:tailEnd type="none" w="med" len="med"/>
-                    </a:lnT>
-                    <a:lnB w="12700" cap="flat" cmpd="sng" algn="ctr">
-                      <a:solidFill>
-                        <a:schemeClr val="tx1"/>
-                      </a:solidFill>
-                      <a:prstDash val="solid"/>
-                      <a:round/>
-                      <a:headEnd type="none" w="med" len="med"/>
-                      <a:tailEnd type="none" w="med" len="med"/>
-                    </a:lnB>
-                    <a:solidFill>
-                      <a:srgbClr val="E0E0E0"/>
-                    </a:solidFill>
-                  </a:tcPr>
-                </a:tc>
-                <a:tc>
-                  <a:txBody>
-                    <a:bodyPr/>
-                    <a:lstStyle/>
-                    <a:p>
-                      <a:endParaRPr lang="en-US" dirty="0"/>
-                    </a:p>
-                  </a:txBody>
-                  <a:tcPr>
-                    <a:lnL w="12700" cap="flat" cmpd="sng" algn="ctr">
-                      <a:solidFill>
-                        <a:schemeClr val="tx1"/>
-                      </a:solidFill>
-                      <a:prstDash val="solid"/>
-                      <a:round/>
-                      <a:headEnd type="none" w="med" len="med"/>
-                      <a:tailEnd type="none" w="med" len="med"/>
-                    </a:lnL>
-                    <a:lnR w="12700" cap="flat" cmpd="sng" algn="ctr">
-                      <a:solidFill>
-                        <a:schemeClr val="tx1"/>
-                      </a:solidFill>
-                      <a:prstDash val="solid"/>
-                      <a:round/>
-                      <a:headEnd type="none" w="med" len="med"/>
-                      <a:tailEnd type="none" w="med" len="med"/>
-                    </a:lnR>
-                    <a:lnT w="12700" cap="flat" cmpd="sng" algn="ctr">
-                      <a:solidFill>
-                        <a:schemeClr val="tx1"/>
-                      </a:solidFill>
-                      <a:prstDash val="solid"/>
-                      <a:round/>
-                      <a:headEnd type="none" w="med" len="med"/>
-                      <a:tailEnd type="none" w="med" len="med"/>
-                    </a:lnT>
-                    <a:lnB w="12700" cap="flat" cmpd="sng" algn="ctr">
-                      <a:solidFill>
-                        <a:schemeClr val="tx1"/>
-                      </a:solidFill>
-                      <a:prstDash val="solid"/>
-                      <a:round/>
-                      <a:headEnd type="none" w="med" len="med"/>
-                      <a:tailEnd type="none" w="med" len="med"/>
-                    </a:lnB>
-                    <a:solidFill>
-                      <a:srgbClr val="E0E0E0"/>
-                    </a:solidFill>
-                  </a:tcPr>
-                </a:tc>
-                <a:tc gridSpan="2">
-                  <a:txBody>
-                    <a:bodyPr/>
-                    <a:lstStyle/>
-                    <a:p>
-                      <a:pPr algn="ctr"/>
-                      <a:r>
-                        <a:rPr lang="en-US" sz="1800" dirty="0" smtClean="0"/>
-                        <a:t>without structure</a:t>
-                      </a:r>
-                      <a:endParaRPr lang="en-US" sz="1800" dirty="0"/>
-                    </a:p>
-                  </a:txBody>
-                  <a:tcPr>
-                    <a:lnL w="12700" cap="flat" cmpd="sng" algn="ctr">
-                      <a:solidFill>
-                        <a:schemeClr val="tx1"/>
-                      </a:solidFill>
-                      <a:prstDash val="solid"/>
-                      <a:round/>
-                      <a:headEnd type="none" w="med" len="med"/>
-                      <a:tailEnd type="none" w="med" len="med"/>
-                    </a:lnL>
-                    <a:lnR w="12700" cap="flat" cmpd="sng" algn="ctr">
-                      <a:solidFill>
-                        <a:schemeClr val="tx1"/>
-                      </a:solidFill>
-                      <a:prstDash val="solid"/>
-                      <a:round/>
-                      <a:headEnd type="none" w="med" len="med"/>
-                      <a:tailEnd type="none" w="med" len="med"/>
-                    </a:lnR>
-                    <a:lnT w="12700" cap="flat" cmpd="sng" algn="ctr">
-                      <a:solidFill>
-                        <a:schemeClr val="tx1"/>
-                      </a:solidFill>
-                      <a:prstDash val="solid"/>
-                      <a:round/>
-                      <a:headEnd type="none" w="med" len="med"/>
-                      <a:tailEnd type="none" w="med" len="med"/>
-                    </a:lnT>
-                    <a:lnB w="12700" cap="flat" cmpd="sng" algn="ctr">
-                      <a:solidFill>
-                        <a:schemeClr val="tx1"/>
-                      </a:solidFill>
-                      <a:prstDash val="solid"/>
-                      <a:round/>
-                      <a:headEnd type="none" w="med" len="med"/>
-                      <a:tailEnd type="none" w="med" len="med"/>
-                    </a:lnB>
-                    <a:solidFill>
-                      <a:srgbClr val="7F7F7F"/>
-                    </a:solidFill>
-                  </a:tcPr>
-                </a:tc>
-                <a:tc hMerge="1">
-                  <a:txBody>
-                    <a:bodyPr/>
-                    <a:lstStyle/>
-                    <a:p>
-                      <a:pPr algn="ctr"/>
-                      <a:endParaRPr lang="en-US" sz="1800" dirty="0"/>
-                    </a:p>
-                  </a:txBody>
-                  <a:tcPr>
-                    <a:lnL w="12700" cap="flat" cmpd="sng" algn="ctr">
-                      <a:solidFill>
-                        <a:schemeClr val="tx1"/>
-                      </a:solidFill>
-                      <a:prstDash val="solid"/>
-                      <a:round/>
-                      <a:headEnd type="none" w="med" len="med"/>
-                      <a:tailEnd type="none" w="med" len="med"/>
-                    </a:lnL>
-                    <a:lnR w="12700" cap="flat" cmpd="sng" algn="ctr">
-                      <a:solidFill>
-                        <a:schemeClr val="tx1"/>
-                      </a:solidFill>
-                      <a:prstDash val="solid"/>
-                      <a:round/>
-                      <a:headEnd type="none" w="med" len="med"/>
-                      <a:tailEnd type="none" w="med" len="med"/>
-                    </a:lnR>
-                    <a:lnT w="12700" cap="flat" cmpd="sng" algn="ctr">
-                      <a:solidFill>
-                        <a:schemeClr val="tx1"/>
-                      </a:solidFill>
-                      <a:prstDash val="solid"/>
-                      <a:round/>
-                      <a:headEnd type="none" w="med" len="med"/>
-                      <a:tailEnd type="none" w="med" len="med"/>
-                    </a:lnT>
-                    <a:lnB w="12700" cap="flat" cmpd="sng" algn="ctr">
-                      <a:solidFill>
-                        <a:schemeClr val="tx1"/>
-                      </a:solidFill>
-                      <a:prstDash val="solid"/>
-                      <a:round/>
-                      <a:headEnd type="none" w="med" len="med"/>
-                      <a:tailEnd type="none" w="med" len="med"/>
-                    </a:lnB>
-                  </a:tcPr>
-                </a:tc>
-                <a:tc>
-                  <a:txBody>
-                    <a:bodyPr/>
-                    <a:lstStyle/>
-                    <a:p>
-                      <a:pPr algn="ctr"/>
-                      <a:endParaRPr lang="en-US" sz="1800" dirty="0"/>
-                    </a:p>
-                  </a:txBody>
-                  <a:tcPr>
-                    <a:lnL w="12700" cap="flat" cmpd="sng" algn="ctr">
-                      <a:solidFill>
-                        <a:schemeClr val="tx1"/>
-                      </a:solidFill>
-                      <a:prstDash val="solid"/>
-                      <a:round/>
-                      <a:headEnd type="none" w="med" len="med"/>
-                      <a:tailEnd type="none" w="med" len="med"/>
-                    </a:lnL>
-                    <a:lnR w="12700" cap="flat" cmpd="sng" algn="ctr">
-                      <a:solidFill>
-                        <a:schemeClr val="tx1"/>
-                      </a:solidFill>
-                      <a:prstDash val="solid"/>
-                      <a:round/>
-                      <a:headEnd type="none" w="med" len="med"/>
-                      <a:tailEnd type="none" w="med" len="med"/>
-                    </a:lnR>
-                    <a:lnT w="12700" cap="flat" cmpd="sng" algn="ctr">
-                      <a:solidFill>
-                        <a:schemeClr val="tx1"/>
-                      </a:solidFill>
-                      <a:prstDash val="solid"/>
-                      <a:round/>
-                      <a:headEnd type="none" w="med" len="med"/>
-                      <a:tailEnd type="none" w="med" len="med"/>
-                    </a:lnT>
-                    <a:lnB w="12700" cap="flat" cmpd="sng" algn="ctr">
-                      <a:solidFill>
-                        <a:schemeClr val="tx1"/>
-                      </a:solidFill>
-                      <a:prstDash val="solid"/>
-                      <a:round/>
-                      <a:headEnd type="none" w="med" len="med"/>
-                      <a:tailEnd type="none" w="med" len="med"/>
-                    </a:lnB>
-                  </a:tcPr>
-                </a:tc>
-                <a:tc>
-                  <a:txBody>
-                    <a:bodyPr/>
-                    <a:lstStyle/>
-                    <a:p>
-                      <a:pPr algn="ctr"/>
-                      <a:endParaRPr lang="en-US" sz="1800" dirty="0"/>
-                    </a:p>
-                  </a:txBody>
-                  <a:tcPr>
-                    <a:lnL w="12700" cap="flat" cmpd="sng" algn="ctr">
-                      <a:solidFill>
-                        <a:schemeClr val="tx1"/>
-                      </a:solidFill>
-                      <a:prstDash val="solid"/>
-                      <a:round/>
-                      <a:headEnd type="none" w="med" len="med"/>
-                      <a:tailEnd type="none" w="med" len="med"/>
-                    </a:lnL>
-                    <a:lnR w="12700" cap="flat" cmpd="sng" algn="ctr">
-                      <a:solidFill>
-                        <a:schemeClr val="tx1"/>
-                      </a:solidFill>
-                      <a:prstDash val="solid"/>
-                      <a:round/>
-                      <a:headEnd type="none" w="med" len="med"/>
-                      <a:tailEnd type="none" w="med" len="med"/>
-                    </a:lnR>
-                    <a:lnT w="12700" cap="flat" cmpd="sng" algn="ctr">
-                      <a:solidFill>
-                        <a:schemeClr val="tx1"/>
-                      </a:solidFill>
-                      <a:prstDash val="solid"/>
-                      <a:round/>
-                      <a:headEnd type="none" w="med" len="med"/>
-                      <a:tailEnd type="none" w="med" len="med"/>
-                    </a:lnT>
-                    <a:lnB w="12700" cap="flat" cmpd="sng" algn="ctr">
-                      <a:solidFill>
-                        <a:schemeClr val="tx1"/>
-                      </a:solidFill>
-                      <a:prstDash val="solid"/>
-                      <a:round/>
-                      <a:headEnd type="none" w="med" len="med"/>
-                      <a:tailEnd type="none" w="med" len="med"/>
-                    </a:lnB>
-                  </a:tcPr>
-                </a:tc>
-              </a:tr>
-              <a:tr h="373211">
-                <a:tc>
-                  <a:txBody>
-                    <a:bodyPr/>
-                    <a:lstStyle/>
-                    <a:p>
-                      <a:r>
-                        <a:rPr lang="en-US" sz="1800" dirty="0" smtClean="0"/>
-                        <a:t>Analysis</a:t>
-                      </a:r>
-                      <a:endParaRPr lang="en-US" sz="1800" dirty="0"/>
-                    </a:p>
-                  </a:txBody>
-                  <a:tcPr>
-                    <a:lnL w="12700" cap="flat" cmpd="sng" algn="ctr">
-                      <a:solidFill>
-                        <a:schemeClr val="tx1"/>
-                      </a:solidFill>
-                      <a:prstDash val="solid"/>
-                      <a:round/>
-                      <a:headEnd type="none" w="med" len="med"/>
-                      <a:tailEnd type="none" w="med" len="med"/>
-                    </a:lnL>
-                    <a:lnR w="12700" cap="flat" cmpd="sng" algn="ctr">
-                      <a:solidFill>
-                        <a:schemeClr val="tx1"/>
-                      </a:solidFill>
-                      <a:prstDash val="solid"/>
-                      <a:round/>
-                      <a:headEnd type="none" w="med" len="med"/>
-                      <a:tailEnd type="none" w="med" len="med"/>
-                    </a:lnR>
-                    <a:lnT w="12700" cap="flat" cmpd="sng" algn="ctr">
-                      <a:solidFill>
-                        <a:schemeClr val="tx1"/>
-                      </a:solidFill>
-                      <a:prstDash val="solid"/>
-                      <a:round/>
-                      <a:headEnd type="none" w="med" len="med"/>
-                      <a:tailEnd type="none" w="med" len="med"/>
-                    </a:lnT>
-                    <a:lnB w="12700" cap="flat" cmpd="sng" algn="ctr">
-                      <a:solidFill>
-                        <a:schemeClr val="tx1"/>
-                      </a:solidFill>
-                      <a:prstDash val="solid"/>
-                      <a:round/>
-                      <a:headEnd type="none" w="med" len="med"/>
-                      <a:tailEnd type="none" w="med" len="med"/>
-                    </a:lnB>
-                  </a:tcPr>
-                </a:tc>
-                <a:tc>
-                  <a:txBody>
-                    <a:bodyPr/>
-                    <a:lstStyle/>
-                    <a:p>
-                      <a:pPr algn="ctr"/>
-                      <a:endParaRPr lang="en-US" sz="1800"/>
-                    </a:p>
-                  </a:txBody>
-                  <a:tcPr>
-                    <a:lnL w="12700" cap="flat" cmpd="sng" algn="ctr">
-                      <a:solidFill>
-                        <a:schemeClr val="tx1"/>
-                      </a:solidFill>
-                      <a:prstDash val="solid"/>
-                      <a:round/>
-                      <a:headEnd type="none" w="med" len="med"/>
-                      <a:tailEnd type="none" w="med" len="med"/>
-                    </a:lnL>
-                    <a:lnR w="12700" cap="flat" cmpd="sng" algn="ctr">
-                      <a:solidFill>
-                        <a:schemeClr val="tx1"/>
-                      </a:solidFill>
-                      <a:prstDash val="solid"/>
-                      <a:round/>
-                      <a:headEnd type="none" w="med" len="med"/>
-                      <a:tailEnd type="none" w="med" len="med"/>
-                    </a:lnR>
-                    <a:lnT w="12700" cap="flat" cmpd="sng" algn="ctr">
-                      <a:solidFill>
-                        <a:schemeClr val="tx1"/>
-                      </a:solidFill>
-                      <a:prstDash val="solid"/>
-                      <a:round/>
-                      <a:headEnd type="none" w="med" len="med"/>
-                      <a:tailEnd type="none" w="med" len="med"/>
-                    </a:lnT>
-                    <a:lnB w="12700" cap="flat" cmpd="sng" algn="ctr">
-                      <a:solidFill>
-                        <a:schemeClr val="tx1"/>
-                      </a:solidFill>
-                      <a:prstDash val="solid"/>
-                      <a:round/>
-                      <a:headEnd type="none" w="med" len="med"/>
-                      <a:tailEnd type="none" w="med" len="med"/>
-                    </a:lnB>
-                  </a:tcPr>
-                </a:tc>
-                <a:tc>
-                  <a:txBody>
-                    <a:bodyPr/>
-                    <a:lstStyle/>
-                    <a:p>
-                      <a:pPr algn="ctr"/>
-                      <a:endParaRPr lang="en-US" sz="1800"/>
-                    </a:p>
-                  </a:txBody>
-                  <a:tcPr>
-                    <a:lnL w="12700" cap="flat" cmpd="sng" algn="ctr">
-                      <a:solidFill>
-                        <a:schemeClr val="tx1"/>
-                      </a:solidFill>
-                      <a:prstDash val="solid"/>
-                      <a:round/>
-                      <a:headEnd type="none" w="med" len="med"/>
-                      <a:tailEnd type="none" w="med" len="med"/>
-                    </a:lnL>
-                    <a:lnR w="12700" cap="flat" cmpd="sng" algn="ctr">
-                      <a:solidFill>
-                        <a:schemeClr val="tx1"/>
-                      </a:solidFill>
-                      <a:prstDash val="solid"/>
-                      <a:round/>
-                      <a:headEnd type="none" w="med" len="med"/>
-                      <a:tailEnd type="none" w="med" len="med"/>
-                    </a:lnR>
-                    <a:lnT w="12700" cap="flat" cmpd="sng" algn="ctr">
-                      <a:solidFill>
-                        <a:schemeClr val="tx1"/>
-                      </a:solidFill>
-                      <a:prstDash val="solid"/>
-                      <a:round/>
-                      <a:headEnd type="none" w="med" len="med"/>
-                      <a:tailEnd type="none" w="med" len="med"/>
-                    </a:lnT>
-                    <a:lnB w="12700" cap="flat" cmpd="sng" algn="ctr">
-                      <a:solidFill>
-                        <a:schemeClr val="tx1"/>
-                      </a:solidFill>
-                      <a:prstDash val="solid"/>
-                      <a:round/>
-                      <a:headEnd type="none" w="med" len="med"/>
-                      <a:tailEnd type="none" w="med" len="med"/>
-                    </a:lnB>
-                  </a:tcPr>
-                </a:tc>
-                <a:tc>
-                  <a:txBody>
-                    <a:bodyPr/>
-                    <a:lstStyle/>
-                    <a:p>
-                      <a:pPr algn="ctr"/>
-                      <a:endParaRPr lang="en-US" sz="1800" dirty="0"/>
-                    </a:p>
-                  </a:txBody>
-                  <a:tcPr>
-                    <a:lnL w="12700" cap="flat" cmpd="sng" algn="ctr">
-                      <a:solidFill>
-                        <a:schemeClr val="tx1"/>
-                      </a:solidFill>
-                      <a:prstDash val="solid"/>
-                      <a:round/>
-                      <a:headEnd type="none" w="med" len="med"/>
-                      <a:tailEnd type="none" w="med" len="med"/>
-                    </a:lnL>
-                    <a:lnR w="12700" cap="flat" cmpd="sng" algn="ctr">
-                      <a:solidFill>
-                        <a:schemeClr val="tx1"/>
-                      </a:solidFill>
-                      <a:prstDash val="solid"/>
-                      <a:round/>
-                      <a:headEnd type="none" w="med" len="med"/>
-                      <a:tailEnd type="none" w="med" len="med"/>
-                    </a:lnR>
-                    <a:lnT w="12700" cap="flat" cmpd="sng" algn="ctr">
-                      <a:solidFill>
-                        <a:schemeClr val="tx1"/>
-                      </a:solidFill>
-                      <a:prstDash val="solid"/>
-                      <a:round/>
-                      <a:headEnd type="none" w="med" len="med"/>
-                      <a:tailEnd type="none" w="med" len="med"/>
-                    </a:lnT>
-                    <a:lnB w="12700" cap="flat" cmpd="sng" algn="ctr">
-                      <a:solidFill>
-                        <a:schemeClr val="tx1"/>
-                      </a:solidFill>
-                      <a:prstDash val="solid"/>
-                      <a:round/>
-                      <a:headEnd type="none" w="med" len="med"/>
-                      <a:tailEnd type="none" w="med" len="med"/>
-                    </a:lnB>
-                  </a:tcPr>
-                </a:tc>
-                <a:tc gridSpan="2">
-                  <a:txBody>
-                    <a:bodyPr/>
-                    <a:lstStyle/>
-                    <a:p>
-                      <a:pPr algn="ctr"/>
-                      <a:r>
-                        <a:rPr lang="en-US" sz="1800" dirty="0" smtClean="0"/>
-                        <a:t>PC</a:t>
-                      </a:r>
-                      <a:endParaRPr lang="en-US" sz="1800" dirty="0"/>
-                    </a:p>
-                  </a:txBody>
-                  <a:tcPr>
-                    <a:lnL w="12700" cap="flat" cmpd="sng" algn="ctr">
-                      <a:solidFill>
-                        <a:schemeClr val="tx1"/>
-                      </a:solidFill>
-                      <a:prstDash val="solid"/>
-                      <a:round/>
-                      <a:headEnd type="none" w="med" len="med"/>
-                      <a:tailEnd type="none" w="med" len="med"/>
-                    </a:lnL>
-                    <a:lnR w="12700" cap="flat" cmpd="sng" algn="ctr">
-                      <a:solidFill>
-                        <a:schemeClr val="tx1"/>
-                      </a:solidFill>
-                      <a:prstDash val="solid"/>
-                      <a:round/>
-                      <a:headEnd type="none" w="med" len="med"/>
-                      <a:tailEnd type="none" w="med" len="med"/>
-                    </a:lnR>
-                    <a:lnT w="12700" cap="flat" cmpd="sng" algn="ctr">
-                      <a:solidFill>
-                        <a:schemeClr val="tx1"/>
-                      </a:solidFill>
-                      <a:prstDash val="solid"/>
-                      <a:round/>
-                      <a:headEnd type="none" w="med" len="med"/>
-                      <a:tailEnd type="none" w="med" len="med"/>
-                    </a:lnT>
-                    <a:lnB w="12700" cap="flat" cmpd="sng" algn="ctr">
-                      <a:solidFill>
-                        <a:schemeClr val="tx1"/>
-                      </a:solidFill>
-                      <a:prstDash val="solid"/>
-                      <a:round/>
-                      <a:headEnd type="none" w="med" len="med"/>
-                      <a:tailEnd type="none" w="med" len="med"/>
-                    </a:lnB>
-                    <a:solidFill>
-                      <a:srgbClr val="7F7F7F"/>
-                    </a:solidFill>
-                  </a:tcPr>
-                </a:tc>
-                <a:tc hMerge="1">
-                  <a:txBody>
-                    <a:bodyPr/>
-                    <a:lstStyle/>
-                    <a:p>
-                      <a:pPr algn="ctr"/>
-                      <a:endParaRPr lang="en-US" dirty="0"/>
-                    </a:p>
-                  </a:txBody>
-                  <a:tcPr/>
-                </a:tc>
-                <a:tc>
-                  <a:txBody>
-                    <a:bodyPr/>
-                    <a:lstStyle/>
-                    <a:p>
-                      <a:pPr algn="ctr"/>
-                      <a:endParaRPr lang="en-US" sz="1800" dirty="0"/>
-                    </a:p>
-                  </a:txBody>
-                  <a:tcPr>
-                    <a:lnL w="12700" cap="flat" cmpd="sng" algn="ctr">
-                      <a:solidFill>
-                        <a:schemeClr val="tx1"/>
-                      </a:solidFill>
-                      <a:prstDash val="solid"/>
-                      <a:round/>
-                      <a:headEnd type="none" w="med" len="med"/>
-                      <a:tailEnd type="none" w="med" len="med"/>
-                    </a:lnL>
-                    <a:lnR w="12700" cap="flat" cmpd="sng" algn="ctr">
-                      <a:solidFill>
-                        <a:schemeClr val="tx1"/>
-                      </a:solidFill>
-                      <a:prstDash val="solid"/>
-                      <a:round/>
-                      <a:headEnd type="none" w="med" len="med"/>
-                      <a:tailEnd type="none" w="med" len="med"/>
-                    </a:lnR>
-                    <a:lnT w="12700" cap="flat" cmpd="sng" algn="ctr">
-                      <a:solidFill>
-                        <a:schemeClr val="tx1"/>
-                      </a:solidFill>
-                      <a:prstDash val="solid"/>
-                      <a:round/>
-                      <a:headEnd type="none" w="med" len="med"/>
-                      <a:tailEnd type="none" w="med" len="med"/>
-                    </a:lnT>
-                    <a:lnB w="12700" cap="flat" cmpd="sng" algn="ctr">
-                      <a:solidFill>
-                        <a:schemeClr val="tx1"/>
-                      </a:solidFill>
-                      <a:prstDash val="solid"/>
-                      <a:round/>
-                      <a:headEnd type="none" w="med" len="med"/>
-                      <a:tailEnd type="none" w="med" len="med"/>
-                    </a:lnB>
-                  </a:tcPr>
-                </a:tc>
-                <a:tc gridSpan="2">
-                  <a:txBody>
-                    <a:bodyPr/>
-                    <a:lstStyle/>
-                    <a:p>
-                      <a:pPr algn="ctr"/>
-                      <a:r>
-                        <a:rPr lang="en-US" sz="1800" dirty="0" smtClean="0"/>
-                        <a:t>BCCD</a:t>
-                      </a:r>
-                      <a:endParaRPr lang="en-US" sz="1800" dirty="0"/>
-                    </a:p>
-                  </a:txBody>
-                  <a:tcPr>
-                    <a:lnL w="12700" cap="flat" cmpd="sng" algn="ctr">
-                      <a:solidFill>
-                        <a:schemeClr val="tx1"/>
-                      </a:solidFill>
-                      <a:prstDash val="solid"/>
-                      <a:round/>
-                      <a:headEnd type="none" w="med" len="med"/>
-                      <a:tailEnd type="none" w="med" len="med"/>
-                    </a:lnL>
-                    <a:lnR w="12700" cap="flat" cmpd="sng" algn="ctr">
-                      <a:solidFill>
-                        <a:schemeClr val="tx1"/>
-                      </a:solidFill>
-                      <a:prstDash val="solid"/>
-                      <a:round/>
-                      <a:headEnd type="none" w="med" len="med"/>
-                      <a:tailEnd type="none" w="med" len="med"/>
-                    </a:lnR>
-                    <a:lnT w="12700" cap="flat" cmpd="sng" algn="ctr">
-                      <a:solidFill>
-                        <a:schemeClr val="tx1"/>
-                      </a:solidFill>
-                      <a:prstDash val="solid"/>
-                      <a:round/>
-                      <a:headEnd type="none" w="med" len="med"/>
-                      <a:tailEnd type="none" w="med" len="med"/>
-                    </a:lnT>
-                    <a:lnB w="12700" cap="flat" cmpd="sng" algn="ctr">
-                      <a:solidFill>
-                        <a:schemeClr val="tx1"/>
-                      </a:solidFill>
-                      <a:prstDash val="solid"/>
-                      <a:round/>
-                      <a:headEnd type="none" w="med" len="med"/>
-                      <a:tailEnd type="none" w="med" len="med"/>
-                    </a:lnB>
-                    <a:solidFill>
-                      <a:srgbClr val="7F7F7F"/>
-                    </a:solidFill>
-                  </a:tcPr>
-                </a:tc>
-                <a:tc hMerge="1">
-                  <a:txBody>
-                    <a:bodyPr/>
-                    <a:lstStyle/>
-                    <a:p>
-                      <a:pPr algn="ctr"/>
-                      <a:endParaRPr lang="en-US" dirty="0"/>
-                    </a:p>
-                  </a:txBody>
-                  <a:tcPr/>
-                </a:tc>
-                <a:tc>
-                  <a:txBody>
-                    <a:bodyPr/>
-                    <a:lstStyle/>
-                    <a:p>
-                      <a:pPr algn="ctr"/>
-                      <a:endParaRPr lang="en-US" sz="1800" dirty="0"/>
-                    </a:p>
-                  </a:txBody>
-                  <a:tcPr>
-                    <a:lnL w="12700" cap="flat" cmpd="sng" algn="ctr">
-                      <a:solidFill>
-                        <a:schemeClr val="tx1"/>
-                      </a:solidFill>
-                      <a:prstDash val="solid"/>
-                      <a:round/>
-                      <a:headEnd type="none" w="med" len="med"/>
-                      <a:tailEnd type="none" w="med" len="med"/>
-                    </a:lnL>
-                    <a:lnR w="12700" cap="flat" cmpd="sng" algn="ctr">
-                      <a:solidFill>
-                        <a:schemeClr val="tx1"/>
-                      </a:solidFill>
-                      <a:prstDash val="solid"/>
-                      <a:round/>
-                      <a:headEnd type="none" w="med" len="med"/>
-                      <a:tailEnd type="none" w="med" len="med"/>
-                    </a:lnR>
-                    <a:lnT w="12700" cap="flat" cmpd="sng" algn="ctr">
-                      <a:solidFill>
-                        <a:schemeClr val="tx1"/>
-                      </a:solidFill>
-                      <a:prstDash val="solid"/>
-                      <a:round/>
-                      <a:headEnd type="none" w="med" len="med"/>
-                      <a:tailEnd type="none" w="med" len="med"/>
-                    </a:lnT>
-                    <a:lnB w="12700" cap="flat" cmpd="sng" algn="ctr">
-                      <a:solidFill>
-                        <a:schemeClr val="tx1"/>
-                      </a:solidFill>
-                      <a:prstDash val="solid"/>
-                      <a:round/>
-                      <a:headEnd type="none" w="med" len="med"/>
-                      <a:tailEnd type="none" w="med" len="med"/>
-                    </a:lnB>
-                  </a:tcPr>
-                </a:tc>
-                <a:tc>
-                  <a:txBody>
-                    <a:bodyPr/>
-                    <a:lstStyle/>
-                    <a:p>
-                      <a:pPr algn="ctr"/>
-                      <a:endParaRPr lang="en-US" sz="1800" dirty="0"/>
-                    </a:p>
-                  </a:txBody>
-                  <a:tcPr>
-                    <a:lnL w="12700" cap="flat" cmpd="sng" algn="ctr">
-                      <a:solidFill>
-                        <a:schemeClr val="tx1"/>
-                      </a:solidFill>
-                      <a:prstDash val="solid"/>
-                      <a:round/>
-                      <a:headEnd type="none" w="med" len="med"/>
-                      <a:tailEnd type="none" w="med" len="med"/>
-                    </a:lnL>
-                    <a:lnR w="12700" cap="flat" cmpd="sng" algn="ctr">
-                      <a:solidFill>
-                        <a:schemeClr val="tx1"/>
-                      </a:solidFill>
-                      <a:prstDash val="solid"/>
-                      <a:round/>
-                      <a:headEnd type="none" w="med" len="med"/>
-                      <a:tailEnd type="none" w="med" len="med"/>
-                    </a:lnR>
-                    <a:lnT w="12700" cap="flat" cmpd="sng" algn="ctr">
-                      <a:solidFill>
-                        <a:schemeClr val="tx1"/>
-                      </a:solidFill>
-                      <a:prstDash val="solid"/>
-                      <a:round/>
-                      <a:headEnd type="none" w="med" len="med"/>
-                      <a:tailEnd type="none" w="med" len="med"/>
-                    </a:lnT>
-                    <a:lnB w="12700" cap="flat" cmpd="sng" algn="ctr">
-                      <a:solidFill>
-                        <a:schemeClr val="tx1"/>
-                      </a:solidFill>
-                      <a:prstDash val="solid"/>
-                      <a:round/>
-                      <a:headEnd type="none" w="med" len="med"/>
-                      <a:tailEnd type="none" w="med" len="med"/>
-                    </a:lnB>
-                  </a:tcPr>
-                </a:tc>
-              </a:tr>
-              <a:tr h="373211">
-                <a:tc>
-                  <a:txBody>
-                    <a:bodyPr/>
-                    <a:lstStyle/>
-                    <a:p>
-                      <a:r>
-                        <a:rPr lang="en-US" sz="1800" dirty="0" smtClean="0"/>
-                        <a:t>Writing</a:t>
-                      </a:r>
-                      <a:endParaRPr lang="en-US" sz="1800" dirty="0"/>
-                    </a:p>
-                  </a:txBody>
-                  <a:tcPr>
-                    <a:lnL w="12700" cap="flat" cmpd="sng" algn="ctr">
-                      <a:solidFill>
-                        <a:schemeClr val="tx1"/>
-                      </a:solidFill>
-                      <a:prstDash val="solid"/>
-                      <a:round/>
-                      <a:headEnd type="none" w="med" len="med"/>
-                      <a:tailEnd type="none" w="med" len="med"/>
-                    </a:lnL>
-                    <a:lnR w="12700" cap="flat" cmpd="sng" algn="ctr">
-                      <a:solidFill>
-                        <a:schemeClr val="tx1"/>
-                      </a:solidFill>
-                      <a:prstDash val="solid"/>
-                      <a:round/>
-                      <a:headEnd type="none" w="med" len="med"/>
-                      <a:tailEnd type="none" w="med" len="med"/>
-                    </a:lnR>
-                    <a:lnT w="12700" cap="flat" cmpd="sng" algn="ctr">
-                      <a:solidFill>
-                        <a:schemeClr val="tx1"/>
-                      </a:solidFill>
-                      <a:prstDash val="solid"/>
-                      <a:round/>
-                      <a:headEnd type="none" w="med" len="med"/>
-                      <a:tailEnd type="none" w="med" len="med"/>
-                    </a:lnT>
-                    <a:lnB w="12700" cap="flat" cmpd="sng" algn="ctr">
-                      <a:solidFill>
-                        <a:schemeClr val="tx1"/>
-                      </a:solidFill>
-                      <a:prstDash val="solid"/>
-                      <a:round/>
-                      <a:headEnd type="none" w="med" len="med"/>
-                      <a:tailEnd type="none" w="med" len="med"/>
-                    </a:lnB>
-                  </a:tcPr>
-                </a:tc>
-                <a:tc>
-                  <a:txBody>
-                    <a:bodyPr/>
-                    <a:lstStyle/>
-                    <a:p>
-                      <a:pPr algn="ctr"/>
-                      <a:endParaRPr lang="en-US" sz="1800" dirty="0"/>
-                    </a:p>
-                  </a:txBody>
-                  <a:tcPr>
-                    <a:lnL w="12700" cap="flat" cmpd="sng" algn="ctr">
-                      <a:solidFill>
-                        <a:schemeClr val="tx1"/>
-                      </a:solidFill>
-                      <a:prstDash val="solid"/>
-                      <a:round/>
-                      <a:headEnd type="none" w="med" len="med"/>
-                      <a:tailEnd type="none" w="med" len="med"/>
-                    </a:lnL>
-                    <a:lnR w="12700" cap="flat" cmpd="sng" algn="ctr">
-                      <a:solidFill>
-                        <a:schemeClr val="tx1"/>
-                      </a:solidFill>
-                      <a:prstDash val="solid"/>
-                      <a:round/>
-                      <a:headEnd type="none" w="med" len="med"/>
-                      <a:tailEnd type="none" w="med" len="med"/>
-                    </a:lnR>
-                    <a:lnT w="12700" cap="flat" cmpd="sng" algn="ctr">
-                      <a:solidFill>
-                        <a:schemeClr val="tx1"/>
-                      </a:solidFill>
-                      <a:prstDash val="solid"/>
-                      <a:round/>
-                      <a:headEnd type="none" w="med" len="med"/>
-                      <a:tailEnd type="none" w="med" len="med"/>
-                    </a:lnT>
-                    <a:lnB w="12700" cap="flat" cmpd="sng" algn="ctr">
-                      <a:solidFill>
-                        <a:schemeClr val="tx1"/>
-                      </a:solidFill>
-                      <a:prstDash val="solid"/>
-                      <a:round/>
-                      <a:headEnd type="none" w="med" len="med"/>
-                      <a:tailEnd type="none" w="med" len="med"/>
-                    </a:lnB>
-                  </a:tcPr>
-                </a:tc>
-                <a:tc>
-                  <a:txBody>
-                    <a:bodyPr/>
-                    <a:lstStyle/>
-                    <a:p>
-                      <a:pPr algn="ctr"/>
-                      <a:endParaRPr lang="en-US" sz="1800"/>
-                    </a:p>
-                  </a:txBody>
-                  <a:tcPr>
-                    <a:lnL w="12700" cap="flat" cmpd="sng" algn="ctr">
-                      <a:solidFill>
-                        <a:schemeClr val="tx1"/>
-                      </a:solidFill>
-                      <a:prstDash val="solid"/>
-                      <a:round/>
-                      <a:headEnd type="none" w="med" len="med"/>
-                      <a:tailEnd type="none" w="med" len="med"/>
-                    </a:lnL>
-                    <a:lnR w="12700" cap="flat" cmpd="sng" algn="ctr">
-                      <a:solidFill>
-                        <a:schemeClr val="tx1"/>
-                      </a:solidFill>
-                      <a:prstDash val="solid"/>
-                      <a:round/>
-                      <a:headEnd type="none" w="med" len="med"/>
-                      <a:tailEnd type="none" w="med" len="med"/>
-                    </a:lnR>
-                    <a:lnT w="12700" cap="flat" cmpd="sng" algn="ctr">
-                      <a:solidFill>
-                        <a:schemeClr val="tx1"/>
-                      </a:solidFill>
-                      <a:prstDash val="solid"/>
-                      <a:round/>
-                      <a:headEnd type="none" w="med" len="med"/>
-                      <a:tailEnd type="none" w="med" len="med"/>
-                    </a:lnT>
-                    <a:lnB w="12700" cap="flat" cmpd="sng" algn="ctr">
-                      <a:solidFill>
-                        <a:schemeClr val="tx1"/>
-                      </a:solidFill>
-                      <a:prstDash val="solid"/>
-                      <a:round/>
-                      <a:headEnd type="none" w="med" len="med"/>
-                      <a:tailEnd type="none" w="med" len="med"/>
-                    </a:lnB>
-                  </a:tcPr>
-                </a:tc>
-                <a:tc>
-                  <a:txBody>
-                    <a:bodyPr/>
-                    <a:lstStyle/>
-                    <a:p>
-                      <a:pPr algn="ctr"/>
-                      <a:endParaRPr lang="en-US" sz="1800"/>
-                    </a:p>
-                  </a:txBody>
-                  <a:tcPr>
-                    <a:lnL w="12700" cap="flat" cmpd="sng" algn="ctr">
-                      <a:solidFill>
-                        <a:schemeClr val="tx1"/>
-                      </a:solidFill>
-                      <a:prstDash val="solid"/>
-                      <a:round/>
-                      <a:headEnd type="none" w="med" len="med"/>
-                      <a:tailEnd type="none" w="med" len="med"/>
-                    </a:lnL>
-                    <a:lnR w="12700" cap="flat" cmpd="sng" algn="ctr">
-                      <a:solidFill>
-                        <a:schemeClr val="tx1"/>
-                      </a:solidFill>
-                      <a:prstDash val="solid"/>
-                      <a:round/>
-                      <a:headEnd type="none" w="med" len="med"/>
-                      <a:tailEnd type="none" w="med" len="med"/>
-                    </a:lnR>
-                    <a:lnT w="12700" cap="flat" cmpd="sng" algn="ctr">
-                      <a:solidFill>
-                        <a:schemeClr val="tx1"/>
-                      </a:solidFill>
-                      <a:prstDash val="solid"/>
-                      <a:round/>
-                      <a:headEnd type="none" w="med" len="med"/>
-                      <a:tailEnd type="none" w="med" len="med"/>
-                    </a:lnT>
-                    <a:lnB w="12700" cap="flat" cmpd="sng" algn="ctr">
-                      <a:solidFill>
-                        <a:schemeClr val="tx1"/>
-                      </a:solidFill>
-                      <a:prstDash val="solid"/>
-                      <a:round/>
-                      <a:headEnd type="none" w="med" len="med"/>
-                      <a:tailEnd type="none" w="med" len="med"/>
-                    </a:lnB>
-                  </a:tcPr>
-                </a:tc>
-                <a:tc gridSpan="7">
-                  <a:txBody>
-                    <a:bodyPr/>
-                    <a:lstStyle/>
-                    <a:p>
-                      <a:pPr algn="ctr"/>
-                      <a:r>
-                        <a:rPr lang="en-US" sz="1800" dirty="0" smtClean="0"/>
-                        <a:t>Write article</a:t>
-                      </a:r>
-                      <a:endParaRPr lang="en-US" sz="1800" dirty="0"/>
-                    </a:p>
-                  </a:txBody>
-                  <a:tcPr>
-                    <a:lnL w="12700" cap="flat" cmpd="sng" algn="ctr">
-                      <a:solidFill>
-                        <a:schemeClr val="tx1"/>
-                      </a:solidFill>
-                      <a:prstDash val="solid"/>
-                      <a:round/>
-                      <a:headEnd type="none" w="med" len="med"/>
-                      <a:tailEnd type="none" w="med" len="med"/>
-                    </a:lnL>
-                    <a:lnR w="12700" cap="flat" cmpd="sng" algn="ctr">
-                      <a:solidFill>
-                        <a:schemeClr val="tx1"/>
-                      </a:solidFill>
-                      <a:prstDash val="solid"/>
-                      <a:round/>
-                      <a:headEnd type="none" w="med" len="med"/>
-                      <a:tailEnd type="none" w="med" len="med"/>
-                    </a:lnR>
-                    <a:lnT w="12700" cap="flat" cmpd="sng" algn="ctr">
-                      <a:solidFill>
-                        <a:schemeClr val="tx1"/>
-                      </a:solidFill>
-                      <a:prstDash val="solid"/>
-                      <a:round/>
-                      <a:headEnd type="none" w="med" len="med"/>
-                      <a:tailEnd type="none" w="med" len="med"/>
-                    </a:lnT>
-                    <a:lnB w="12700" cap="flat" cmpd="sng" algn="ctr">
-                      <a:solidFill>
-                        <a:schemeClr val="tx1"/>
-                      </a:solidFill>
-                      <a:prstDash val="solid"/>
-                      <a:round/>
-                      <a:headEnd type="none" w="med" len="med"/>
-                      <a:tailEnd type="none" w="med" len="med"/>
-                    </a:lnB>
-                    <a:solidFill>
-                      <a:schemeClr val="bg1">
-                        <a:lumMod val="50000"/>
-                        <a:lumOff val="50000"/>
-                      </a:schemeClr>
-                    </a:solidFill>
-                  </a:tcPr>
-                </a:tc>
-                <a:tc hMerge="1">
-                  <a:txBody>
-                    <a:bodyPr/>
-                    <a:lstStyle/>
-                    <a:p>
-                      <a:pPr algn="ctr"/>
-                      <a:endParaRPr lang="en-US" dirty="0"/>
-                    </a:p>
-                  </a:txBody>
-                  <a:tcPr/>
-                </a:tc>
-                <a:tc hMerge="1">
-                  <a:txBody>
-                    <a:bodyPr/>
-                    <a:lstStyle/>
-                    <a:p>
-                      <a:pPr algn="ctr"/>
-                      <a:endParaRPr lang="en-US" dirty="0"/>
-                    </a:p>
-                  </a:txBody>
-                  <a:tcPr/>
-                </a:tc>
-                <a:tc hMerge="1">
-                  <a:txBody>
-                    <a:bodyPr/>
-                    <a:lstStyle/>
-                    <a:p>
-                      <a:pPr algn="ctr"/>
-                      <a:endParaRPr lang="en-US" dirty="0"/>
-                    </a:p>
-                  </a:txBody>
-                  <a:tcPr/>
-                </a:tc>
-                <a:tc hMerge="1">
-                  <a:txBody>
-                    <a:bodyPr/>
-                    <a:lstStyle/>
-                    <a:p>
-                      <a:pPr algn="ctr"/>
-                      <a:endParaRPr lang="en-US" dirty="0"/>
-                    </a:p>
-                  </a:txBody>
-                  <a:tcPr/>
-                </a:tc>
-                <a:tc hMerge="1">
-                  <a:txBody>
-                    <a:bodyPr/>
-                    <a:lstStyle/>
-                    <a:p>
-                      <a:pPr algn="ctr"/>
-                      <a:endParaRPr lang="en-US" dirty="0"/>
-                    </a:p>
-                  </a:txBody>
-                  <a:tcPr/>
-                </a:tc>
-                <a:tc hMerge="1">
-                  <a:txBody>
-                    <a:bodyPr/>
-                    <a:lstStyle/>
-                    <a:p>
-                      <a:pPr algn="ctr"/>
-                      <a:endParaRPr lang="en-US" dirty="0"/>
-                    </a:p>
-                  </a:txBody>
-                  <a:tcPr/>
-                </a:tc>
-              </a:tr>
-            </a:tbl>
-          </a:graphicData>
-        </a:graphic>
-      </p:graphicFrame>
-      <p:sp>
-        <p:nvSpPr>
-          <p:cNvPr id="4" name="Content Placeholder 2"/>
+      <p:sp>
+        <p:nvSpPr>
+          <p:cNvPr id="3" name="Content Placeholder 2"/>
           <p:cNvSpPr>
             <a:spLocks noGrp="1"/>
           </p:cNvSpPr>
@@ -11451,8 +8837,8 @@
         </p:nvSpPr>
         <p:spPr>
           <a:xfrm>
-            <a:off x="900113" y="2070104"/>
-            <a:ext cx="11049000" cy="3094731"/>
+            <a:off x="900113" y="2070100"/>
+            <a:ext cx="5530279" cy="2047135"/>
           </a:xfrm>
         </p:spPr>
         <p:txBody>
@@ -11461,28 +8847,1321 @@
           <a:p>
             <a:r>
               <a:rPr lang="en-US" dirty="0" smtClean="0"/>
-              <a:t>Two tracks: </a:t>
-            </a:r>
-            <a:r>
-              <a:rPr lang="en-US" u="sng" dirty="0" smtClean="0"/>
-              <a:t>with</a:t>
-            </a:r>
+              <a:t>Based on very simple rules</a:t>
+            </a:r>
+          </a:p>
+          <a:p>
             <a:r>
               <a:rPr lang="en-US" dirty="0" smtClean="0"/>
-              <a:t> given structure and </a:t>
-            </a:r>
-            <a:r>
-              <a:rPr lang="en-US" u="sng" dirty="0" smtClean="0"/>
-              <a:t>without</a:t>
-            </a:r>
-            <a:endParaRPr lang="en-US" u="sng" dirty="0"/>
-          </a:p>
-        </p:txBody>
-      </p:sp>
+              <a:t>Finding directions based on only structure is done with V-structures</a:t>
+            </a:r>
+            <a:endParaRPr lang="en-US" dirty="0"/>
+          </a:p>
+        </p:txBody>
+      </p:sp>
+      <p:sp>
+        <p:nvSpPr>
+          <p:cNvPr id="5" name="Oval 4"/>
+          <p:cNvSpPr/>
+          <p:nvPr/>
+        </p:nvSpPr>
+        <p:spPr bwMode="auto">
+          <a:xfrm>
+            <a:off x="2253928" y="4012704"/>
+            <a:ext cx="819291" cy="819291"/>
+          </a:xfrm>
+          <a:prstGeom prst="ellipse">
+            <a:avLst/>
+          </a:prstGeom>
+          <a:noFill/>
+          <a:ln w="12700" cap="flat" cmpd="sng" algn="ctr">
+            <a:solidFill>
+              <a:schemeClr val="bg1"/>
+            </a:solidFill>
+            <a:prstDash val="solid"/>
+            <a:round/>
+            <a:headEnd type="none" w="med" len="med"/>
+            <a:tailEnd type="none" w="med" len="med"/>
+          </a:ln>
+          <a:effectLst/>
+        </p:spPr>
+        <p:txBody>
+          <a:bodyPr vert="horz" wrap="square" lIns="130032" tIns="78019" rIns="130032" bIns="65017" numCol="1" rtlCol="0" anchor="t" anchorCtr="0" compatLnSpc="1">
+            <a:prstTxWarp prst="textNoShape">
+              <a:avLst/>
+            </a:prstTxWarp>
+          </a:bodyPr>
+          <a:lstStyle/>
+          <a:p>
+            <a:pPr algn="ctr" defTabSz="1300326"/>
+            <a:r>
+              <a:rPr lang="en-US" sz="2800" i="1" dirty="0" smtClean="0">
+                <a:solidFill>
+                  <a:schemeClr val="bg1"/>
+                </a:solidFill>
+                <a:latin typeface="Times New Roman" pitchFamily="18" charset="0"/>
+                <a:ea typeface="ヒラギノ明朝 ProN W3" charset="-128"/>
+                <a:cs typeface="Times New Roman" pitchFamily="18" charset="0"/>
+                <a:sym typeface="American Typewriter" charset="0"/>
+              </a:rPr>
+              <a:t>A</a:t>
+            </a:r>
+            <a:endParaRPr lang="en-US" sz="2800" i="1" dirty="0">
+              <a:solidFill>
+                <a:schemeClr val="bg1"/>
+              </a:solidFill>
+              <a:latin typeface="Times New Roman" pitchFamily="18" charset="0"/>
+              <a:ea typeface="ヒラギノ明朝 ProN W3" charset="-128"/>
+              <a:cs typeface="Times New Roman" pitchFamily="18" charset="0"/>
+              <a:sym typeface="American Typewriter" charset="0"/>
+            </a:endParaRPr>
+          </a:p>
+        </p:txBody>
+      </p:sp>
+      <p:sp>
+        <p:nvSpPr>
+          <p:cNvPr id="6" name="Oval 5"/>
+          <p:cNvSpPr/>
+          <p:nvPr/>
+        </p:nvSpPr>
+        <p:spPr bwMode="auto">
+          <a:xfrm>
+            <a:off x="3892510" y="4012704"/>
+            <a:ext cx="819291" cy="819291"/>
+          </a:xfrm>
+          <a:prstGeom prst="ellipse">
+            <a:avLst/>
+          </a:prstGeom>
+          <a:noFill/>
+          <a:ln w="12700" cap="flat" cmpd="sng" algn="ctr">
+            <a:solidFill>
+              <a:schemeClr val="bg1"/>
+            </a:solidFill>
+            <a:prstDash val="solid"/>
+            <a:round/>
+            <a:headEnd type="none" w="med" len="med"/>
+            <a:tailEnd type="none" w="med" len="med"/>
+          </a:ln>
+          <a:effectLst/>
+        </p:spPr>
+        <p:txBody>
+          <a:bodyPr vert="horz" wrap="square" lIns="130032" tIns="78019" rIns="130032" bIns="65017" numCol="1" rtlCol="0" anchor="t" anchorCtr="0" compatLnSpc="1">
+            <a:prstTxWarp prst="textNoShape">
+              <a:avLst/>
+            </a:prstTxWarp>
+          </a:bodyPr>
+          <a:lstStyle/>
+          <a:p>
+            <a:pPr algn="ctr" defTabSz="1300326"/>
+            <a:r>
+              <a:rPr lang="en-US" sz="2800" i="1" dirty="0" smtClean="0">
+                <a:solidFill>
+                  <a:schemeClr val="bg1"/>
+                </a:solidFill>
+                <a:latin typeface="Times New Roman" pitchFamily="18" charset="0"/>
+                <a:ea typeface="ヒラギノ明朝 ProN W3" charset="-128"/>
+                <a:cs typeface="Times New Roman" pitchFamily="18" charset="0"/>
+                <a:sym typeface="American Typewriter" charset="0"/>
+              </a:rPr>
+              <a:t>C</a:t>
+            </a:r>
+            <a:endParaRPr lang="en-US" sz="2800" i="1" dirty="0">
+              <a:solidFill>
+                <a:schemeClr val="bg1"/>
+              </a:solidFill>
+              <a:latin typeface="Times New Roman" pitchFamily="18" charset="0"/>
+              <a:ea typeface="ヒラギノ明朝 ProN W3" charset="-128"/>
+              <a:cs typeface="Times New Roman" pitchFamily="18" charset="0"/>
+              <a:sym typeface="American Typewriter" charset="0"/>
+            </a:endParaRPr>
+          </a:p>
+        </p:txBody>
+      </p:sp>
+      <p:cxnSp>
+        <p:nvCxnSpPr>
+          <p:cNvPr id="7" name="Straight Arrow Connector 6"/>
+          <p:cNvCxnSpPr/>
+          <p:nvPr/>
+        </p:nvCxnSpPr>
+        <p:spPr bwMode="auto">
+          <a:xfrm flipH="1">
+            <a:off x="3694088" y="4804792"/>
+            <a:ext cx="529628" cy="921388"/>
+          </a:xfrm>
+          <a:prstGeom prst="straightConnector1">
+            <a:avLst/>
+          </a:prstGeom>
+          <a:blipFill dpi="0" rotWithShape="0">
+            <a:blip r:embed="rId2"/>
+            <a:srcRect/>
+            <a:tile tx="0" ty="0" sx="100000" sy="100000" flip="none" algn="tl"/>
+          </a:blipFill>
+          <a:ln w="12700" cap="flat" cmpd="sng" algn="ctr">
+            <a:solidFill>
+              <a:schemeClr val="bg1"/>
+            </a:solidFill>
+            <a:prstDash val="solid"/>
+            <a:round/>
+            <a:headEnd type="none" w="med" len="med"/>
+            <a:tailEnd type="none" w="lg" len="lg"/>
+          </a:ln>
+          <a:effectLst/>
+        </p:spPr>
+      </p:cxnSp>
+      <p:cxnSp>
+        <p:nvCxnSpPr>
+          <p:cNvPr id="8" name="Straight Arrow Connector 7"/>
+          <p:cNvCxnSpPr/>
+          <p:nvPr/>
+        </p:nvCxnSpPr>
+        <p:spPr bwMode="auto">
+          <a:xfrm>
+            <a:off x="2829992" y="4804792"/>
+            <a:ext cx="529628" cy="921388"/>
+          </a:xfrm>
+          <a:prstGeom prst="straightConnector1">
+            <a:avLst/>
+          </a:prstGeom>
+          <a:blipFill dpi="0" rotWithShape="0">
+            <a:blip r:embed="rId2"/>
+            <a:srcRect/>
+            <a:tile tx="0" ty="0" sx="100000" sy="100000" flip="none" algn="tl"/>
+          </a:blipFill>
+          <a:ln w="12700" cap="flat" cmpd="sng" algn="ctr">
+            <a:solidFill>
+              <a:schemeClr val="bg1"/>
+            </a:solidFill>
+            <a:prstDash val="solid"/>
+            <a:round/>
+            <a:headEnd type="none" w="med" len="med"/>
+            <a:tailEnd type="none" w="lg" len="lg"/>
+          </a:ln>
+          <a:effectLst/>
+        </p:spPr>
+      </p:cxnSp>
+      <p:sp>
+        <p:nvSpPr>
+          <p:cNvPr id="14" name="Oval 13"/>
+          <p:cNvSpPr/>
+          <p:nvPr/>
+        </p:nvSpPr>
+        <p:spPr bwMode="auto">
+          <a:xfrm>
+            <a:off x="3118024" y="5668888"/>
+            <a:ext cx="819291" cy="819291"/>
+          </a:xfrm>
+          <a:prstGeom prst="ellipse">
+            <a:avLst/>
+          </a:prstGeom>
+          <a:noFill/>
+          <a:ln w="12700" cap="flat" cmpd="sng" algn="ctr">
+            <a:solidFill>
+              <a:schemeClr val="bg1"/>
+            </a:solidFill>
+            <a:prstDash val="solid"/>
+            <a:round/>
+            <a:headEnd type="none" w="med" len="med"/>
+            <a:tailEnd type="none" w="med" len="med"/>
+          </a:ln>
+          <a:effectLst/>
+        </p:spPr>
+        <p:txBody>
+          <a:bodyPr vert="horz" wrap="square" lIns="130032" tIns="78019" rIns="130032" bIns="65017" numCol="1" rtlCol="0" anchor="t" anchorCtr="0" compatLnSpc="1">
+            <a:prstTxWarp prst="textNoShape">
+              <a:avLst/>
+            </a:prstTxWarp>
+          </a:bodyPr>
+          <a:lstStyle/>
+          <a:p>
+            <a:pPr algn="ctr" defTabSz="1300326"/>
+            <a:r>
+              <a:rPr lang="en-US" sz="2800" i="1" dirty="0" smtClean="0">
+                <a:solidFill>
+                  <a:schemeClr val="bg1"/>
+                </a:solidFill>
+                <a:latin typeface="Times New Roman" pitchFamily="18" charset="0"/>
+                <a:ea typeface="ヒラギノ明朝 ProN W3" charset="-128"/>
+                <a:cs typeface="Times New Roman" pitchFamily="18" charset="0"/>
+                <a:sym typeface="American Typewriter" charset="0"/>
+              </a:rPr>
+              <a:t>B</a:t>
+            </a:r>
+            <a:endParaRPr lang="en-US" sz="2800" i="1" dirty="0">
+              <a:solidFill>
+                <a:schemeClr val="bg1"/>
+              </a:solidFill>
+              <a:latin typeface="Times New Roman" pitchFamily="18" charset="0"/>
+              <a:ea typeface="ヒラギノ明朝 ProN W3" charset="-128"/>
+              <a:cs typeface="Times New Roman" pitchFamily="18" charset="0"/>
+              <a:sym typeface="American Typewriter" charset="0"/>
+            </a:endParaRPr>
+          </a:p>
+        </p:txBody>
+      </p:sp>
+      <p:sp>
+        <p:nvSpPr>
+          <p:cNvPr id="20" name="Oval 19"/>
+          <p:cNvSpPr/>
+          <p:nvPr/>
+        </p:nvSpPr>
+        <p:spPr bwMode="auto">
+          <a:xfrm>
+            <a:off x="8104178" y="1564432"/>
+            <a:ext cx="819291" cy="819291"/>
+          </a:xfrm>
+          <a:prstGeom prst="ellipse">
+            <a:avLst/>
+          </a:prstGeom>
+          <a:noFill/>
+          <a:ln w="12700" cap="flat" cmpd="sng" algn="ctr">
+            <a:solidFill>
+              <a:schemeClr val="bg1"/>
+            </a:solidFill>
+            <a:prstDash val="solid"/>
+            <a:round/>
+            <a:headEnd type="none" w="med" len="med"/>
+            <a:tailEnd type="none" w="med" len="med"/>
+          </a:ln>
+          <a:effectLst/>
+        </p:spPr>
+        <p:txBody>
+          <a:bodyPr vert="horz" wrap="square" lIns="130032" tIns="78019" rIns="130032" bIns="65017" numCol="1" rtlCol="0" anchor="t" anchorCtr="0" compatLnSpc="1">
+            <a:prstTxWarp prst="textNoShape">
+              <a:avLst/>
+            </a:prstTxWarp>
+          </a:bodyPr>
+          <a:lstStyle/>
+          <a:p>
+            <a:pPr algn="ctr" defTabSz="1300326"/>
+            <a:r>
+              <a:rPr lang="en-US" sz="2800" i="1" dirty="0" smtClean="0">
+                <a:solidFill>
+                  <a:schemeClr val="bg1"/>
+                </a:solidFill>
+                <a:latin typeface="Times New Roman" pitchFamily="18" charset="0"/>
+                <a:ea typeface="ヒラギノ明朝 ProN W3" charset="-128"/>
+                <a:cs typeface="Times New Roman" pitchFamily="18" charset="0"/>
+                <a:sym typeface="American Typewriter" charset="0"/>
+              </a:rPr>
+              <a:t>A</a:t>
+            </a:r>
+            <a:endParaRPr lang="en-US" sz="2800" i="1" dirty="0">
+              <a:solidFill>
+                <a:schemeClr val="bg1"/>
+              </a:solidFill>
+              <a:latin typeface="Times New Roman" pitchFamily="18" charset="0"/>
+              <a:ea typeface="ヒラギノ明朝 ProN W3" charset="-128"/>
+              <a:cs typeface="Times New Roman" pitchFamily="18" charset="0"/>
+              <a:sym typeface="American Typewriter" charset="0"/>
+            </a:endParaRPr>
+          </a:p>
+        </p:txBody>
+      </p:sp>
+      <p:sp>
+        <p:nvSpPr>
+          <p:cNvPr id="21" name="Oval 20"/>
+          <p:cNvSpPr/>
+          <p:nvPr/>
+        </p:nvSpPr>
+        <p:spPr bwMode="auto">
+          <a:xfrm>
+            <a:off x="9526736" y="1564432"/>
+            <a:ext cx="819291" cy="819291"/>
+          </a:xfrm>
+          <a:prstGeom prst="ellipse">
+            <a:avLst/>
+          </a:prstGeom>
+          <a:noFill/>
+          <a:ln w="12700" cap="flat" cmpd="sng" algn="ctr">
+            <a:solidFill>
+              <a:schemeClr val="bg1"/>
+            </a:solidFill>
+            <a:prstDash val="solid"/>
+            <a:round/>
+            <a:headEnd type="none" w="med" len="med"/>
+            <a:tailEnd type="none" w="med" len="med"/>
+          </a:ln>
+          <a:effectLst/>
+        </p:spPr>
+        <p:txBody>
+          <a:bodyPr vert="horz" wrap="square" lIns="130032" tIns="78019" rIns="130032" bIns="65017" numCol="1" rtlCol="0" anchor="t" anchorCtr="0" compatLnSpc="1">
+            <a:prstTxWarp prst="textNoShape">
+              <a:avLst/>
+            </a:prstTxWarp>
+          </a:bodyPr>
+          <a:lstStyle/>
+          <a:p>
+            <a:pPr algn="ctr" defTabSz="1300326"/>
+            <a:r>
+              <a:rPr lang="en-US" sz="2800" i="1" dirty="0" smtClean="0">
+                <a:solidFill>
+                  <a:schemeClr val="bg1"/>
+                </a:solidFill>
+                <a:latin typeface="Times New Roman" pitchFamily="18" charset="0"/>
+                <a:ea typeface="ヒラギノ明朝 ProN W3" charset="-128"/>
+                <a:cs typeface="Times New Roman" pitchFamily="18" charset="0"/>
+                <a:sym typeface="American Typewriter" charset="0"/>
+              </a:rPr>
+              <a:t>C</a:t>
+            </a:r>
+            <a:endParaRPr lang="en-US" sz="2800" i="1" dirty="0">
+              <a:solidFill>
+                <a:schemeClr val="bg1"/>
+              </a:solidFill>
+              <a:latin typeface="Times New Roman" pitchFamily="18" charset="0"/>
+              <a:ea typeface="ヒラギノ明朝 ProN W3" charset="-128"/>
+              <a:cs typeface="Times New Roman" pitchFamily="18" charset="0"/>
+              <a:sym typeface="American Typewriter" charset="0"/>
+            </a:endParaRPr>
+          </a:p>
+        </p:txBody>
+      </p:sp>
+      <p:cxnSp>
+        <p:nvCxnSpPr>
+          <p:cNvPr id="22" name="Straight Arrow Connector 21"/>
+          <p:cNvCxnSpPr/>
+          <p:nvPr/>
+        </p:nvCxnSpPr>
+        <p:spPr bwMode="auto">
+          <a:xfrm flipH="1">
+            <a:off x="9454728" y="2356520"/>
+            <a:ext cx="331206" cy="576064"/>
+          </a:xfrm>
+          <a:prstGeom prst="straightConnector1">
+            <a:avLst/>
+          </a:prstGeom>
+          <a:blipFill dpi="0" rotWithShape="0">
+            <a:blip r:embed="rId2"/>
+            <a:srcRect/>
+            <a:tile tx="0" ty="0" sx="100000" sy="100000" flip="none" algn="tl"/>
+          </a:blipFill>
+          <a:ln w="12700" cap="flat" cmpd="sng" algn="ctr">
+            <a:solidFill>
+              <a:schemeClr val="bg1"/>
+            </a:solidFill>
+            <a:prstDash val="solid"/>
+            <a:round/>
+            <a:headEnd type="none" w="med" len="med"/>
+            <a:tailEnd type="triangle" w="lg" len="lg"/>
+          </a:ln>
+          <a:effectLst/>
+        </p:spPr>
+      </p:cxnSp>
+      <p:cxnSp>
+        <p:nvCxnSpPr>
+          <p:cNvPr id="23" name="Straight Arrow Connector 22"/>
+          <p:cNvCxnSpPr/>
+          <p:nvPr/>
+        </p:nvCxnSpPr>
+        <p:spPr bwMode="auto">
+          <a:xfrm>
+            <a:off x="8680242" y="2356520"/>
+            <a:ext cx="342438" cy="576064"/>
+          </a:xfrm>
+          <a:prstGeom prst="straightConnector1">
+            <a:avLst/>
+          </a:prstGeom>
+          <a:blipFill dpi="0" rotWithShape="0">
+            <a:blip r:embed="rId2"/>
+            <a:srcRect/>
+            <a:tile tx="0" ty="0" sx="100000" sy="100000" flip="none" algn="tl"/>
+          </a:blipFill>
+          <a:ln w="12700" cap="flat" cmpd="sng" algn="ctr">
+            <a:solidFill>
+              <a:schemeClr val="bg1"/>
+            </a:solidFill>
+            <a:prstDash val="solid"/>
+            <a:round/>
+            <a:headEnd type="triangle" w="lg" len="lg"/>
+            <a:tailEnd type="none" w="lg" len="lg"/>
+          </a:ln>
+          <a:effectLst/>
+        </p:spPr>
+      </p:cxnSp>
+      <p:sp>
+        <p:nvSpPr>
+          <p:cNvPr id="24" name="Oval 23"/>
+          <p:cNvSpPr/>
+          <p:nvPr/>
+        </p:nvSpPr>
+        <p:spPr bwMode="auto">
+          <a:xfrm>
+            <a:off x="8806656" y="2860576"/>
+            <a:ext cx="819291" cy="819291"/>
+          </a:xfrm>
+          <a:prstGeom prst="ellipse">
+            <a:avLst/>
+          </a:prstGeom>
+          <a:noFill/>
+          <a:ln w="12700" cap="flat" cmpd="sng" algn="ctr">
+            <a:solidFill>
+              <a:schemeClr val="bg1"/>
+            </a:solidFill>
+            <a:prstDash val="solid"/>
+            <a:round/>
+            <a:headEnd type="none" w="med" len="med"/>
+            <a:tailEnd type="none" w="med" len="med"/>
+          </a:ln>
+          <a:effectLst/>
+        </p:spPr>
+        <p:txBody>
+          <a:bodyPr vert="horz" wrap="square" lIns="130032" tIns="78019" rIns="130032" bIns="65017" numCol="1" rtlCol="0" anchor="t" anchorCtr="0" compatLnSpc="1">
+            <a:prstTxWarp prst="textNoShape">
+              <a:avLst/>
+            </a:prstTxWarp>
+          </a:bodyPr>
+          <a:lstStyle/>
+          <a:p>
+            <a:pPr algn="ctr" defTabSz="1300326"/>
+            <a:r>
+              <a:rPr lang="en-US" sz="2800" i="1" dirty="0" smtClean="0">
+                <a:solidFill>
+                  <a:schemeClr val="bg1"/>
+                </a:solidFill>
+                <a:latin typeface="Times New Roman" pitchFamily="18" charset="0"/>
+                <a:ea typeface="ヒラギノ明朝 ProN W3" charset="-128"/>
+                <a:cs typeface="Times New Roman" pitchFamily="18" charset="0"/>
+                <a:sym typeface="American Typewriter" charset="0"/>
+              </a:rPr>
+              <a:t>B</a:t>
+            </a:r>
+            <a:endParaRPr lang="en-US" sz="2800" i="1" dirty="0">
+              <a:solidFill>
+                <a:schemeClr val="bg1"/>
+              </a:solidFill>
+              <a:latin typeface="Times New Roman" pitchFamily="18" charset="0"/>
+              <a:ea typeface="ヒラギノ明朝 ProN W3" charset="-128"/>
+              <a:cs typeface="Times New Roman" pitchFamily="18" charset="0"/>
+              <a:sym typeface="American Typewriter" charset="0"/>
+            </a:endParaRPr>
+          </a:p>
+        </p:txBody>
+      </p:sp>
+      <p:sp>
+        <p:nvSpPr>
+          <p:cNvPr id="25" name="Right Arrow 24"/>
+          <p:cNvSpPr/>
+          <p:nvPr/>
+        </p:nvSpPr>
+        <p:spPr bwMode="auto">
+          <a:xfrm>
+            <a:off x="6009782" y="4849062"/>
+            <a:ext cx="492619" cy="500750"/>
+          </a:xfrm>
+          <a:prstGeom prst="rightArrow">
+            <a:avLst/>
+          </a:prstGeom>
+          <a:solidFill>
+            <a:schemeClr val="bg1"/>
+          </a:solidFill>
+          <a:ln w="12700" cap="flat" cmpd="sng" algn="ctr">
+            <a:noFill/>
+            <a:prstDash val="solid"/>
+            <a:round/>
+            <a:headEnd type="none" w="med" len="med"/>
+            <a:tailEnd type="none" w="med" len="med"/>
+          </a:ln>
+          <a:effectLst/>
+        </p:spPr>
+        <p:txBody>
+          <a:bodyPr vert="horz" wrap="square" lIns="130046" tIns="65023" rIns="130046" bIns="65023" numCol="1" rtlCol="0" anchor="t" anchorCtr="0" compatLnSpc="1">
+            <a:prstTxWarp prst="textNoShape">
+              <a:avLst/>
+            </a:prstTxWarp>
+          </a:bodyPr>
+          <a:lstStyle>
+            <a:defPPr>
+              <a:defRPr lang="en-US"/>
+            </a:defPPr>
+            <a:lvl1pPr algn="l" rtl="0" fontAlgn="base">
+              <a:spcBef>
+                <a:spcPct val="0"/>
+              </a:spcBef>
+              <a:spcAft>
+                <a:spcPct val="0"/>
+              </a:spcAft>
+              <a:defRPr sz="4000" kern="1200">
+                <a:solidFill>
+                  <a:srgbClr val="FFFFFF"/>
+                </a:solidFill>
+                <a:latin typeface="American Typewriter"/>
+                <a:ea typeface="ヒラギノ明朝 ProN W3"/>
+                <a:cs typeface="ヒラギノ明朝 ProN W3"/>
+                <a:sym typeface="American Typewriter"/>
+              </a:defRPr>
+            </a:lvl1pPr>
+            <a:lvl2pPr marL="457200" algn="l" rtl="0" fontAlgn="base">
+              <a:spcBef>
+                <a:spcPct val="0"/>
+              </a:spcBef>
+              <a:spcAft>
+                <a:spcPct val="0"/>
+              </a:spcAft>
+              <a:defRPr sz="4000" kern="1200">
+                <a:solidFill>
+                  <a:srgbClr val="FFFFFF"/>
+                </a:solidFill>
+                <a:latin typeface="American Typewriter"/>
+                <a:ea typeface="ヒラギノ明朝 ProN W3"/>
+                <a:cs typeface="ヒラギノ明朝 ProN W3"/>
+                <a:sym typeface="American Typewriter"/>
+              </a:defRPr>
+            </a:lvl2pPr>
+            <a:lvl3pPr marL="914400" algn="l" rtl="0" fontAlgn="base">
+              <a:spcBef>
+                <a:spcPct val="0"/>
+              </a:spcBef>
+              <a:spcAft>
+                <a:spcPct val="0"/>
+              </a:spcAft>
+              <a:defRPr sz="4000" kern="1200">
+                <a:solidFill>
+                  <a:srgbClr val="FFFFFF"/>
+                </a:solidFill>
+                <a:latin typeface="American Typewriter"/>
+                <a:ea typeface="ヒラギノ明朝 ProN W3"/>
+                <a:cs typeface="ヒラギノ明朝 ProN W3"/>
+                <a:sym typeface="American Typewriter"/>
+              </a:defRPr>
+            </a:lvl3pPr>
+            <a:lvl4pPr marL="1371600" algn="l" rtl="0" fontAlgn="base">
+              <a:spcBef>
+                <a:spcPct val="0"/>
+              </a:spcBef>
+              <a:spcAft>
+                <a:spcPct val="0"/>
+              </a:spcAft>
+              <a:defRPr sz="4000" kern="1200">
+                <a:solidFill>
+                  <a:srgbClr val="FFFFFF"/>
+                </a:solidFill>
+                <a:latin typeface="American Typewriter"/>
+                <a:ea typeface="ヒラギノ明朝 ProN W3"/>
+                <a:cs typeface="ヒラギノ明朝 ProN W3"/>
+                <a:sym typeface="American Typewriter"/>
+              </a:defRPr>
+            </a:lvl4pPr>
+            <a:lvl5pPr marL="1828800" algn="l" rtl="0" fontAlgn="base">
+              <a:spcBef>
+                <a:spcPct val="0"/>
+              </a:spcBef>
+              <a:spcAft>
+                <a:spcPct val="0"/>
+              </a:spcAft>
+              <a:defRPr sz="4000" kern="1200">
+                <a:solidFill>
+                  <a:srgbClr val="FFFFFF"/>
+                </a:solidFill>
+                <a:latin typeface="American Typewriter"/>
+                <a:ea typeface="ヒラギノ明朝 ProN W3"/>
+                <a:cs typeface="ヒラギノ明朝 ProN W3"/>
+                <a:sym typeface="American Typewriter"/>
+              </a:defRPr>
+            </a:lvl5pPr>
+            <a:lvl6pPr marL="2286000" algn="l" defTabSz="914400" rtl="0" eaLnBrk="1" latinLnBrk="0" hangingPunct="1">
+              <a:defRPr sz="4000" kern="1200">
+                <a:solidFill>
+                  <a:srgbClr val="FFFFFF"/>
+                </a:solidFill>
+                <a:latin typeface="American Typewriter"/>
+                <a:ea typeface="ヒラギノ明朝 ProN W3"/>
+                <a:cs typeface="ヒラギノ明朝 ProN W3"/>
+                <a:sym typeface="American Typewriter"/>
+              </a:defRPr>
+            </a:lvl6pPr>
+            <a:lvl7pPr marL="2743200" algn="l" defTabSz="914400" rtl="0" eaLnBrk="1" latinLnBrk="0" hangingPunct="1">
+              <a:defRPr sz="4000" kern="1200">
+                <a:solidFill>
+                  <a:srgbClr val="FFFFFF"/>
+                </a:solidFill>
+                <a:latin typeface="American Typewriter"/>
+                <a:ea typeface="ヒラギノ明朝 ProN W3"/>
+                <a:cs typeface="ヒラギノ明朝 ProN W3"/>
+                <a:sym typeface="American Typewriter"/>
+              </a:defRPr>
+            </a:lvl7pPr>
+            <a:lvl8pPr marL="3200400" algn="l" defTabSz="914400" rtl="0" eaLnBrk="1" latinLnBrk="0" hangingPunct="1">
+              <a:defRPr sz="4000" kern="1200">
+                <a:solidFill>
+                  <a:srgbClr val="FFFFFF"/>
+                </a:solidFill>
+                <a:latin typeface="American Typewriter"/>
+                <a:ea typeface="ヒラギノ明朝 ProN W3"/>
+                <a:cs typeface="ヒラギノ明朝 ProN W3"/>
+                <a:sym typeface="American Typewriter"/>
+              </a:defRPr>
+            </a:lvl8pPr>
+            <a:lvl9pPr marL="3657600" algn="l" defTabSz="914400" rtl="0" eaLnBrk="1" latinLnBrk="0" hangingPunct="1">
+              <a:defRPr sz="4000" kern="1200">
+                <a:solidFill>
+                  <a:srgbClr val="FFFFFF"/>
+                </a:solidFill>
+                <a:latin typeface="American Typewriter"/>
+                <a:ea typeface="ヒラギノ明朝 ProN W3"/>
+                <a:cs typeface="ヒラギノ明朝 ProN W3"/>
+                <a:sym typeface="American Typewriter"/>
+              </a:defRPr>
+            </a:lvl9pPr>
+          </a:lstStyle>
+          <a:p>
+            <a:pPr algn="ctr" defTabSz="1300460"/>
+            <a:endParaRPr lang="en-US" sz="5700">
+              <a:latin typeface="American Typewriter" charset="0"/>
+              <a:ea typeface="ヒラギノ明朝 ProN W3" charset="-128"/>
+              <a:cs typeface="ヒラギノ明朝 ProN W3" charset="-128"/>
+              <a:sym typeface="American Typewriter" charset="0"/>
+            </a:endParaRPr>
+          </a:p>
+        </p:txBody>
+      </p:sp>
+      <p:sp>
+        <p:nvSpPr>
+          <p:cNvPr id="26" name="TextBox 25"/>
+          <p:cNvSpPr txBox="1"/>
+          <p:nvPr/>
+        </p:nvSpPr>
+        <p:spPr>
+          <a:xfrm>
+            <a:off x="5998344" y="4156720"/>
+            <a:ext cx="470000" cy="707886"/>
+          </a:xfrm>
+          <a:prstGeom prst="rect">
+            <a:avLst/>
+          </a:prstGeom>
+          <a:noFill/>
+        </p:spPr>
+        <p:txBody>
+          <a:bodyPr wrap="none" rtlCol="0">
+            <a:spAutoFit/>
+          </a:bodyPr>
+          <a:lstStyle/>
+          <a:p>
+            <a:r>
+              <a:rPr lang="en-US" dirty="0" smtClean="0">
+                <a:solidFill>
+                  <a:schemeClr val="bg1"/>
+                </a:solidFill>
+                <a:latin typeface="Arial"/>
+                <a:cs typeface="Arial"/>
+              </a:rPr>
+              <a:t>?</a:t>
+            </a:r>
+            <a:endParaRPr lang="en-US" dirty="0" smtClean="0">
+              <a:solidFill>
+                <a:schemeClr val="bg1"/>
+              </a:solidFill>
+              <a:latin typeface="Arial"/>
+              <a:cs typeface="Arial"/>
+            </a:endParaRPr>
+          </a:p>
+        </p:txBody>
+      </p:sp>
+      <p:sp>
+        <p:nvSpPr>
+          <p:cNvPr id="29" name="Oval 28"/>
+          <p:cNvSpPr/>
+          <p:nvPr/>
+        </p:nvSpPr>
+        <p:spPr bwMode="auto">
+          <a:xfrm>
+            <a:off x="8104178" y="3796680"/>
+            <a:ext cx="819291" cy="819291"/>
+          </a:xfrm>
+          <a:prstGeom prst="ellipse">
+            <a:avLst/>
+          </a:prstGeom>
+          <a:noFill/>
+          <a:ln w="12700" cap="flat" cmpd="sng" algn="ctr">
+            <a:solidFill>
+              <a:schemeClr val="bg1"/>
+            </a:solidFill>
+            <a:prstDash val="solid"/>
+            <a:round/>
+            <a:headEnd type="none" w="med" len="med"/>
+            <a:tailEnd type="none" w="med" len="med"/>
+          </a:ln>
+          <a:effectLst/>
+        </p:spPr>
+        <p:txBody>
+          <a:bodyPr vert="horz" wrap="square" lIns="130032" tIns="78019" rIns="130032" bIns="65017" numCol="1" rtlCol="0" anchor="t" anchorCtr="0" compatLnSpc="1">
+            <a:prstTxWarp prst="textNoShape">
+              <a:avLst/>
+            </a:prstTxWarp>
+          </a:bodyPr>
+          <a:lstStyle/>
+          <a:p>
+            <a:pPr algn="ctr" defTabSz="1300326"/>
+            <a:r>
+              <a:rPr lang="en-US" sz="2800" i="1" dirty="0" smtClean="0">
+                <a:solidFill>
+                  <a:schemeClr val="bg1"/>
+                </a:solidFill>
+                <a:latin typeface="Times New Roman" pitchFamily="18" charset="0"/>
+                <a:ea typeface="ヒラギノ明朝 ProN W3" charset="-128"/>
+                <a:cs typeface="Times New Roman" pitchFamily="18" charset="0"/>
+                <a:sym typeface="American Typewriter" charset="0"/>
+              </a:rPr>
+              <a:t>A</a:t>
+            </a:r>
+            <a:endParaRPr lang="en-US" sz="2800" i="1" dirty="0">
+              <a:solidFill>
+                <a:schemeClr val="bg1"/>
+              </a:solidFill>
+              <a:latin typeface="Times New Roman" pitchFamily="18" charset="0"/>
+              <a:ea typeface="ヒラギノ明朝 ProN W3" charset="-128"/>
+              <a:cs typeface="Times New Roman" pitchFamily="18" charset="0"/>
+              <a:sym typeface="American Typewriter" charset="0"/>
+            </a:endParaRPr>
+          </a:p>
+        </p:txBody>
+      </p:sp>
+      <p:sp>
+        <p:nvSpPr>
+          <p:cNvPr id="30" name="Oval 29"/>
+          <p:cNvSpPr/>
+          <p:nvPr/>
+        </p:nvSpPr>
+        <p:spPr bwMode="auto">
+          <a:xfrm>
+            <a:off x="9526736" y="3796680"/>
+            <a:ext cx="819291" cy="819291"/>
+          </a:xfrm>
+          <a:prstGeom prst="ellipse">
+            <a:avLst/>
+          </a:prstGeom>
+          <a:noFill/>
+          <a:ln w="12700" cap="flat" cmpd="sng" algn="ctr">
+            <a:solidFill>
+              <a:schemeClr val="bg1"/>
+            </a:solidFill>
+            <a:prstDash val="solid"/>
+            <a:round/>
+            <a:headEnd type="none" w="med" len="med"/>
+            <a:tailEnd type="none" w="med" len="med"/>
+          </a:ln>
+          <a:effectLst/>
+        </p:spPr>
+        <p:txBody>
+          <a:bodyPr vert="horz" wrap="square" lIns="130032" tIns="78019" rIns="130032" bIns="65017" numCol="1" rtlCol="0" anchor="t" anchorCtr="0" compatLnSpc="1">
+            <a:prstTxWarp prst="textNoShape">
+              <a:avLst/>
+            </a:prstTxWarp>
+          </a:bodyPr>
+          <a:lstStyle/>
+          <a:p>
+            <a:pPr algn="ctr" defTabSz="1300326"/>
+            <a:r>
+              <a:rPr lang="en-US" sz="2800" i="1" dirty="0" smtClean="0">
+                <a:solidFill>
+                  <a:schemeClr val="bg1"/>
+                </a:solidFill>
+                <a:latin typeface="Times New Roman" pitchFamily="18" charset="0"/>
+                <a:ea typeface="ヒラギノ明朝 ProN W3" charset="-128"/>
+                <a:cs typeface="Times New Roman" pitchFamily="18" charset="0"/>
+                <a:sym typeface="American Typewriter" charset="0"/>
+              </a:rPr>
+              <a:t>C</a:t>
+            </a:r>
+            <a:endParaRPr lang="en-US" sz="2800" i="1" dirty="0">
+              <a:solidFill>
+                <a:schemeClr val="bg1"/>
+              </a:solidFill>
+              <a:latin typeface="Times New Roman" pitchFamily="18" charset="0"/>
+              <a:ea typeface="ヒラギノ明朝 ProN W3" charset="-128"/>
+              <a:cs typeface="Times New Roman" pitchFamily="18" charset="0"/>
+              <a:sym typeface="American Typewriter" charset="0"/>
+            </a:endParaRPr>
+          </a:p>
+        </p:txBody>
+      </p:sp>
+      <p:cxnSp>
+        <p:nvCxnSpPr>
+          <p:cNvPr id="31" name="Straight Arrow Connector 30"/>
+          <p:cNvCxnSpPr/>
+          <p:nvPr/>
+        </p:nvCxnSpPr>
+        <p:spPr bwMode="auto">
+          <a:xfrm flipH="1">
+            <a:off x="9454728" y="4588768"/>
+            <a:ext cx="331206" cy="576064"/>
+          </a:xfrm>
+          <a:prstGeom prst="straightConnector1">
+            <a:avLst/>
+          </a:prstGeom>
+          <a:blipFill dpi="0" rotWithShape="0">
+            <a:blip r:embed="rId2"/>
+            <a:srcRect/>
+            <a:tile tx="0" ty="0" sx="100000" sy="100000" flip="none" algn="tl"/>
+          </a:blipFill>
+          <a:ln w="12700" cap="flat" cmpd="sng" algn="ctr">
+            <a:solidFill>
+              <a:schemeClr val="bg1"/>
+            </a:solidFill>
+            <a:prstDash val="solid"/>
+            <a:round/>
+            <a:headEnd type="triangle" w="lg" len="lg"/>
+            <a:tailEnd type="none" w="lg" len="lg"/>
+          </a:ln>
+          <a:effectLst/>
+        </p:spPr>
+      </p:cxnSp>
+      <p:cxnSp>
+        <p:nvCxnSpPr>
+          <p:cNvPr id="32" name="Straight Arrow Connector 31"/>
+          <p:cNvCxnSpPr/>
+          <p:nvPr/>
+        </p:nvCxnSpPr>
+        <p:spPr bwMode="auto">
+          <a:xfrm>
+            <a:off x="8680242" y="4588768"/>
+            <a:ext cx="342438" cy="576064"/>
+          </a:xfrm>
+          <a:prstGeom prst="straightConnector1">
+            <a:avLst/>
+          </a:prstGeom>
+          <a:blipFill dpi="0" rotWithShape="0">
+            <a:blip r:embed="rId2"/>
+            <a:srcRect/>
+            <a:tile tx="0" ty="0" sx="100000" sy="100000" flip="none" algn="tl"/>
+          </a:blipFill>
+          <a:ln w="12700" cap="flat" cmpd="sng" algn="ctr">
+            <a:solidFill>
+              <a:schemeClr val="bg1"/>
+            </a:solidFill>
+            <a:prstDash val="solid"/>
+            <a:round/>
+            <a:headEnd type="triangle" w="lg" len="lg"/>
+            <a:tailEnd type="none" w="lg" len="lg"/>
+          </a:ln>
+          <a:effectLst/>
+        </p:spPr>
+      </p:cxnSp>
+      <p:sp>
+        <p:nvSpPr>
+          <p:cNvPr id="33" name="Oval 32"/>
+          <p:cNvSpPr/>
+          <p:nvPr/>
+        </p:nvSpPr>
+        <p:spPr bwMode="auto">
+          <a:xfrm>
+            <a:off x="8806656" y="5092824"/>
+            <a:ext cx="819291" cy="819291"/>
+          </a:xfrm>
+          <a:prstGeom prst="ellipse">
+            <a:avLst/>
+          </a:prstGeom>
+          <a:noFill/>
+          <a:ln w="12700" cap="flat" cmpd="sng" algn="ctr">
+            <a:solidFill>
+              <a:schemeClr val="bg1"/>
+            </a:solidFill>
+            <a:prstDash val="solid"/>
+            <a:round/>
+            <a:headEnd type="none" w="med" len="med"/>
+            <a:tailEnd type="none" w="med" len="med"/>
+          </a:ln>
+          <a:effectLst/>
+        </p:spPr>
+        <p:txBody>
+          <a:bodyPr vert="horz" wrap="square" lIns="130032" tIns="78019" rIns="130032" bIns="65017" numCol="1" rtlCol="0" anchor="t" anchorCtr="0" compatLnSpc="1">
+            <a:prstTxWarp prst="textNoShape">
+              <a:avLst/>
+            </a:prstTxWarp>
+          </a:bodyPr>
+          <a:lstStyle/>
+          <a:p>
+            <a:pPr algn="ctr" defTabSz="1300326"/>
+            <a:r>
+              <a:rPr lang="en-US" sz="2800" i="1" dirty="0" smtClean="0">
+                <a:solidFill>
+                  <a:schemeClr val="bg1"/>
+                </a:solidFill>
+                <a:latin typeface="Times New Roman" pitchFamily="18" charset="0"/>
+                <a:ea typeface="ヒラギノ明朝 ProN W3" charset="-128"/>
+                <a:cs typeface="Times New Roman" pitchFamily="18" charset="0"/>
+                <a:sym typeface="American Typewriter" charset="0"/>
+              </a:rPr>
+              <a:t>B</a:t>
+            </a:r>
+            <a:endParaRPr lang="en-US" sz="2800" i="1" dirty="0">
+              <a:solidFill>
+                <a:schemeClr val="bg1"/>
+              </a:solidFill>
+              <a:latin typeface="Times New Roman" pitchFamily="18" charset="0"/>
+              <a:ea typeface="ヒラギノ明朝 ProN W3" charset="-128"/>
+              <a:cs typeface="Times New Roman" pitchFamily="18" charset="0"/>
+              <a:sym typeface="American Typewriter" charset="0"/>
+            </a:endParaRPr>
+          </a:p>
+        </p:txBody>
+      </p:sp>
+      <p:sp>
+        <p:nvSpPr>
+          <p:cNvPr id="34" name="Oval 33"/>
+          <p:cNvSpPr/>
+          <p:nvPr/>
+        </p:nvSpPr>
+        <p:spPr bwMode="auto">
+          <a:xfrm>
+            <a:off x="8104178" y="6028928"/>
+            <a:ext cx="819291" cy="819291"/>
+          </a:xfrm>
+          <a:prstGeom prst="ellipse">
+            <a:avLst/>
+          </a:prstGeom>
+          <a:noFill/>
+          <a:ln w="12700" cap="flat" cmpd="sng" algn="ctr">
+            <a:solidFill>
+              <a:schemeClr val="bg1"/>
+            </a:solidFill>
+            <a:prstDash val="solid"/>
+            <a:round/>
+            <a:headEnd type="none" w="med" len="med"/>
+            <a:tailEnd type="none" w="med" len="med"/>
+          </a:ln>
+          <a:effectLst/>
+        </p:spPr>
+        <p:txBody>
+          <a:bodyPr vert="horz" wrap="square" lIns="130032" tIns="78019" rIns="130032" bIns="65017" numCol="1" rtlCol="0" anchor="t" anchorCtr="0" compatLnSpc="1">
+            <a:prstTxWarp prst="textNoShape">
+              <a:avLst/>
+            </a:prstTxWarp>
+          </a:bodyPr>
+          <a:lstStyle/>
+          <a:p>
+            <a:pPr algn="ctr" defTabSz="1300326"/>
+            <a:r>
+              <a:rPr lang="en-US" sz="2800" i="1" dirty="0" smtClean="0">
+                <a:solidFill>
+                  <a:schemeClr val="bg1"/>
+                </a:solidFill>
+                <a:latin typeface="Times New Roman" pitchFamily="18" charset="0"/>
+                <a:ea typeface="ヒラギノ明朝 ProN W3" charset="-128"/>
+                <a:cs typeface="Times New Roman" pitchFamily="18" charset="0"/>
+                <a:sym typeface="American Typewriter" charset="0"/>
+              </a:rPr>
+              <a:t>A</a:t>
+            </a:r>
+            <a:endParaRPr lang="en-US" sz="2800" i="1" dirty="0">
+              <a:solidFill>
+                <a:schemeClr val="bg1"/>
+              </a:solidFill>
+              <a:latin typeface="Times New Roman" pitchFamily="18" charset="0"/>
+              <a:ea typeface="ヒラギノ明朝 ProN W3" charset="-128"/>
+              <a:cs typeface="Times New Roman" pitchFamily="18" charset="0"/>
+              <a:sym typeface="American Typewriter" charset="0"/>
+            </a:endParaRPr>
+          </a:p>
+        </p:txBody>
+      </p:sp>
+      <p:sp>
+        <p:nvSpPr>
+          <p:cNvPr id="35" name="Oval 34"/>
+          <p:cNvSpPr/>
+          <p:nvPr/>
+        </p:nvSpPr>
+        <p:spPr bwMode="auto">
+          <a:xfrm>
+            <a:off x="9526736" y="6028928"/>
+            <a:ext cx="819291" cy="819291"/>
+          </a:xfrm>
+          <a:prstGeom prst="ellipse">
+            <a:avLst/>
+          </a:prstGeom>
+          <a:noFill/>
+          <a:ln w="12700" cap="flat" cmpd="sng" algn="ctr">
+            <a:solidFill>
+              <a:schemeClr val="bg1"/>
+            </a:solidFill>
+            <a:prstDash val="solid"/>
+            <a:round/>
+            <a:headEnd type="none" w="med" len="med"/>
+            <a:tailEnd type="none" w="med" len="med"/>
+          </a:ln>
+          <a:effectLst/>
+        </p:spPr>
+        <p:txBody>
+          <a:bodyPr vert="horz" wrap="square" lIns="130032" tIns="78019" rIns="130032" bIns="65017" numCol="1" rtlCol="0" anchor="t" anchorCtr="0" compatLnSpc="1">
+            <a:prstTxWarp prst="textNoShape">
+              <a:avLst/>
+            </a:prstTxWarp>
+          </a:bodyPr>
+          <a:lstStyle/>
+          <a:p>
+            <a:pPr algn="ctr" defTabSz="1300326"/>
+            <a:r>
+              <a:rPr lang="en-US" sz="2800" i="1" dirty="0" smtClean="0">
+                <a:solidFill>
+                  <a:schemeClr val="bg1"/>
+                </a:solidFill>
+                <a:latin typeface="Times New Roman" pitchFamily="18" charset="0"/>
+                <a:ea typeface="ヒラギノ明朝 ProN W3" charset="-128"/>
+                <a:cs typeface="Times New Roman" pitchFamily="18" charset="0"/>
+                <a:sym typeface="American Typewriter" charset="0"/>
+              </a:rPr>
+              <a:t>C</a:t>
+            </a:r>
+            <a:endParaRPr lang="en-US" sz="2800" i="1" dirty="0">
+              <a:solidFill>
+                <a:schemeClr val="bg1"/>
+              </a:solidFill>
+              <a:latin typeface="Times New Roman" pitchFamily="18" charset="0"/>
+              <a:ea typeface="ヒラギノ明朝 ProN W3" charset="-128"/>
+              <a:cs typeface="Times New Roman" pitchFamily="18" charset="0"/>
+              <a:sym typeface="American Typewriter" charset="0"/>
+            </a:endParaRPr>
+          </a:p>
+        </p:txBody>
+      </p:sp>
+      <p:cxnSp>
+        <p:nvCxnSpPr>
+          <p:cNvPr id="36" name="Straight Arrow Connector 35"/>
+          <p:cNvCxnSpPr/>
+          <p:nvPr/>
+        </p:nvCxnSpPr>
+        <p:spPr bwMode="auto">
+          <a:xfrm flipH="1">
+            <a:off x="9454728" y="6821016"/>
+            <a:ext cx="331206" cy="576064"/>
+          </a:xfrm>
+          <a:prstGeom prst="straightConnector1">
+            <a:avLst/>
+          </a:prstGeom>
+          <a:blipFill dpi="0" rotWithShape="0">
+            <a:blip r:embed="rId2"/>
+            <a:srcRect/>
+            <a:tile tx="0" ty="0" sx="100000" sy="100000" flip="none" algn="tl"/>
+          </a:blipFill>
+          <a:ln w="12700" cap="flat" cmpd="sng" algn="ctr">
+            <a:solidFill>
+              <a:schemeClr val="bg1"/>
+            </a:solidFill>
+            <a:prstDash val="solid"/>
+            <a:round/>
+            <a:headEnd type="none" w="med" len="med"/>
+            <a:tailEnd type="triangle" w="lg" len="lg"/>
+          </a:ln>
+          <a:effectLst/>
+        </p:spPr>
+      </p:cxnSp>
+      <p:cxnSp>
+        <p:nvCxnSpPr>
+          <p:cNvPr id="37" name="Straight Arrow Connector 36"/>
+          <p:cNvCxnSpPr/>
+          <p:nvPr/>
+        </p:nvCxnSpPr>
+        <p:spPr bwMode="auto">
+          <a:xfrm>
+            <a:off x="8680242" y="6821016"/>
+            <a:ext cx="342438" cy="576064"/>
+          </a:xfrm>
+          <a:prstGeom prst="straightConnector1">
+            <a:avLst/>
+          </a:prstGeom>
+          <a:blipFill dpi="0" rotWithShape="0">
+            <a:blip r:embed="rId2"/>
+            <a:srcRect/>
+            <a:tile tx="0" ty="0" sx="100000" sy="100000" flip="none" algn="tl"/>
+          </a:blipFill>
+          <a:ln w="12700" cap="flat" cmpd="sng" algn="ctr">
+            <a:solidFill>
+              <a:schemeClr val="bg1"/>
+            </a:solidFill>
+            <a:prstDash val="solid"/>
+            <a:round/>
+            <a:headEnd type="none" w="med" len="med"/>
+            <a:tailEnd type="triangle" w="lg" len="lg"/>
+          </a:ln>
+          <a:effectLst/>
+        </p:spPr>
+      </p:cxnSp>
+      <p:sp>
+        <p:nvSpPr>
+          <p:cNvPr id="38" name="Oval 37"/>
+          <p:cNvSpPr/>
+          <p:nvPr/>
+        </p:nvSpPr>
+        <p:spPr bwMode="auto">
+          <a:xfrm>
+            <a:off x="8806656" y="7325072"/>
+            <a:ext cx="819291" cy="819291"/>
+          </a:xfrm>
+          <a:prstGeom prst="ellipse">
+            <a:avLst/>
+          </a:prstGeom>
+          <a:noFill/>
+          <a:ln w="12700" cap="flat" cmpd="sng" algn="ctr">
+            <a:solidFill>
+              <a:schemeClr val="bg1"/>
+            </a:solidFill>
+            <a:prstDash val="solid"/>
+            <a:round/>
+            <a:headEnd type="none" w="med" len="med"/>
+            <a:tailEnd type="none" w="med" len="med"/>
+          </a:ln>
+          <a:effectLst/>
+        </p:spPr>
+        <p:txBody>
+          <a:bodyPr vert="horz" wrap="square" lIns="130032" tIns="78019" rIns="130032" bIns="65017" numCol="1" rtlCol="0" anchor="t" anchorCtr="0" compatLnSpc="1">
+            <a:prstTxWarp prst="textNoShape">
+              <a:avLst/>
+            </a:prstTxWarp>
+          </a:bodyPr>
+          <a:lstStyle/>
+          <a:p>
+            <a:pPr algn="ctr" defTabSz="1300326"/>
+            <a:r>
+              <a:rPr lang="en-US" sz="2800" i="1" dirty="0" smtClean="0">
+                <a:solidFill>
+                  <a:schemeClr val="bg1"/>
+                </a:solidFill>
+                <a:latin typeface="Times New Roman" pitchFamily="18" charset="0"/>
+                <a:ea typeface="ヒラギノ明朝 ProN W3" charset="-128"/>
+                <a:cs typeface="Times New Roman" pitchFamily="18" charset="0"/>
+                <a:sym typeface="American Typewriter" charset="0"/>
+              </a:rPr>
+              <a:t>B</a:t>
+            </a:r>
+            <a:endParaRPr lang="en-US" sz="2800" i="1" dirty="0">
+              <a:solidFill>
+                <a:schemeClr val="bg1"/>
+              </a:solidFill>
+              <a:latin typeface="Times New Roman" pitchFamily="18" charset="0"/>
+              <a:ea typeface="ヒラギノ明朝 ProN W3" charset="-128"/>
+              <a:cs typeface="Times New Roman" pitchFamily="18" charset="0"/>
+              <a:sym typeface="American Typewriter" charset="0"/>
+            </a:endParaRPr>
+          </a:p>
+        </p:txBody>
+      </p:sp>
+      <p:cxnSp>
+        <p:nvCxnSpPr>
+          <p:cNvPr id="28" name="Straight Connector 27"/>
+          <p:cNvCxnSpPr/>
+          <p:nvPr/>
+        </p:nvCxnSpPr>
+        <p:spPr bwMode="auto">
+          <a:xfrm>
+            <a:off x="8158584" y="1564432"/>
+            <a:ext cx="2016224" cy="1944216"/>
+          </a:xfrm>
+          <a:prstGeom prst="line">
+            <a:avLst/>
+          </a:prstGeom>
+          <a:blipFill dpi="0" rotWithShape="0">
+            <a:blip r:embed="rId2"/>
+            <a:srcRect/>
+            <a:tile tx="0" ty="0" sx="100000" sy="100000" flip="none" algn="tl"/>
+          </a:blipFill>
+          <a:ln w="44450" cap="flat" cmpd="sng" algn="ctr">
+            <a:solidFill>
+              <a:srgbClr val="FF0000"/>
+            </a:solidFill>
+            <a:prstDash val="solid"/>
+            <a:round/>
+            <a:headEnd type="none" w="med" len="med"/>
+            <a:tailEnd type="none" w="med" len="med"/>
+          </a:ln>
+          <a:effectLst/>
+        </p:spPr>
+      </p:cxnSp>
+      <p:cxnSp>
+        <p:nvCxnSpPr>
+          <p:cNvPr id="40" name="Straight Connector 39"/>
+          <p:cNvCxnSpPr/>
+          <p:nvPr/>
+        </p:nvCxnSpPr>
+        <p:spPr bwMode="auto">
+          <a:xfrm flipV="1">
+            <a:off x="8374608" y="1564432"/>
+            <a:ext cx="1872208" cy="1944216"/>
+          </a:xfrm>
+          <a:prstGeom prst="line">
+            <a:avLst/>
+          </a:prstGeom>
+          <a:blipFill dpi="0" rotWithShape="0">
+            <a:blip r:embed="rId2"/>
+            <a:srcRect/>
+            <a:tile tx="0" ty="0" sx="100000" sy="100000" flip="none" algn="tl"/>
+          </a:blipFill>
+          <a:ln w="44450" cap="flat" cmpd="sng" algn="ctr">
+            <a:solidFill>
+              <a:srgbClr val="FF0000"/>
+            </a:solidFill>
+            <a:prstDash val="solid"/>
+            <a:round/>
+            <a:headEnd type="none" w="med" len="med"/>
+            <a:tailEnd type="none" w="med" len="med"/>
+          </a:ln>
+          <a:effectLst/>
+        </p:spPr>
+      </p:cxnSp>
+      <p:cxnSp>
+        <p:nvCxnSpPr>
+          <p:cNvPr id="50" name="Straight Connector 49"/>
+          <p:cNvCxnSpPr/>
+          <p:nvPr/>
+        </p:nvCxnSpPr>
+        <p:spPr bwMode="auto">
+          <a:xfrm>
+            <a:off x="8158584" y="3868688"/>
+            <a:ext cx="2016224" cy="1944216"/>
+          </a:xfrm>
+          <a:prstGeom prst="line">
+            <a:avLst/>
+          </a:prstGeom>
+          <a:blipFill dpi="0" rotWithShape="0">
+            <a:blip r:embed="rId2"/>
+            <a:srcRect/>
+            <a:tile tx="0" ty="0" sx="100000" sy="100000" flip="none" algn="tl"/>
+          </a:blipFill>
+          <a:ln w="44450" cap="flat" cmpd="sng" algn="ctr">
+            <a:solidFill>
+              <a:srgbClr val="FF0000"/>
+            </a:solidFill>
+            <a:prstDash val="solid"/>
+            <a:round/>
+            <a:headEnd type="none" w="med" len="med"/>
+            <a:tailEnd type="none" w="med" len="med"/>
+          </a:ln>
+          <a:effectLst/>
+        </p:spPr>
+      </p:cxnSp>
+      <p:cxnSp>
+        <p:nvCxnSpPr>
+          <p:cNvPr id="51" name="Straight Connector 50"/>
+          <p:cNvCxnSpPr/>
+          <p:nvPr/>
+        </p:nvCxnSpPr>
+        <p:spPr bwMode="auto">
+          <a:xfrm flipV="1">
+            <a:off x="8374608" y="3868688"/>
+            <a:ext cx="1872208" cy="1944216"/>
+          </a:xfrm>
+          <a:prstGeom prst="line">
+            <a:avLst/>
+          </a:prstGeom>
+          <a:blipFill dpi="0" rotWithShape="0">
+            <a:blip r:embed="rId2"/>
+            <a:srcRect/>
+            <a:tile tx="0" ty="0" sx="100000" sy="100000" flip="none" algn="tl"/>
+          </a:blipFill>
+          <a:ln w="44450" cap="flat" cmpd="sng" algn="ctr">
+            <a:solidFill>
+              <a:srgbClr val="FF0000"/>
+            </a:solidFill>
+            <a:prstDash val="solid"/>
+            <a:round/>
+            <a:headEnd type="none" w="med" len="med"/>
+            <a:tailEnd type="none" w="med" len="med"/>
+          </a:ln>
+          <a:effectLst/>
+        </p:spPr>
+      </p:cxnSp>
     </p:spTree>
     <p:extLst>
       <p:ext uri="{BB962C8B-B14F-4D97-AF65-F5344CB8AC3E}">
-        <p14:creationId xmlns:p14="http://schemas.microsoft.com/office/powerpoint/2010/main" xmlns="" val="362402730"/>
+        <p14:creationId xmlns:p14="http://schemas.microsoft.com/office/powerpoint/2010/main" xmlns="" val="1187177545"/>
       </p:ext>
     </p:extLst>
   </p:cSld>
@@ -11501,6 +10180,497 @@
 </file>
 
 <file path=ppt/slides/slide14.xml><?xml version="1.0" encoding="utf-8"?>
+<p:sld xmlns:a="http://schemas.openxmlformats.org/drawingml/2006/main" xmlns:r="http://schemas.openxmlformats.org/officeDocument/2006/relationships" xmlns:p="http://schemas.openxmlformats.org/presentationml/2006/main">
+  <p:cSld>
+    <p:spTree>
+      <p:nvGrpSpPr>
+        <p:cNvPr id="1" name=""/>
+        <p:cNvGrpSpPr/>
+        <p:nvPr/>
+      </p:nvGrpSpPr>
+      <p:grpSpPr>
+        <a:xfrm>
+          <a:off x="0" y="0"/>
+          <a:ext cx="0" cy="0"/>
+          <a:chOff x="0" y="0"/>
+          <a:chExt cx="0" cy="0"/>
+        </a:xfrm>
+      </p:grpSpPr>
+      <p:sp>
+        <p:nvSpPr>
+          <p:cNvPr id="2" name="Title 1"/>
+          <p:cNvSpPr>
+            <a:spLocks noGrp="1"/>
+          </p:cNvSpPr>
+          <p:nvPr>
+            <p:ph type="title"/>
+          </p:nvPr>
+        </p:nvSpPr>
+        <p:spPr/>
+        <p:txBody>
+          <a:bodyPr/>
+          <a:lstStyle/>
+          <a:p>
+            <a:r>
+              <a:rPr lang="en-US" dirty="0" smtClean="0"/>
+              <a:t>Causal inference</a:t>
+            </a:r>
+            <a:endParaRPr lang="en-US" dirty="0"/>
+          </a:p>
+        </p:txBody>
+      </p:sp>
+      <p:sp>
+        <p:nvSpPr>
+          <p:cNvPr id="3" name="Content Placeholder 2"/>
+          <p:cNvSpPr>
+            <a:spLocks noGrp="1"/>
+          </p:cNvSpPr>
+          <p:nvPr>
+            <p:ph idx="1"/>
+          </p:nvPr>
+        </p:nvSpPr>
+        <p:spPr>
+          <a:xfrm>
+            <a:off x="900113" y="2070100"/>
+            <a:ext cx="11049000" cy="2047135"/>
+          </a:xfrm>
+        </p:spPr>
+        <p:txBody>
+          <a:bodyPr/>
+          <a:lstStyle/>
+          <a:p>
+            <a:r>
+              <a:rPr lang="en-US" dirty="0" smtClean="0"/>
+              <a:t>Latent variables</a:t>
+            </a:r>
+            <a:endParaRPr lang="en-US" dirty="0"/>
+          </a:p>
+        </p:txBody>
+      </p:sp>
+      <p:sp>
+        <p:nvSpPr>
+          <p:cNvPr id="4" name="Oval 3"/>
+          <p:cNvSpPr/>
+          <p:nvPr/>
+        </p:nvSpPr>
+        <p:spPr bwMode="auto">
+          <a:xfrm>
+            <a:off x="2497155" y="4597053"/>
+            <a:ext cx="819291" cy="819291"/>
+          </a:xfrm>
+          <a:prstGeom prst="ellipse">
+            <a:avLst/>
+          </a:prstGeom>
+          <a:noFill/>
+          <a:ln w="12700" cap="flat" cmpd="sng" algn="ctr">
+            <a:solidFill>
+              <a:schemeClr val="bg1"/>
+            </a:solidFill>
+            <a:prstDash val="dash"/>
+            <a:round/>
+            <a:headEnd type="none" w="med" len="med"/>
+            <a:tailEnd type="none" w="med" len="med"/>
+          </a:ln>
+          <a:effectLst/>
+        </p:spPr>
+        <p:txBody>
+          <a:bodyPr vert="horz" wrap="square" lIns="130032" tIns="78019" rIns="130032" bIns="65017" numCol="1" rtlCol="0" anchor="t" anchorCtr="0" compatLnSpc="1">
+            <a:prstTxWarp prst="textNoShape">
+              <a:avLst/>
+            </a:prstTxWarp>
+          </a:bodyPr>
+          <a:lstStyle/>
+          <a:p>
+            <a:pPr algn="ctr" defTabSz="1300326"/>
+            <a:r>
+              <a:rPr lang="en-US" sz="2800" i="1" dirty="0">
+                <a:solidFill>
+                  <a:schemeClr val="bg1"/>
+                </a:solidFill>
+                <a:latin typeface="Times New Roman" pitchFamily="18" charset="0"/>
+                <a:ea typeface="ヒラギノ明朝 ProN W3" charset="-128"/>
+                <a:cs typeface="Times New Roman" pitchFamily="18" charset="0"/>
+                <a:sym typeface="American Typewriter" charset="0"/>
+              </a:rPr>
+              <a:t>A</a:t>
+            </a:r>
+          </a:p>
+        </p:txBody>
+      </p:sp>
+      <p:sp>
+        <p:nvSpPr>
+          <p:cNvPr id="5" name="Oval 4"/>
+          <p:cNvSpPr/>
+          <p:nvPr/>
+        </p:nvSpPr>
+        <p:spPr bwMode="auto">
+          <a:xfrm>
+            <a:off x="1677864" y="6217749"/>
+            <a:ext cx="819291" cy="819291"/>
+          </a:xfrm>
+          <a:prstGeom prst="ellipse">
+            <a:avLst/>
+          </a:prstGeom>
+          <a:noFill/>
+          <a:ln w="12700" cap="flat" cmpd="sng" algn="ctr">
+            <a:solidFill>
+              <a:schemeClr val="bg1"/>
+            </a:solidFill>
+            <a:prstDash val="solid"/>
+            <a:round/>
+            <a:headEnd type="none" w="med" len="med"/>
+            <a:tailEnd type="none" w="med" len="med"/>
+          </a:ln>
+          <a:effectLst/>
+        </p:spPr>
+        <p:txBody>
+          <a:bodyPr vert="horz" wrap="square" lIns="130032" tIns="78019" rIns="130032" bIns="65017" numCol="1" rtlCol="0" anchor="t" anchorCtr="0" compatLnSpc="1">
+            <a:prstTxWarp prst="textNoShape">
+              <a:avLst/>
+            </a:prstTxWarp>
+          </a:bodyPr>
+          <a:lstStyle/>
+          <a:p>
+            <a:pPr algn="ctr" defTabSz="1300326"/>
+            <a:r>
+              <a:rPr lang="en-US" sz="2800" i="1" dirty="0">
+                <a:solidFill>
+                  <a:schemeClr val="bg1"/>
+                </a:solidFill>
+                <a:latin typeface="Times New Roman" pitchFamily="18" charset="0"/>
+                <a:ea typeface="ヒラギノ明朝 ProN W3" charset="-128"/>
+                <a:cs typeface="Times New Roman" pitchFamily="18" charset="0"/>
+                <a:sym typeface="American Typewriter" charset="0"/>
+              </a:rPr>
+              <a:t>B</a:t>
+            </a:r>
+          </a:p>
+        </p:txBody>
+      </p:sp>
+      <p:sp>
+        <p:nvSpPr>
+          <p:cNvPr id="6" name="Oval 5"/>
+          <p:cNvSpPr/>
+          <p:nvPr/>
+        </p:nvSpPr>
+        <p:spPr bwMode="auto">
+          <a:xfrm>
+            <a:off x="3316446" y="6217749"/>
+            <a:ext cx="819291" cy="819291"/>
+          </a:xfrm>
+          <a:prstGeom prst="ellipse">
+            <a:avLst/>
+          </a:prstGeom>
+          <a:noFill/>
+          <a:ln w="12700" cap="flat" cmpd="sng" algn="ctr">
+            <a:solidFill>
+              <a:schemeClr val="bg1"/>
+            </a:solidFill>
+            <a:prstDash val="solid"/>
+            <a:round/>
+            <a:headEnd type="none" w="med" len="med"/>
+            <a:tailEnd type="none" w="med" len="med"/>
+          </a:ln>
+          <a:effectLst/>
+        </p:spPr>
+        <p:txBody>
+          <a:bodyPr vert="horz" wrap="square" lIns="130032" tIns="78019" rIns="130032" bIns="65017" numCol="1" rtlCol="0" anchor="t" anchorCtr="0" compatLnSpc="1">
+            <a:prstTxWarp prst="textNoShape">
+              <a:avLst/>
+            </a:prstTxWarp>
+          </a:bodyPr>
+          <a:lstStyle/>
+          <a:p>
+            <a:pPr algn="ctr" defTabSz="1300326"/>
+            <a:r>
+              <a:rPr lang="en-US" sz="2800" i="1" dirty="0">
+                <a:solidFill>
+                  <a:schemeClr val="bg1"/>
+                </a:solidFill>
+                <a:latin typeface="Times New Roman" pitchFamily="18" charset="0"/>
+                <a:ea typeface="ヒラギノ明朝 ProN W3" charset="-128"/>
+                <a:cs typeface="Times New Roman" pitchFamily="18" charset="0"/>
+                <a:sym typeface="American Typewriter" charset="0"/>
+              </a:rPr>
+              <a:t>C</a:t>
+            </a:r>
+          </a:p>
+        </p:txBody>
+      </p:sp>
+      <p:cxnSp>
+        <p:nvCxnSpPr>
+          <p:cNvPr id="7" name="Straight Arrow Connector 6"/>
+          <p:cNvCxnSpPr>
+            <a:stCxn id="4" idx="3"/>
+            <a:endCxn id="5" idx="0"/>
+          </p:cNvCxnSpPr>
+          <p:nvPr/>
+        </p:nvCxnSpPr>
+        <p:spPr bwMode="auto">
+          <a:xfrm flipH="1">
+            <a:off x="2087510" y="5296363"/>
+            <a:ext cx="529628" cy="921388"/>
+          </a:xfrm>
+          <a:prstGeom prst="straightConnector1">
+            <a:avLst/>
+          </a:prstGeom>
+          <a:blipFill dpi="0" rotWithShape="0">
+            <a:blip r:embed="rId2"/>
+            <a:srcRect/>
+            <a:tile tx="0" ty="0" sx="100000" sy="100000" flip="none" algn="tl"/>
+          </a:blipFill>
+          <a:ln w="12700" cap="flat" cmpd="sng" algn="ctr">
+            <a:solidFill>
+              <a:schemeClr val="bg1"/>
+            </a:solidFill>
+            <a:prstDash val="solid"/>
+            <a:round/>
+            <a:headEnd type="none" w="med" len="med"/>
+            <a:tailEnd type="triangle" w="lg" len="lg"/>
+          </a:ln>
+          <a:effectLst/>
+        </p:spPr>
+      </p:cxnSp>
+      <p:cxnSp>
+        <p:nvCxnSpPr>
+          <p:cNvPr id="8" name="Straight Arrow Connector 7"/>
+          <p:cNvCxnSpPr>
+            <a:stCxn id="4" idx="5"/>
+            <a:endCxn id="6" idx="0"/>
+          </p:cNvCxnSpPr>
+          <p:nvPr/>
+        </p:nvCxnSpPr>
+        <p:spPr bwMode="auto">
+          <a:xfrm>
+            <a:off x="3196465" y="5296363"/>
+            <a:ext cx="529628" cy="921388"/>
+          </a:xfrm>
+          <a:prstGeom prst="straightConnector1">
+            <a:avLst/>
+          </a:prstGeom>
+          <a:blipFill dpi="0" rotWithShape="0">
+            <a:blip r:embed="rId2"/>
+            <a:srcRect/>
+            <a:tile tx="0" ty="0" sx="100000" sy="100000" flip="none" algn="tl"/>
+          </a:blipFill>
+          <a:ln w="12700" cap="flat" cmpd="sng" algn="ctr">
+            <a:solidFill>
+              <a:schemeClr val="bg1"/>
+            </a:solidFill>
+            <a:prstDash val="solid"/>
+            <a:round/>
+            <a:headEnd type="none" w="med" len="med"/>
+            <a:tailEnd type="triangle" w="lg" len="lg"/>
+          </a:ln>
+          <a:effectLst/>
+        </p:spPr>
+      </p:cxnSp>
+      <p:sp>
+        <p:nvSpPr>
+          <p:cNvPr id="9" name="Oval 8"/>
+          <p:cNvSpPr/>
+          <p:nvPr/>
+        </p:nvSpPr>
+        <p:spPr bwMode="auto">
+          <a:xfrm>
+            <a:off x="5988743" y="6172945"/>
+            <a:ext cx="819291" cy="819291"/>
+          </a:xfrm>
+          <a:prstGeom prst="ellipse">
+            <a:avLst/>
+          </a:prstGeom>
+          <a:noFill/>
+          <a:ln w="12700" cap="flat" cmpd="sng" algn="ctr">
+            <a:solidFill>
+              <a:schemeClr val="bg1"/>
+            </a:solidFill>
+            <a:prstDash val="solid"/>
+            <a:round/>
+            <a:headEnd type="none" w="med" len="med"/>
+            <a:tailEnd type="none" w="med" len="med"/>
+          </a:ln>
+          <a:effectLst/>
+        </p:spPr>
+        <p:txBody>
+          <a:bodyPr vert="horz" wrap="square" lIns="130032" tIns="78019" rIns="130032" bIns="65017" numCol="1" rtlCol="0" anchor="t" anchorCtr="0" compatLnSpc="1">
+            <a:prstTxWarp prst="textNoShape">
+              <a:avLst/>
+            </a:prstTxWarp>
+          </a:bodyPr>
+          <a:lstStyle/>
+          <a:p>
+            <a:pPr algn="ctr" defTabSz="1300326"/>
+            <a:r>
+              <a:rPr lang="en-US" sz="2800" i="1" dirty="0">
+                <a:solidFill>
+                  <a:schemeClr val="bg1"/>
+                </a:solidFill>
+                <a:latin typeface="Times New Roman" pitchFamily="18" charset="0"/>
+                <a:ea typeface="ヒラギノ明朝 ProN W3" charset="-128"/>
+                <a:cs typeface="Times New Roman" pitchFamily="18" charset="0"/>
+                <a:sym typeface="American Typewriter" charset="0"/>
+              </a:rPr>
+              <a:t>B</a:t>
+            </a:r>
+          </a:p>
+        </p:txBody>
+      </p:sp>
+      <p:sp>
+        <p:nvSpPr>
+          <p:cNvPr id="10" name="Oval 9"/>
+          <p:cNvSpPr/>
+          <p:nvPr/>
+        </p:nvSpPr>
+        <p:spPr bwMode="auto">
+          <a:xfrm>
+            <a:off x="7627325" y="6172945"/>
+            <a:ext cx="819291" cy="819291"/>
+          </a:xfrm>
+          <a:prstGeom prst="ellipse">
+            <a:avLst/>
+          </a:prstGeom>
+          <a:noFill/>
+          <a:ln w="12700" cap="flat" cmpd="sng" algn="ctr">
+            <a:solidFill>
+              <a:schemeClr val="bg1"/>
+            </a:solidFill>
+            <a:prstDash val="solid"/>
+            <a:round/>
+            <a:headEnd type="none" w="med" len="med"/>
+            <a:tailEnd type="none" w="med" len="med"/>
+          </a:ln>
+          <a:effectLst/>
+        </p:spPr>
+        <p:txBody>
+          <a:bodyPr vert="horz" wrap="square" lIns="130032" tIns="78019" rIns="130032" bIns="65017" numCol="1" rtlCol="0" anchor="t" anchorCtr="0" compatLnSpc="1">
+            <a:prstTxWarp prst="textNoShape">
+              <a:avLst/>
+            </a:prstTxWarp>
+          </a:bodyPr>
+          <a:lstStyle/>
+          <a:p>
+            <a:pPr algn="ctr" defTabSz="1300326"/>
+            <a:r>
+              <a:rPr lang="en-US" sz="2800" i="1" dirty="0">
+                <a:solidFill>
+                  <a:schemeClr val="bg1"/>
+                </a:solidFill>
+                <a:latin typeface="Times New Roman" pitchFamily="18" charset="0"/>
+                <a:ea typeface="ヒラギノ明朝 ProN W3" charset="-128"/>
+                <a:cs typeface="Times New Roman" pitchFamily="18" charset="0"/>
+                <a:sym typeface="American Typewriter" charset="0"/>
+              </a:rPr>
+              <a:t>C</a:t>
+            </a:r>
+          </a:p>
+        </p:txBody>
+      </p:sp>
+      <p:cxnSp>
+        <p:nvCxnSpPr>
+          <p:cNvPr id="12" name="Straight Connector 11"/>
+          <p:cNvCxnSpPr>
+            <a:stCxn id="9" idx="6"/>
+            <a:endCxn id="10" idx="2"/>
+          </p:cNvCxnSpPr>
+          <p:nvPr/>
+        </p:nvCxnSpPr>
+        <p:spPr bwMode="auto">
+          <a:xfrm>
+            <a:off x="6808034" y="6582591"/>
+            <a:ext cx="819291" cy="0"/>
+          </a:xfrm>
+          <a:prstGeom prst="line">
+            <a:avLst/>
+          </a:prstGeom>
+          <a:blipFill dpi="0" rotWithShape="0">
+            <a:blip r:embed="rId2"/>
+            <a:srcRect/>
+            <a:tile tx="0" ty="0" sx="100000" sy="100000" flip="none" algn="tl"/>
+          </a:blipFill>
+          <a:ln w="12700" cap="flat" cmpd="sng" algn="ctr">
+            <a:solidFill>
+              <a:schemeClr val="bg1"/>
+            </a:solidFill>
+            <a:prstDash val="solid"/>
+            <a:round/>
+            <a:headEnd type="triangle" w="lg" len="lg"/>
+            <a:tailEnd type="triangle" w="lg" len="lg"/>
+          </a:ln>
+          <a:effectLst/>
+        </p:spPr>
+      </p:cxnSp>
+      <p:sp>
+        <p:nvSpPr>
+          <p:cNvPr id="13" name="Oval 12"/>
+          <p:cNvSpPr/>
+          <p:nvPr/>
+        </p:nvSpPr>
+        <p:spPr bwMode="auto">
+          <a:xfrm>
+            <a:off x="6790434" y="4516760"/>
+            <a:ext cx="819291" cy="819291"/>
+          </a:xfrm>
+          <a:prstGeom prst="ellipse">
+            <a:avLst/>
+          </a:prstGeom>
+          <a:noFill/>
+          <a:ln w="12700" cap="flat" cmpd="sng" algn="ctr">
+            <a:solidFill>
+              <a:schemeClr val="bg1"/>
+            </a:solidFill>
+            <a:prstDash val="dash"/>
+            <a:round/>
+            <a:headEnd type="none" w="med" len="med"/>
+            <a:tailEnd type="none" w="med" len="med"/>
+          </a:ln>
+          <a:effectLst/>
+        </p:spPr>
+        <p:txBody>
+          <a:bodyPr vert="horz" wrap="square" lIns="130032" tIns="78019" rIns="130032" bIns="65017" numCol="1" rtlCol="0" anchor="t" anchorCtr="0" compatLnSpc="1">
+            <a:prstTxWarp prst="textNoShape">
+              <a:avLst/>
+            </a:prstTxWarp>
+          </a:bodyPr>
+          <a:lstStyle/>
+          <a:p>
+            <a:pPr algn="ctr" defTabSz="1300326"/>
+            <a:r>
+              <a:rPr lang="en-US" sz="2800" i="1" dirty="0">
+                <a:solidFill>
+                  <a:schemeClr val="bg1"/>
+                </a:solidFill>
+                <a:latin typeface="Times New Roman" pitchFamily="18" charset="0"/>
+                <a:ea typeface="ヒラギノ明朝 ProN W3" charset="-128"/>
+                <a:cs typeface="Times New Roman" pitchFamily="18" charset="0"/>
+                <a:sym typeface="American Typewriter" charset="0"/>
+              </a:rPr>
+              <a:t>A</a:t>
+            </a:r>
+          </a:p>
+        </p:txBody>
+      </p:sp>
+    </p:spTree>
+    <p:extLst>
+      <p:ext uri="{BB962C8B-B14F-4D97-AF65-F5344CB8AC3E}">
+        <p14:creationId xmlns:p14="http://schemas.microsoft.com/office/powerpoint/2010/main" xmlns="" val="1187177545"/>
+      </p:ext>
+    </p:extLst>
+  </p:cSld>
+  <p:clrMapOvr>
+    <a:masterClrMapping/>
+  </p:clrMapOvr>
+  <p:transition/>
+  <p:timing>
+    <p:tnLst>
+      <p:par>
+        <p:cTn id="1" dur="indefinite" restart="never" nodeType="tmRoot"/>
+      </p:par>
+    </p:tnLst>
+  </p:timing>
+</p:sld>
+</file>
+
+<file path=ppt/slides/slide15.xml><?xml version="1.0" encoding="utf-8"?>
 <p:sld xmlns:a="http://schemas.openxmlformats.org/drawingml/2006/main" xmlns:r="http://schemas.openxmlformats.org/officeDocument/2006/relationships" xmlns:p="http://schemas.openxmlformats.org/presentationml/2006/main">
   <p:cSld>
     <p:bg>
@@ -12008,7 +11178,7 @@
             </a:pPr>
             <a:r>
               <a:rPr lang="en-US" dirty="0" smtClean="0"/>
-              <a:t>For 1029 time frames</a:t>
+              <a:t>For 1029 time frames, with a 2 second interval</a:t>
             </a:r>
           </a:p>
         </p:txBody>
@@ -12285,7 +11455,7 @@
             </a:pPr>
             <a:r>
               <a:rPr lang="en-US" dirty="0" smtClean="0"/>
-              <a:t>Use a causal discovery algorithm on the time series data</a:t>
+              <a:t>Use PC on the time series data</a:t>
             </a:r>
           </a:p>
           <a:p>
@@ -12344,32 +11514,7 @@
             </a:pPr>
             <a:r>
               <a:rPr lang="en-US" sz="2350" dirty="0" smtClean="0"/>
-              <a:t>Should describe which region activates which: effective connectivity!</a:t>
-            </a:r>
-          </a:p>
-          <a:p>
-            <a:pPr marL="514350" lvl="1" indent="-514350">
-              <a:buFont typeface="Arial" pitchFamily="34" charset="0"/>
-              <a:buChar char="•"/>
-            </a:pPr>
-            <a:endParaRPr lang="en-US" dirty="0" smtClean="0"/>
-          </a:p>
-          <a:p>
-            <a:pPr marL="514350" lvl="1" indent="-514350">
-              <a:buFont typeface="Arial" pitchFamily="34" charset="0"/>
-              <a:buChar char="•"/>
-            </a:pPr>
-            <a:r>
-              <a:rPr lang="en-US" dirty="0" smtClean="0"/>
-              <a:t>PC (Peter-</a:t>
-            </a:r>
-            <a:r>
-              <a:rPr lang="en-US" dirty="0" err="1" smtClean="0"/>
-              <a:t>Clarck</a:t>
-            </a:r>
-            <a:r>
-              <a:rPr lang="en-US" dirty="0" smtClean="0"/>
-              <a:t>) algorithm can do both</a:t>
+              <a:t>Should describe which region activates which</a:t>
             </a:r>
           </a:p>
         </p:txBody>
@@ -12467,12 +11612,8 @@
           </a:p>
           <a:p>
             <a:r>
-              <a:rPr lang="en-US" smtClean="0"/>
-              <a:t>Algorithm </a:t>
-            </a:r>
-            <a:r>
               <a:rPr lang="en-US" dirty="0" smtClean="0"/>
-              <a:t>does more than just looking at correlations </a:t>
+              <a:t>Algorithm does more than just looking at correlations </a:t>
             </a:r>
             <a:endParaRPr lang="en-US" dirty="0"/>
           </a:p>
